--- a/Presntations/midterm presentation IOT Barcode checker 7681.pptx
+++ b/Presntations/midterm presentation IOT Barcode checker 7681.pptx
@@ -5,7 +5,7 @@
     <p:sldMasterId id="2147483726" r:id="rId1"/>
   </p:sldMasterIdLst>
   <p:notesMasterIdLst>
-    <p:notesMasterId r:id="rId16"/>
+    <p:notesMasterId r:id="rId17"/>
   </p:notesMasterIdLst>
   <p:sldIdLst>
     <p:sldId id="256" r:id="rId2"/>
@@ -15,13 +15,14 @@
     <p:sldId id="273" r:id="rId6"/>
     <p:sldId id="279" r:id="rId7"/>
     <p:sldId id="274" r:id="rId8"/>
-    <p:sldId id="272" r:id="rId9"/>
-    <p:sldId id="271" r:id="rId10"/>
-    <p:sldId id="259" r:id="rId11"/>
-    <p:sldId id="270" r:id="rId12"/>
-    <p:sldId id="275" r:id="rId13"/>
-    <p:sldId id="260" r:id="rId14"/>
-    <p:sldId id="276" r:id="rId15"/>
+    <p:sldId id="280" r:id="rId9"/>
+    <p:sldId id="272" r:id="rId10"/>
+    <p:sldId id="271" r:id="rId11"/>
+    <p:sldId id="259" r:id="rId12"/>
+    <p:sldId id="270" r:id="rId13"/>
+    <p:sldId id="275" r:id="rId14"/>
+    <p:sldId id="260" r:id="rId15"/>
+    <p:sldId id="276" r:id="rId16"/>
   </p:sldIdLst>
   <p:sldSz cx="12192000" cy="6858000"/>
   <p:notesSz cx="6858000" cy="9144000"/>
@@ -6442,7 +6443,7 @@
           <a:p>
             <a:fld id="{4966AAC7-B74A-48E8-841A-BDDA799A8381}" type="slidenum">
               <a:rPr lang="en-IL" smtClean="0"/>
-              <a:t>8</a:t>
+              <a:t>9</a:t>
             </a:fld>
             <a:endParaRPr lang="en-IL"/>
           </a:p>
@@ -6550,7 +6551,7 @@
           <a:p>
             <a:fld id="{4966AAC7-B74A-48E8-841A-BDDA799A8381}" type="slidenum">
               <a:rPr lang="en-IL" smtClean="0"/>
-              <a:t>12</a:t>
+              <a:t>13</a:t>
             </a:fld>
             <a:endParaRPr lang="en-IL"/>
           </a:p>
@@ -6619,7 +6620,7 @@
           <a:noFill/>
           <a:extLst>
             <a:ext uri="{909E8E84-426E-40dd-AFC4-6F175D3DCCD1}">
-              <a14:hiddenFill xmlns:a14="http://schemas.microsoft.com/office/drawing/2010/main" xmlns="">
+              <a14:hiddenFill xmlns="" xmlns:a14="http://schemas.microsoft.com/office/drawing/2010/main">
                 <a:solidFill>
                   <a:srgbClr val="FFFFFF"/>
                 </a:solidFill>
@@ -6679,7 +6680,7 @@
             </a:ln>
             <a:extLst>
               <a:ext uri="{91240B29-F687-4f45-9708-019B960494DF}">
-                <a14:hiddenLine xmlns:a14="http://schemas.microsoft.com/office/drawing/2010/main" xmlns="" w="9525">
+                <a14:hiddenLine xmlns="" xmlns:a14="http://schemas.microsoft.com/office/drawing/2010/main" w="9525">
                   <a:solidFill>
                     <a:srgbClr val="000000"/>
                   </a:solidFill>
@@ -6769,7 +6770,7 @@
             </a:ln>
             <a:extLst>
               <a:ext uri="{91240B29-F687-4f45-9708-019B960494DF}">
-                <a14:hiddenLine xmlns:a14="http://schemas.microsoft.com/office/drawing/2010/main" xmlns="" w="9525">
+                <a14:hiddenLine xmlns="" xmlns:a14="http://schemas.microsoft.com/office/drawing/2010/main" w="9525">
                   <a:solidFill>
                     <a:srgbClr val="000000"/>
                   </a:solidFill>
@@ -6859,7 +6860,7 @@
             </a:ln>
             <a:extLst>
               <a:ext uri="{91240B29-F687-4f45-9708-019B960494DF}">
-                <a14:hiddenLine xmlns:a14="http://schemas.microsoft.com/office/drawing/2010/main" xmlns="" w="9525">
+                <a14:hiddenLine xmlns="" xmlns:a14="http://schemas.microsoft.com/office/drawing/2010/main" w="9525">
                   <a:solidFill>
                     <a:srgbClr val="000000"/>
                   </a:solidFill>
@@ -6893,7 +6894,7 @@
             </a:ln>
             <a:extLst>
               <a:ext uri="{91240B29-F687-4f45-9708-019B960494DF}">
-                <a14:hiddenLine xmlns:a14="http://schemas.microsoft.com/office/drawing/2010/main" xmlns="" w="9525">
+                <a14:hiddenLine xmlns="" xmlns:a14="http://schemas.microsoft.com/office/drawing/2010/main" w="9525">
                   <a:solidFill>
                     <a:srgbClr val="000000"/>
                   </a:solidFill>
@@ -6983,7 +6984,7 @@
             </a:ln>
             <a:extLst>
               <a:ext uri="{91240B29-F687-4f45-9708-019B960494DF}">
-                <a14:hiddenLine xmlns:a14="http://schemas.microsoft.com/office/drawing/2010/main" xmlns="" w="9525">
+                <a14:hiddenLine xmlns="" xmlns:a14="http://schemas.microsoft.com/office/drawing/2010/main" w="9525">
                   <a:solidFill>
                     <a:srgbClr val="000000"/>
                   </a:solidFill>
@@ -7045,7 +7046,7 @@
             </a:ln>
             <a:extLst>
               <a:ext uri="{91240B29-F687-4f45-9708-019B960494DF}">
-                <a14:hiddenLine xmlns:a14="http://schemas.microsoft.com/office/drawing/2010/main" xmlns="" w="9525">
+                <a14:hiddenLine xmlns="" xmlns:a14="http://schemas.microsoft.com/office/drawing/2010/main" w="9525">
                   <a:solidFill>
                     <a:srgbClr val="000000"/>
                   </a:solidFill>
@@ -7107,7 +7108,7 @@
             </a:ln>
             <a:extLst>
               <a:ext uri="{91240B29-F687-4f45-9708-019B960494DF}">
-                <a14:hiddenLine xmlns:a14="http://schemas.microsoft.com/office/drawing/2010/main" xmlns="" w="9525">
+                <a14:hiddenLine xmlns="" xmlns:a14="http://schemas.microsoft.com/office/drawing/2010/main" w="9525">
                   <a:solidFill>
                     <a:srgbClr val="000000"/>
                   </a:solidFill>
@@ -7197,7 +7198,7 @@
             </a:ln>
             <a:extLst>
               <a:ext uri="{91240B29-F687-4f45-9708-019B960494DF}">
-                <a14:hiddenLine xmlns:a14="http://schemas.microsoft.com/office/drawing/2010/main" xmlns="" w="9525">
+                <a14:hiddenLine xmlns="" xmlns:a14="http://schemas.microsoft.com/office/drawing/2010/main" w="9525">
                   <a:solidFill>
                     <a:srgbClr val="000000"/>
                   </a:solidFill>
@@ -7259,7 +7260,7 @@
             </a:ln>
             <a:extLst>
               <a:ext uri="{91240B29-F687-4f45-9708-019B960494DF}">
-                <a14:hiddenLine xmlns:a14="http://schemas.microsoft.com/office/drawing/2010/main" xmlns="" w="9525">
+                <a14:hiddenLine xmlns="" xmlns:a14="http://schemas.microsoft.com/office/drawing/2010/main" w="9525">
                   <a:solidFill>
                     <a:srgbClr val="000000"/>
                   </a:solidFill>
@@ -7321,7 +7322,7 @@
             </a:ln>
             <a:extLst>
               <a:ext uri="{91240B29-F687-4f45-9708-019B960494DF}">
-                <a14:hiddenLine xmlns:a14="http://schemas.microsoft.com/office/drawing/2010/main" xmlns="" w="9525">
+                <a14:hiddenLine xmlns="" xmlns:a14="http://schemas.microsoft.com/office/drawing/2010/main" w="9525">
                   <a:solidFill>
                     <a:srgbClr val="000000"/>
                   </a:solidFill>
@@ -7411,7 +7412,7 @@
             </a:ln>
             <a:extLst>
               <a:ext uri="{91240B29-F687-4f45-9708-019B960494DF}">
-                <a14:hiddenLine xmlns:a14="http://schemas.microsoft.com/office/drawing/2010/main" xmlns="" w="9525">
+                <a14:hiddenLine xmlns="" xmlns:a14="http://schemas.microsoft.com/office/drawing/2010/main" w="9525">
                   <a:solidFill>
                     <a:srgbClr val="000000"/>
                   </a:solidFill>
@@ -7501,7 +7502,7 @@
             </a:ln>
             <a:extLst>
               <a:ext uri="{91240B29-F687-4f45-9708-019B960494DF}">
-                <a14:hiddenLine xmlns:a14="http://schemas.microsoft.com/office/drawing/2010/main" xmlns="" w="9525">
+                <a14:hiddenLine xmlns="" xmlns:a14="http://schemas.microsoft.com/office/drawing/2010/main" w="9525">
                   <a:solidFill>
                     <a:srgbClr val="000000"/>
                   </a:solidFill>
@@ -7563,7 +7564,7 @@
             </a:ln>
             <a:extLst>
               <a:ext uri="{91240B29-F687-4f45-9708-019B960494DF}">
-                <a14:hiddenLine xmlns:a14="http://schemas.microsoft.com/office/drawing/2010/main" xmlns="" w="9525">
+                <a14:hiddenLine xmlns="" xmlns:a14="http://schemas.microsoft.com/office/drawing/2010/main" w="9525">
                   <a:solidFill>
                     <a:srgbClr val="000000"/>
                   </a:solidFill>
@@ -7673,7 +7674,7 @@
             </a:ln>
             <a:extLst>
               <a:ext uri="{91240B29-F687-4f45-9708-019B960494DF}">
-                <a14:hiddenLine xmlns:a14="http://schemas.microsoft.com/office/drawing/2010/main" xmlns="" w="9525">
+                <a14:hiddenLine xmlns="" xmlns:a14="http://schemas.microsoft.com/office/drawing/2010/main" w="9525">
                   <a:solidFill>
                     <a:srgbClr val="000000"/>
                   </a:solidFill>
@@ -7735,7 +7736,7 @@
             </a:ln>
             <a:extLst>
               <a:ext uri="{91240B29-F687-4f45-9708-019B960494DF}">
-                <a14:hiddenLine xmlns:a14="http://schemas.microsoft.com/office/drawing/2010/main" xmlns="" w="9525">
+                <a14:hiddenLine xmlns="" xmlns:a14="http://schemas.microsoft.com/office/drawing/2010/main" w="9525">
                   <a:solidFill>
                     <a:srgbClr val="000000"/>
                   </a:solidFill>
@@ -7825,7 +7826,7 @@
             </a:ln>
             <a:extLst>
               <a:ext uri="{91240B29-F687-4f45-9708-019B960494DF}">
-                <a14:hiddenLine xmlns:a14="http://schemas.microsoft.com/office/drawing/2010/main" xmlns="" w="9525">
+                <a14:hiddenLine xmlns="" xmlns:a14="http://schemas.microsoft.com/office/drawing/2010/main" w="9525">
                   <a:solidFill>
                     <a:srgbClr val="000000"/>
                   </a:solidFill>
@@ -7915,7 +7916,7 @@
             </a:ln>
             <a:extLst>
               <a:ext uri="{91240B29-F687-4f45-9708-019B960494DF}">
-                <a14:hiddenLine xmlns:a14="http://schemas.microsoft.com/office/drawing/2010/main" xmlns="" w="9525">
+                <a14:hiddenLine xmlns="" xmlns:a14="http://schemas.microsoft.com/office/drawing/2010/main" w="9525">
                   <a:solidFill>
                     <a:srgbClr val="000000"/>
                   </a:solidFill>
@@ -7977,7 +7978,7 @@
             </a:ln>
             <a:extLst>
               <a:ext uri="{91240B29-F687-4f45-9708-019B960494DF}">
-                <a14:hiddenLine xmlns:a14="http://schemas.microsoft.com/office/drawing/2010/main" xmlns="" w="9525">
+                <a14:hiddenLine xmlns="" xmlns:a14="http://schemas.microsoft.com/office/drawing/2010/main" w="9525">
                   <a:solidFill>
                     <a:srgbClr val="000000"/>
                   </a:solidFill>
@@ -8067,7 +8068,7 @@
             </a:ln>
             <a:extLst>
               <a:ext uri="{91240B29-F687-4f45-9708-019B960494DF}">
-                <a14:hiddenLine xmlns:a14="http://schemas.microsoft.com/office/drawing/2010/main" xmlns="" w="9525">
+                <a14:hiddenLine xmlns="" xmlns:a14="http://schemas.microsoft.com/office/drawing/2010/main" w="9525">
                   <a:solidFill>
                     <a:srgbClr val="000000"/>
                   </a:solidFill>
@@ -8157,7 +8158,7 @@
             </a:ln>
             <a:extLst>
               <a:ext uri="{91240B29-F687-4f45-9708-019B960494DF}">
-                <a14:hiddenLine xmlns:a14="http://schemas.microsoft.com/office/drawing/2010/main" xmlns="" w="9525">
+                <a14:hiddenLine xmlns="" xmlns:a14="http://schemas.microsoft.com/office/drawing/2010/main" w="9525">
                   <a:solidFill>
                     <a:srgbClr val="000000"/>
                   </a:solidFill>
@@ -8213,7 +8214,7 @@
             </a:ln>
             <a:extLst>
               <a:ext uri="{91240B29-F687-4f45-9708-019B960494DF}">
-                <a14:hiddenLine xmlns:a14="http://schemas.microsoft.com/office/drawing/2010/main" xmlns="" w="9525">
+                <a14:hiddenLine xmlns="" xmlns:a14="http://schemas.microsoft.com/office/drawing/2010/main" w="9525">
                   <a:solidFill>
                     <a:srgbClr val="000000"/>
                   </a:solidFill>
@@ -8303,7 +8304,7 @@
             </a:ln>
             <a:extLst>
               <a:ext uri="{91240B29-F687-4f45-9708-019B960494DF}">
-                <a14:hiddenLine xmlns:a14="http://schemas.microsoft.com/office/drawing/2010/main" xmlns="" w="9525">
+                <a14:hiddenLine xmlns="" xmlns:a14="http://schemas.microsoft.com/office/drawing/2010/main" w="9525">
                   <a:solidFill>
                     <a:srgbClr val="000000"/>
                   </a:solidFill>
@@ -8359,7 +8360,7 @@
             </a:ln>
             <a:extLst>
               <a:ext uri="{91240B29-F687-4f45-9708-019B960494DF}">
-                <a14:hiddenLine xmlns:a14="http://schemas.microsoft.com/office/drawing/2010/main" xmlns="" w="9525">
+                <a14:hiddenLine xmlns="" xmlns:a14="http://schemas.microsoft.com/office/drawing/2010/main" w="9525">
                   <a:solidFill>
                     <a:srgbClr val="000000"/>
                   </a:solidFill>
@@ -8449,7 +8450,7 @@
             </a:ln>
             <a:extLst>
               <a:ext uri="{91240B29-F687-4f45-9708-019B960494DF}">
-                <a14:hiddenLine xmlns:a14="http://schemas.microsoft.com/office/drawing/2010/main" xmlns="" w="9525">
+                <a14:hiddenLine xmlns="" xmlns:a14="http://schemas.microsoft.com/office/drawing/2010/main" w="9525">
                   <a:solidFill>
                     <a:srgbClr val="000000"/>
                   </a:solidFill>
@@ -8517,7 +8518,7 @@
             </a:ln>
             <a:extLst>
               <a:ext uri="{91240B29-F687-4f45-9708-019B960494DF}">
-                <a14:hiddenLine xmlns:a14="http://schemas.microsoft.com/office/drawing/2010/main" xmlns="" w="9525">
+                <a14:hiddenLine xmlns="" xmlns:a14="http://schemas.microsoft.com/office/drawing/2010/main" w="9525">
                   <a:solidFill>
                     <a:srgbClr val="000000"/>
                   </a:solidFill>
@@ -8607,7 +8608,7 @@
             </a:ln>
             <a:extLst>
               <a:ext uri="{91240B29-F687-4f45-9708-019B960494DF}">
-                <a14:hiddenLine xmlns:a14="http://schemas.microsoft.com/office/drawing/2010/main" xmlns="" w="9525">
+                <a14:hiddenLine xmlns="" xmlns:a14="http://schemas.microsoft.com/office/drawing/2010/main" w="9525">
                   <a:solidFill>
                     <a:srgbClr val="000000"/>
                   </a:solidFill>
@@ -8675,7 +8676,7 @@
             </a:ln>
             <a:extLst>
               <a:ext uri="{91240B29-F687-4f45-9708-019B960494DF}">
-                <a14:hiddenLine xmlns:a14="http://schemas.microsoft.com/office/drawing/2010/main" xmlns="" w="9525">
+                <a14:hiddenLine xmlns="" xmlns:a14="http://schemas.microsoft.com/office/drawing/2010/main" w="9525">
                   <a:solidFill>
                     <a:srgbClr val="000000"/>
                   </a:solidFill>
@@ -8765,7 +8766,7 @@
             </a:ln>
             <a:extLst>
               <a:ext uri="{91240B29-F687-4f45-9708-019B960494DF}">
-                <a14:hiddenLine xmlns:a14="http://schemas.microsoft.com/office/drawing/2010/main" xmlns="" w="9525">
+                <a14:hiddenLine xmlns="" xmlns:a14="http://schemas.microsoft.com/office/drawing/2010/main" w="9525">
                   <a:solidFill>
                     <a:srgbClr val="000000"/>
                   </a:solidFill>
@@ -8799,7 +8800,7 @@
             </a:ln>
             <a:extLst>
               <a:ext uri="{91240B29-F687-4f45-9708-019B960494DF}">
-                <a14:hiddenLine xmlns:a14="http://schemas.microsoft.com/office/drawing/2010/main" xmlns="" w="9525">
+                <a14:hiddenLine xmlns="" xmlns:a14="http://schemas.microsoft.com/office/drawing/2010/main" w="9525">
                   <a:solidFill>
                     <a:srgbClr val="000000"/>
                   </a:solidFill>
@@ -8889,7 +8890,7 @@
             </a:ln>
             <a:extLst>
               <a:ext uri="{91240B29-F687-4f45-9708-019B960494DF}">
-                <a14:hiddenLine xmlns:a14="http://schemas.microsoft.com/office/drawing/2010/main" xmlns="" w="9525">
+                <a14:hiddenLine xmlns="" xmlns:a14="http://schemas.microsoft.com/office/drawing/2010/main" w="9525">
                   <a:solidFill>
                     <a:srgbClr val="000000"/>
                   </a:solidFill>
@@ -8951,7 +8952,7 @@
             </a:ln>
             <a:extLst>
               <a:ext uri="{91240B29-F687-4f45-9708-019B960494DF}">
-                <a14:hiddenLine xmlns:a14="http://schemas.microsoft.com/office/drawing/2010/main" xmlns="" w="9525">
+                <a14:hiddenLine xmlns="" xmlns:a14="http://schemas.microsoft.com/office/drawing/2010/main" w="9525">
                   <a:solidFill>
                     <a:srgbClr val="000000"/>
                   </a:solidFill>
@@ -9013,7 +9014,7 @@
             </a:ln>
             <a:extLst>
               <a:ext uri="{91240B29-F687-4f45-9708-019B960494DF}">
-                <a14:hiddenLine xmlns:a14="http://schemas.microsoft.com/office/drawing/2010/main" xmlns="" w="9525">
+                <a14:hiddenLine xmlns="" xmlns:a14="http://schemas.microsoft.com/office/drawing/2010/main" w="9525">
                   <a:solidFill>
                     <a:srgbClr val="000000"/>
                   </a:solidFill>
@@ -9103,7 +9104,7 @@
             </a:ln>
             <a:extLst>
               <a:ext uri="{91240B29-F687-4f45-9708-019B960494DF}">
-                <a14:hiddenLine xmlns:a14="http://schemas.microsoft.com/office/drawing/2010/main" xmlns="" w="9525">
+                <a14:hiddenLine xmlns="" xmlns:a14="http://schemas.microsoft.com/office/drawing/2010/main" w="9525">
                   <a:solidFill>
                     <a:srgbClr val="000000"/>
                   </a:solidFill>
@@ -9171,7 +9172,7 @@
             </a:ln>
             <a:extLst>
               <a:ext uri="{91240B29-F687-4f45-9708-019B960494DF}">
-                <a14:hiddenLine xmlns:a14="http://schemas.microsoft.com/office/drawing/2010/main" xmlns="" w="9525">
+                <a14:hiddenLine xmlns="" xmlns:a14="http://schemas.microsoft.com/office/drawing/2010/main" w="9525">
                   <a:solidFill>
                     <a:srgbClr val="000000"/>
                   </a:solidFill>
@@ -9233,7 +9234,7 @@
             </a:ln>
             <a:extLst>
               <a:ext uri="{91240B29-F687-4f45-9708-019B960494DF}">
-                <a14:hiddenLine xmlns:a14="http://schemas.microsoft.com/office/drawing/2010/main" xmlns="" w="9525">
+                <a14:hiddenLine xmlns="" xmlns:a14="http://schemas.microsoft.com/office/drawing/2010/main" w="9525">
                   <a:solidFill>
                     <a:srgbClr val="000000"/>
                   </a:solidFill>
@@ -9323,7 +9324,7 @@
             </a:ln>
             <a:extLst>
               <a:ext uri="{91240B29-F687-4f45-9708-019B960494DF}">
-                <a14:hiddenLine xmlns:a14="http://schemas.microsoft.com/office/drawing/2010/main" xmlns="" w="9525">
+                <a14:hiddenLine xmlns="" xmlns:a14="http://schemas.microsoft.com/office/drawing/2010/main" w="9525">
                   <a:solidFill>
                     <a:srgbClr val="000000"/>
                   </a:solidFill>
@@ -9385,7 +9386,7 @@
             </a:ln>
             <a:extLst>
               <a:ext uri="{91240B29-F687-4f45-9708-019B960494DF}">
-                <a14:hiddenLine xmlns:a14="http://schemas.microsoft.com/office/drawing/2010/main" xmlns="" w="9525">
+                <a14:hiddenLine xmlns="" xmlns:a14="http://schemas.microsoft.com/office/drawing/2010/main" w="9525">
                   <a:solidFill>
                     <a:srgbClr val="000000"/>
                   </a:solidFill>
@@ -9475,7 +9476,7 @@
             </a:ln>
             <a:extLst>
               <a:ext uri="{91240B29-F687-4f45-9708-019B960494DF}">
-                <a14:hiddenLine xmlns:a14="http://schemas.microsoft.com/office/drawing/2010/main" xmlns="" w="9525">
+                <a14:hiddenLine xmlns="" xmlns:a14="http://schemas.microsoft.com/office/drawing/2010/main" w="9525">
                   <a:solidFill>
                     <a:srgbClr val="000000"/>
                   </a:solidFill>
@@ -9537,7 +9538,7 @@
             </a:ln>
             <a:extLst>
               <a:ext uri="{91240B29-F687-4f45-9708-019B960494DF}">
-                <a14:hiddenLine xmlns:a14="http://schemas.microsoft.com/office/drawing/2010/main" xmlns="" w="9525">
+                <a14:hiddenLine xmlns="" xmlns:a14="http://schemas.microsoft.com/office/drawing/2010/main" w="9525">
                   <a:solidFill>
                     <a:srgbClr val="000000"/>
                   </a:solidFill>
@@ -9627,7 +9628,7 @@
             </a:ln>
             <a:extLst>
               <a:ext uri="{91240B29-F687-4f45-9708-019B960494DF}">
-                <a14:hiddenLine xmlns:a14="http://schemas.microsoft.com/office/drawing/2010/main" xmlns="" w="9525">
+                <a14:hiddenLine xmlns="" xmlns:a14="http://schemas.microsoft.com/office/drawing/2010/main" w="9525">
                   <a:solidFill>
                     <a:srgbClr val="000000"/>
                   </a:solidFill>
@@ -9661,7 +9662,7 @@
             </a:ln>
             <a:extLst>
               <a:ext uri="{91240B29-F687-4f45-9708-019B960494DF}">
-                <a14:hiddenLine xmlns:a14="http://schemas.microsoft.com/office/drawing/2010/main" xmlns="" w="9525">
+                <a14:hiddenLine xmlns="" xmlns:a14="http://schemas.microsoft.com/office/drawing/2010/main" w="9525">
                   <a:solidFill>
                     <a:srgbClr val="000000"/>
                   </a:solidFill>
@@ -9726,7 +9727,7 @@
             </a:ln>
             <a:extLst>
               <a:ext uri="{91240B29-F687-4f45-9708-019B960494DF}">
-                <a14:hiddenLine xmlns:a14="http://schemas.microsoft.com/office/drawing/2010/main" xmlns="" w="9525">
+                <a14:hiddenLine xmlns="" xmlns:a14="http://schemas.microsoft.com/office/drawing/2010/main" w="9525">
                   <a:solidFill>
                     <a:srgbClr val="000000"/>
                   </a:solidFill>
@@ -9816,7 +9817,7 @@
             </a:ln>
             <a:extLst>
               <a:ext uri="{91240B29-F687-4f45-9708-019B960494DF}">
-                <a14:hiddenLine xmlns:a14="http://schemas.microsoft.com/office/drawing/2010/main" xmlns="" w="9525">
+                <a14:hiddenLine xmlns="" xmlns:a14="http://schemas.microsoft.com/office/drawing/2010/main" w="9525">
                   <a:solidFill>
                     <a:srgbClr val="000000"/>
                   </a:solidFill>
@@ -9878,7 +9879,7 @@
             </a:ln>
             <a:extLst>
               <a:ext uri="{91240B29-F687-4f45-9708-019B960494DF}">
-                <a14:hiddenLine xmlns:a14="http://schemas.microsoft.com/office/drawing/2010/main" xmlns="" w="9525">
+                <a14:hiddenLine xmlns="" xmlns:a14="http://schemas.microsoft.com/office/drawing/2010/main" w="9525">
                   <a:solidFill>
                     <a:srgbClr val="000000"/>
                   </a:solidFill>
@@ -9968,7 +9969,7 @@
             </a:ln>
             <a:extLst>
               <a:ext uri="{91240B29-F687-4f45-9708-019B960494DF}">
-                <a14:hiddenLine xmlns:a14="http://schemas.microsoft.com/office/drawing/2010/main" xmlns="" w="9525">
+                <a14:hiddenLine xmlns="" xmlns:a14="http://schemas.microsoft.com/office/drawing/2010/main" w="9525">
                   <a:solidFill>
                     <a:srgbClr val="000000"/>
                   </a:solidFill>
@@ -10058,7 +10059,7 @@
             </a:ln>
             <a:extLst>
               <a:ext uri="{91240B29-F687-4f45-9708-019B960494DF}">
-                <a14:hiddenLine xmlns:a14="http://schemas.microsoft.com/office/drawing/2010/main" xmlns="" w="9525">
+                <a14:hiddenLine xmlns="" xmlns:a14="http://schemas.microsoft.com/office/drawing/2010/main" w="9525">
                   <a:solidFill>
                     <a:srgbClr val="000000"/>
                   </a:solidFill>
@@ -10123,7 +10124,7 @@
             </a:ln>
             <a:extLst>
               <a:ext uri="{91240B29-F687-4f45-9708-019B960494DF}">
-                <a14:hiddenLine xmlns:a14="http://schemas.microsoft.com/office/drawing/2010/main" xmlns="" w="9525">
+                <a14:hiddenLine xmlns="" xmlns:a14="http://schemas.microsoft.com/office/drawing/2010/main" w="9525">
                   <a:solidFill>
                     <a:srgbClr val="000000"/>
                   </a:solidFill>
@@ -10185,7 +10186,7 @@
             </a:ln>
             <a:extLst>
               <a:ext uri="{91240B29-F687-4f45-9708-019B960494DF}">
-                <a14:hiddenLine xmlns:a14="http://schemas.microsoft.com/office/drawing/2010/main" xmlns="" w="9525">
+                <a14:hiddenLine xmlns="" xmlns:a14="http://schemas.microsoft.com/office/drawing/2010/main" w="9525">
                   <a:solidFill>
                     <a:srgbClr val="000000"/>
                   </a:solidFill>
@@ -10275,7 +10276,7 @@
             </a:ln>
             <a:extLst>
               <a:ext uri="{91240B29-F687-4f45-9708-019B960494DF}">
-                <a14:hiddenLine xmlns:a14="http://schemas.microsoft.com/office/drawing/2010/main" xmlns="" w="9525">
+                <a14:hiddenLine xmlns="" xmlns:a14="http://schemas.microsoft.com/office/drawing/2010/main" w="9525">
                   <a:solidFill>
                     <a:srgbClr val="000000"/>
                   </a:solidFill>
@@ -10365,7 +10366,7 @@
             </a:ln>
             <a:extLst>
               <a:ext uri="{91240B29-F687-4f45-9708-019B960494DF}">
-                <a14:hiddenLine xmlns:a14="http://schemas.microsoft.com/office/drawing/2010/main" xmlns="" w="9525">
+                <a14:hiddenLine xmlns="" xmlns:a14="http://schemas.microsoft.com/office/drawing/2010/main" w="9525">
                   <a:solidFill>
                     <a:srgbClr val="000000"/>
                   </a:solidFill>
@@ -10427,7 +10428,7 @@
             </a:ln>
             <a:extLst>
               <a:ext uri="{91240B29-F687-4f45-9708-019B960494DF}">
-                <a14:hiddenLine xmlns:a14="http://schemas.microsoft.com/office/drawing/2010/main" xmlns="" w="9525">
+                <a14:hiddenLine xmlns="" xmlns:a14="http://schemas.microsoft.com/office/drawing/2010/main" w="9525">
                   <a:solidFill>
                     <a:srgbClr val="000000"/>
                   </a:solidFill>
@@ -10547,7 +10548,7 @@
             </a:ln>
             <a:extLst>
               <a:ext uri="{91240B29-F687-4f45-9708-019B960494DF}">
-                <a14:hiddenLine xmlns:a14="http://schemas.microsoft.com/office/drawing/2010/main" xmlns="" w="9525">
+                <a14:hiddenLine xmlns="" xmlns:a14="http://schemas.microsoft.com/office/drawing/2010/main" w="9525">
                   <a:solidFill>
                     <a:srgbClr val="000000"/>
                   </a:solidFill>
@@ -10615,7 +10616,7 @@
             </a:ln>
             <a:extLst>
               <a:ext uri="{91240B29-F687-4f45-9708-019B960494DF}">
-                <a14:hiddenLine xmlns:a14="http://schemas.microsoft.com/office/drawing/2010/main" xmlns="" w="9525">
+                <a14:hiddenLine xmlns="" xmlns:a14="http://schemas.microsoft.com/office/drawing/2010/main" w="9525">
                   <a:solidFill>
                     <a:srgbClr val="000000"/>
                   </a:solidFill>
@@ -10705,7 +10706,7 @@
             </a:ln>
             <a:extLst>
               <a:ext uri="{91240B29-F687-4f45-9708-019B960494DF}">
-                <a14:hiddenLine xmlns:a14="http://schemas.microsoft.com/office/drawing/2010/main" xmlns="" w="9525">
+                <a14:hiddenLine xmlns="" xmlns:a14="http://schemas.microsoft.com/office/drawing/2010/main" w="9525">
                   <a:solidFill>
                     <a:srgbClr val="000000"/>
                   </a:solidFill>
@@ -15512,7 +15513,7 @@
           <a:noFill/>
           <a:extLst>
             <a:ext uri="{909E8E84-426E-40dd-AFC4-6F175D3DCCD1}">
-              <a14:hiddenFill xmlns:a14="http://schemas.microsoft.com/office/drawing/2010/main" xmlns="">
+              <a14:hiddenFill xmlns="" xmlns:a14="http://schemas.microsoft.com/office/drawing/2010/main">
                 <a:solidFill>
                   <a:srgbClr val="FFFFFF"/>
                 </a:solidFill>
@@ -15586,7 +15587,7 @@
               </a:ln>
               <a:extLst>
                 <a:ext uri="{91240B29-F687-4f45-9708-019B960494DF}">
-                  <a14:hiddenLine xmlns:a14="http://schemas.microsoft.com/office/drawing/2010/main" xmlns="" w="9525">
+                  <a14:hiddenLine xmlns="" xmlns:a14="http://schemas.microsoft.com/office/drawing/2010/main" w="9525">
                     <a:solidFill>
                       <a:srgbClr val="000000"/>
                     </a:solidFill>
@@ -15676,7 +15677,7 @@
               </a:ln>
               <a:extLst>
                 <a:ext uri="{91240B29-F687-4f45-9708-019B960494DF}">
-                  <a14:hiddenLine xmlns:a14="http://schemas.microsoft.com/office/drawing/2010/main" xmlns="" w="9525">
+                  <a14:hiddenLine xmlns="" xmlns:a14="http://schemas.microsoft.com/office/drawing/2010/main" w="9525">
                     <a:solidFill>
                       <a:srgbClr val="000000"/>
                     </a:solidFill>
@@ -15766,7 +15767,7 @@
               </a:ln>
               <a:extLst>
                 <a:ext uri="{91240B29-F687-4f45-9708-019B960494DF}">
-                  <a14:hiddenLine xmlns:a14="http://schemas.microsoft.com/office/drawing/2010/main" xmlns="" w="9525">
+                  <a14:hiddenLine xmlns="" xmlns:a14="http://schemas.microsoft.com/office/drawing/2010/main" w="9525">
                     <a:solidFill>
                       <a:srgbClr val="000000"/>
                     </a:solidFill>
@@ -15828,7 +15829,7 @@
               </a:ln>
               <a:extLst>
                 <a:ext uri="{91240B29-F687-4f45-9708-019B960494DF}">
-                  <a14:hiddenLine xmlns:a14="http://schemas.microsoft.com/office/drawing/2010/main" xmlns="" w="9525">
+                  <a14:hiddenLine xmlns="" xmlns:a14="http://schemas.microsoft.com/office/drawing/2010/main" w="9525">
                     <a:solidFill>
                       <a:srgbClr val="000000"/>
                     </a:solidFill>
@@ -15918,7 +15919,7 @@
               </a:ln>
               <a:extLst>
                 <a:ext uri="{91240B29-F687-4f45-9708-019B960494DF}">
-                  <a14:hiddenLine xmlns:a14="http://schemas.microsoft.com/office/drawing/2010/main" xmlns="" w="9525">
+                  <a14:hiddenLine xmlns="" xmlns:a14="http://schemas.microsoft.com/office/drawing/2010/main" w="9525">
                     <a:solidFill>
                       <a:srgbClr val="000000"/>
                     </a:solidFill>
@@ -15980,7 +15981,7 @@
               </a:ln>
               <a:extLst>
                 <a:ext uri="{91240B29-F687-4f45-9708-019B960494DF}">
-                  <a14:hiddenLine xmlns:a14="http://schemas.microsoft.com/office/drawing/2010/main" xmlns="" w="9525">
+                  <a14:hiddenLine xmlns="" xmlns:a14="http://schemas.microsoft.com/office/drawing/2010/main" w="9525">
                     <a:solidFill>
                       <a:srgbClr val="000000"/>
                     </a:solidFill>
@@ -16042,7 +16043,7 @@
               </a:ln>
               <a:extLst>
                 <a:ext uri="{91240B29-F687-4f45-9708-019B960494DF}">
-                  <a14:hiddenLine xmlns:a14="http://schemas.microsoft.com/office/drawing/2010/main" xmlns="" w="9525">
+                  <a14:hiddenLine xmlns="" xmlns:a14="http://schemas.microsoft.com/office/drawing/2010/main" w="9525">
                     <a:solidFill>
                       <a:srgbClr val="000000"/>
                     </a:solidFill>
@@ -16132,7 +16133,7 @@
               </a:ln>
               <a:extLst>
                 <a:ext uri="{91240B29-F687-4f45-9708-019B960494DF}">
-                  <a14:hiddenLine xmlns:a14="http://schemas.microsoft.com/office/drawing/2010/main" xmlns="" w="9525">
+                  <a14:hiddenLine xmlns="" xmlns:a14="http://schemas.microsoft.com/office/drawing/2010/main" w="9525">
                     <a:solidFill>
                       <a:srgbClr val="000000"/>
                     </a:solidFill>
@@ -16222,7 +16223,7 @@
               </a:ln>
               <a:extLst>
                 <a:ext uri="{91240B29-F687-4f45-9708-019B960494DF}">
-                  <a14:hiddenLine xmlns:a14="http://schemas.microsoft.com/office/drawing/2010/main" xmlns="" w="9525">
+                  <a14:hiddenLine xmlns="" xmlns:a14="http://schemas.microsoft.com/office/drawing/2010/main" w="9525">
                     <a:solidFill>
                       <a:srgbClr val="000000"/>
                     </a:solidFill>
@@ -16284,7 +16285,7 @@
               </a:ln>
               <a:extLst>
                 <a:ext uri="{91240B29-F687-4f45-9708-019B960494DF}">
-                  <a14:hiddenLine xmlns:a14="http://schemas.microsoft.com/office/drawing/2010/main" xmlns="" w="9525">
+                  <a14:hiddenLine xmlns="" xmlns:a14="http://schemas.microsoft.com/office/drawing/2010/main" w="9525">
                     <a:solidFill>
                       <a:srgbClr val="000000"/>
                     </a:solidFill>
@@ -16394,7 +16395,7 @@
               </a:ln>
               <a:extLst>
                 <a:ext uri="{91240B29-F687-4f45-9708-019B960494DF}">
-                  <a14:hiddenLine xmlns:a14="http://schemas.microsoft.com/office/drawing/2010/main" xmlns="" w="9525">
+                  <a14:hiddenLine xmlns="" xmlns:a14="http://schemas.microsoft.com/office/drawing/2010/main" w="9525">
                     <a:solidFill>
                       <a:srgbClr val="000000"/>
                     </a:solidFill>
@@ -16478,7 +16479,7 @@
               </a:ln>
               <a:extLst>
                 <a:ext uri="{91240B29-F687-4f45-9708-019B960494DF}">
-                  <a14:hiddenLine xmlns:a14="http://schemas.microsoft.com/office/drawing/2010/main" xmlns="" w="9525">
+                  <a14:hiddenLine xmlns="" xmlns:a14="http://schemas.microsoft.com/office/drawing/2010/main" w="9525">
                     <a:solidFill>
                       <a:srgbClr val="000000"/>
                     </a:solidFill>
@@ -16540,7 +16541,7 @@
               </a:ln>
               <a:extLst>
                 <a:ext uri="{91240B29-F687-4f45-9708-019B960494DF}">
-                  <a14:hiddenLine xmlns:a14="http://schemas.microsoft.com/office/drawing/2010/main" xmlns="" w="9525">
+                  <a14:hiddenLine xmlns="" xmlns:a14="http://schemas.microsoft.com/office/drawing/2010/main" w="9525">
                     <a:solidFill>
                       <a:srgbClr val="000000"/>
                     </a:solidFill>
@@ -16602,7 +16603,7 @@
               </a:ln>
               <a:extLst>
                 <a:ext uri="{91240B29-F687-4f45-9708-019B960494DF}">
-                  <a14:hiddenLine xmlns:a14="http://schemas.microsoft.com/office/drawing/2010/main" xmlns="" w="9525">
+                  <a14:hiddenLine xmlns="" xmlns:a14="http://schemas.microsoft.com/office/drawing/2010/main" w="9525">
                     <a:solidFill>
                       <a:srgbClr val="000000"/>
                     </a:solidFill>
@@ -16692,7 +16693,7 @@
               </a:ln>
               <a:extLst>
                 <a:ext uri="{91240B29-F687-4f45-9708-019B960494DF}">
-                  <a14:hiddenLine xmlns:a14="http://schemas.microsoft.com/office/drawing/2010/main" xmlns="" w="9525">
+                  <a14:hiddenLine xmlns="" xmlns:a14="http://schemas.microsoft.com/office/drawing/2010/main" w="9525">
                     <a:solidFill>
                       <a:srgbClr val="000000"/>
                     </a:solidFill>
@@ -16726,7 +16727,7 @@
               </a:ln>
               <a:extLst>
                 <a:ext uri="{91240B29-F687-4f45-9708-019B960494DF}">
-                  <a14:hiddenLine xmlns:a14="http://schemas.microsoft.com/office/drawing/2010/main" xmlns="" w="9525">
+                  <a14:hiddenLine xmlns="" xmlns:a14="http://schemas.microsoft.com/office/drawing/2010/main" w="9525">
                     <a:solidFill>
                       <a:srgbClr val="000000"/>
                     </a:solidFill>
@@ -16791,7 +16792,7 @@
               </a:ln>
               <a:extLst>
                 <a:ext uri="{91240B29-F687-4f45-9708-019B960494DF}">
-                  <a14:hiddenLine xmlns:a14="http://schemas.microsoft.com/office/drawing/2010/main" xmlns="" w="9525">
+                  <a14:hiddenLine xmlns="" xmlns:a14="http://schemas.microsoft.com/office/drawing/2010/main" w="9525">
                     <a:solidFill>
                       <a:srgbClr val="000000"/>
                     </a:solidFill>
@@ -16881,7 +16882,7 @@
               </a:ln>
               <a:extLst>
                 <a:ext uri="{91240B29-F687-4f45-9708-019B960494DF}">
-                  <a14:hiddenLine xmlns:a14="http://schemas.microsoft.com/office/drawing/2010/main" xmlns="" w="9525">
+                  <a14:hiddenLine xmlns="" xmlns:a14="http://schemas.microsoft.com/office/drawing/2010/main" w="9525">
                     <a:solidFill>
                       <a:srgbClr val="000000"/>
                     </a:solidFill>
@@ -16943,7 +16944,7 @@
               </a:ln>
               <a:extLst>
                 <a:ext uri="{91240B29-F687-4f45-9708-019B960494DF}">
-                  <a14:hiddenLine xmlns:a14="http://schemas.microsoft.com/office/drawing/2010/main" xmlns="" w="9525">
+                  <a14:hiddenLine xmlns="" xmlns:a14="http://schemas.microsoft.com/office/drawing/2010/main" w="9525">
                     <a:solidFill>
                       <a:srgbClr val="000000"/>
                     </a:solidFill>
@@ -17033,7 +17034,7 @@
               </a:ln>
               <a:extLst>
                 <a:ext uri="{91240B29-F687-4f45-9708-019B960494DF}">
-                  <a14:hiddenLine xmlns:a14="http://schemas.microsoft.com/office/drawing/2010/main" xmlns="" w="9525">
+                  <a14:hiddenLine xmlns="" xmlns:a14="http://schemas.microsoft.com/office/drawing/2010/main" w="9525">
                     <a:solidFill>
                       <a:srgbClr val="000000"/>
                     </a:solidFill>
@@ -17098,7 +17099,7 @@
               </a:ln>
               <a:extLst>
                 <a:ext uri="{91240B29-F687-4f45-9708-019B960494DF}">
-                  <a14:hiddenLine xmlns:a14="http://schemas.microsoft.com/office/drawing/2010/main" xmlns="" w="9525">
+                  <a14:hiddenLine xmlns="" xmlns:a14="http://schemas.microsoft.com/office/drawing/2010/main" w="9525">
                     <a:solidFill>
                       <a:srgbClr val="000000"/>
                     </a:solidFill>
@@ -17160,7 +17161,7 @@
               </a:ln>
               <a:extLst>
                 <a:ext uri="{91240B29-F687-4f45-9708-019B960494DF}">
-                  <a14:hiddenLine xmlns:a14="http://schemas.microsoft.com/office/drawing/2010/main" xmlns="" w="9525">
+                  <a14:hiddenLine xmlns="" xmlns:a14="http://schemas.microsoft.com/office/drawing/2010/main" w="9525">
                     <a:solidFill>
                       <a:srgbClr val="000000"/>
                     </a:solidFill>
@@ -17250,7 +17251,7 @@
               </a:ln>
               <a:extLst>
                 <a:ext uri="{91240B29-F687-4f45-9708-019B960494DF}">
-                  <a14:hiddenLine xmlns:a14="http://schemas.microsoft.com/office/drawing/2010/main" xmlns="" w="9525">
+                  <a14:hiddenLine xmlns="" xmlns:a14="http://schemas.microsoft.com/office/drawing/2010/main" w="9525">
                     <a:solidFill>
                       <a:srgbClr val="000000"/>
                     </a:solidFill>
@@ -17340,7 +17341,7 @@
               </a:ln>
               <a:extLst>
                 <a:ext uri="{91240B29-F687-4f45-9708-019B960494DF}">
-                  <a14:hiddenLine xmlns:a14="http://schemas.microsoft.com/office/drawing/2010/main" xmlns="" w="9525">
+                  <a14:hiddenLine xmlns="" xmlns:a14="http://schemas.microsoft.com/office/drawing/2010/main" w="9525">
                     <a:solidFill>
                       <a:srgbClr val="000000"/>
                     </a:solidFill>
@@ -17405,7 +17406,7 @@
               </a:ln>
               <a:extLst>
                 <a:ext uri="{91240B29-F687-4f45-9708-019B960494DF}">
-                  <a14:hiddenLine xmlns:a14="http://schemas.microsoft.com/office/drawing/2010/main" xmlns="" w="9525">
+                  <a14:hiddenLine xmlns="" xmlns:a14="http://schemas.microsoft.com/office/drawing/2010/main" w="9525">
                     <a:solidFill>
                       <a:srgbClr val="000000"/>
                     </a:solidFill>
@@ -17525,7 +17526,7 @@
               </a:ln>
               <a:extLst>
                 <a:ext uri="{91240B29-F687-4f45-9708-019B960494DF}">
-                  <a14:hiddenLine xmlns:a14="http://schemas.microsoft.com/office/drawing/2010/main" xmlns="" w="9525">
+                  <a14:hiddenLine xmlns="" xmlns:a14="http://schemas.microsoft.com/office/drawing/2010/main" w="9525">
                     <a:solidFill>
                       <a:srgbClr val="000000"/>
                     </a:solidFill>
@@ -17623,7 +17624,7 @@
               </a:ln>
               <a:extLst>
                 <a:ext uri="{91240B29-F687-4f45-9708-019B960494DF}">
-                  <a14:hiddenLine xmlns:a14="http://schemas.microsoft.com/office/drawing/2010/main" xmlns="" w="9525">
+                  <a14:hiddenLine xmlns="" xmlns:a14="http://schemas.microsoft.com/office/drawing/2010/main" w="9525">
                     <a:solidFill>
                       <a:srgbClr val="000000"/>
                     </a:solidFill>
@@ -17738,7 +17739,7 @@
               </a:ln>
               <a:extLst>
                 <a:ext uri="{91240B29-F687-4f45-9708-019B960494DF}">
-                  <a14:hiddenLine xmlns:a14="http://schemas.microsoft.com/office/drawing/2010/main" xmlns="" w="9525">
+                  <a14:hiddenLine xmlns="" xmlns:a14="http://schemas.microsoft.com/office/drawing/2010/main" w="9525">
                     <a:solidFill>
                       <a:srgbClr val="000000"/>
                     </a:solidFill>
@@ -17828,7 +17829,7 @@
               </a:ln>
               <a:extLst>
                 <a:ext uri="{91240B29-F687-4f45-9708-019B960494DF}">
-                  <a14:hiddenLine xmlns:a14="http://schemas.microsoft.com/office/drawing/2010/main" xmlns="" w="9525">
+                  <a14:hiddenLine xmlns="" xmlns:a14="http://schemas.microsoft.com/office/drawing/2010/main" w="9525">
                     <a:solidFill>
                       <a:srgbClr val="000000"/>
                     </a:solidFill>
@@ -17893,7 +17894,7 @@
               </a:ln>
               <a:extLst>
                 <a:ext uri="{91240B29-F687-4f45-9708-019B960494DF}">
-                  <a14:hiddenLine xmlns:a14="http://schemas.microsoft.com/office/drawing/2010/main" xmlns="" w="9525">
+                  <a14:hiddenLine xmlns="" xmlns:a14="http://schemas.microsoft.com/office/drawing/2010/main" w="9525">
                     <a:solidFill>
                       <a:srgbClr val="000000"/>
                     </a:solidFill>
@@ -17983,7 +17984,7 @@
               </a:ln>
               <a:extLst>
                 <a:ext uri="{91240B29-F687-4f45-9708-019B960494DF}">
-                  <a14:hiddenLine xmlns:a14="http://schemas.microsoft.com/office/drawing/2010/main" xmlns="" w="9525">
+                  <a14:hiddenLine xmlns="" xmlns:a14="http://schemas.microsoft.com/office/drawing/2010/main" w="9525">
                     <a:solidFill>
                       <a:srgbClr val="000000"/>
                     </a:solidFill>
@@ -18051,7 +18052,7 @@
               </a:ln>
               <a:extLst>
                 <a:ext uri="{91240B29-F687-4f45-9708-019B960494DF}">
-                  <a14:hiddenLine xmlns:a14="http://schemas.microsoft.com/office/drawing/2010/main" xmlns="" w="9525">
+                  <a14:hiddenLine xmlns="" xmlns:a14="http://schemas.microsoft.com/office/drawing/2010/main" w="9525">
                     <a:solidFill>
                       <a:srgbClr val="000000"/>
                     </a:solidFill>
@@ -18141,7 +18142,7 @@
               </a:ln>
               <a:extLst>
                 <a:ext uri="{91240B29-F687-4f45-9708-019B960494DF}">
-                  <a14:hiddenLine xmlns:a14="http://schemas.microsoft.com/office/drawing/2010/main" xmlns="" w="9525">
+                  <a14:hiddenLine xmlns="" xmlns:a14="http://schemas.microsoft.com/office/drawing/2010/main" w="9525">
                     <a:solidFill>
                       <a:srgbClr val="000000"/>
                     </a:solidFill>
@@ -18209,7 +18210,7 @@
               </a:ln>
               <a:extLst>
                 <a:ext uri="{91240B29-F687-4f45-9708-019B960494DF}">
-                  <a14:hiddenLine xmlns:a14="http://schemas.microsoft.com/office/drawing/2010/main" xmlns="" w="9525">
+                  <a14:hiddenLine xmlns="" xmlns:a14="http://schemas.microsoft.com/office/drawing/2010/main" w="9525">
                     <a:solidFill>
                       <a:srgbClr val="000000"/>
                     </a:solidFill>
@@ -18299,7 +18300,7 @@
               </a:ln>
               <a:extLst>
                 <a:ext uri="{91240B29-F687-4f45-9708-019B960494DF}">
-                  <a14:hiddenLine xmlns:a14="http://schemas.microsoft.com/office/drawing/2010/main" xmlns="" w="9525">
+                  <a14:hiddenLine xmlns="" xmlns:a14="http://schemas.microsoft.com/office/drawing/2010/main" w="9525">
                     <a:solidFill>
                       <a:srgbClr val="000000"/>
                     </a:solidFill>
@@ -18333,7 +18334,7 @@
               </a:ln>
               <a:extLst>
                 <a:ext uri="{91240B29-F687-4f45-9708-019B960494DF}">
-                  <a14:hiddenLine xmlns:a14="http://schemas.microsoft.com/office/drawing/2010/main" xmlns="" w="9525">
+                  <a14:hiddenLine xmlns="" xmlns:a14="http://schemas.microsoft.com/office/drawing/2010/main" w="9525">
                     <a:solidFill>
                       <a:srgbClr val="000000"/>
                     </a:solidFill>
@@ -19145,6 +19146,108 @@
           <p:cNvPr id="2" name="Title 1">
             <a:extLst>
               <a:ext uri="{FF2B5EF4-FFF2-40B4-BE49-F238E27FC236}">
+                <a16:creationId xmlns:a16="http://schemas.microsoft.com/office/drawing/2014/main" id="{6AD343CC-C763-D389-639C-D78CF783AE7A}"/>
+              </a:ext>
+            </a:extLst>
+          </p:cNvPr>
+          <p:cNvSpPr>
+            <a:spLocks noGrp="1"/>
+          </p:cNvSpPr>
+          <p:nvPr>
+            <p:ph type="title"/>
+          </p:nvPr>
+        </p:nvSpPr>
+        <p:spPr>
+          <a:xfrm>
+            <a:off x="945470" y="161317"/>
+            <a:ext cx="9905998" cy="1478570"/>
+          </a:xfrm>
+        </p:spPr>
+        <p:txBody>
+          <a:bodyPr>
+            <a:normAutofit/>
+          </a:bodyPr>
+          <a:lstStyle/>
+          <a:p>
+            <a:pPr algn="ctr"/>
+            <a:r>
+              <a:rPr lang="en-US" b="1" dirty="0">
+                <a:cs typeface="Arial" panose="020B0604020202020204" pitchFamily="34" charset="0"/>
+              </a:rPr>
+              <a:t>Challenges</a:t>
+            </a:r>
+            <a:endParaRPr lang="en-IL" dirty="0">
+              <a:cs typeface="Arial" panose="020B0604020202020204" pitchFamily="34" charset="0"/>
+            </a:endParaRPr>
+          </a:p>
+        </p:txBody>
+      </p:sp>
+      <p:graphicFrame>
+        <p:nvGraphicFramePr>
+          <p:cNvPr id="5" name="Content Placeholder 2">
+            <a:extLst>
+              <a:ext uri="{FF2B5EF4-FFF2-40B4-BE49-F238E27FC236}">
+                <a16:creationId xmlns:a16="http://schemas.microsoft.com/office/drawing/2014/main" id="{A9305F76-4367-B5E6-A7E0-F392F0F7580C}"/>
+              </a:ext>
+            </a:extLst>
+          </p:cNvPr>
+          <p:cNvGraphicFramePr>
+            <a:graphicFrameLocks noGrp="1"/>
+          </p:cNvGraphicFramePr>
+          <p:nvPr>
+            <p:ph idx="1"/>
+            <p:extLst>
+              <p:ext uri="{D42A27DB-BD31-4B8C-83A1-F6EECF244321}">
+                <p14:modId xmlns:p14="http://schemas.microsoft.com/office/powerpoint/2010/main" val="1720728073"/>
+              </p:ext>
+            </p:extLst>
+          </p:nvPr>
+        </p:nvGraphicFramePr>
+        <p:xfrm>
+          <a:off x="1097715" y="1624710"/>
+          <a:ext cx="9905998" cy="4575855"/>
+        </p:xfrm>
+        <a:graphic>
+          <a:graphicData uri="http://schemas.openxmlformats.org/drawingml/2006/diagram">
+            <dgm:relIds xmlns:dgm="http://schemas.openxmlformats.org/drawingml/2006/diagram" xmlns:r="http://schemas.openxmlformats.org/officeDocument/2006/relationships" r:dm="rId2" r:lo="rId3" r:qs="rId4" r:cs="rId5"/>
+          </a:graphicData>
+        </a:graphic>
+      </p:graphicFrame>
+    </p:spTree>
+    <p:extLst>
+      <p:ext uri="{BB962C8B-B14F-4D97-AF65-F5344CB8AC3E}">
+        <p14:creationId xmlns:p14="http://schemas.microsoft.com/office/powerpoint/2010/main" val="2696104758"/>
+      </p:ext>
+    </p:extLst>
+  </p:cSld>
+  <p:clrMapOvr>
+    <a:masterClrMapping/>
+  </p:clrMapOvr>
+</p:sld>
+</file>
+
+<file path=ppt/slides/slide11.xml><?xml version="1.0" encoding="utf-8"?>
+<p:sld xmlns:a="http://schemas.openxmlformats.org/drawingml/2006/main" xmlns:r="http://schemas.openxmlformats.org/officeDocument/2006/relationships" xmlns:p="http://schemas.openxmlformats.org/presentationml/2006/main">
+  <p:cSld>
+    <p:spTree>
+      <p:nvGrpSpPr>
+        <p:cNvPr id="1" name=""/>
+        <p:cNvGrpSpPr/>
+        <p:nvPr/>
+      </p:nvGrpSpPr>
+      <p:grpSpPr>
+        <a:xfrm>
+          <a:off x="0" y="0"/>
+          <a:ext cx="0" cy="0"/>
+          <a:chOff x="0" y="0"/>
+          <a:chExt cx="0" cy="0"/>
+        </a:xfrm>
+      </p:grpSpPr>
+      <p:sp>
+        <p:nvSpPr>
+          <p:cNvPr id="2" name="Title 1">
+            <a:extLst>
+              <a:ext uri="{FF2B5EF4-FFF2-40B4-BE49-F238E27FC236}">
                 <a16:creationId xmlns:a16="http://schemas.microsoft.com/office/drawing/2014/main" id="{A9426543-CCDF-2771-6FE8-52C8D13D77ED}"/>
               </a:ext>
             </a:extLst>
@@ -19241,7 +19344,7 @@
 </p:sld>
 </file>
 
-<file path=ppt/slides/slide11.xml><?xml version="1.0" encoding="utf-8"?>
+<file path=ppt/slides/slide12.xml><?xml version="1.0" encoding="utf-8"?>
 <p:sld xmlns:a="http://schemas.openxmlformats.org/drawingml/2006/main" xmlns:r="http://schemas.openxmlformats.org/officeDocument/2006/relationships" xmlns:p="http://schemas.openxmlformats.org/presentationml/2006/main">
   <p:cSld>
     <p:spTree>
@@ -19876,7 +19979,7 @@
 </p:sld>
 </file>
 
-<file path=ppt/slides/slide12.xml><?xml version="1.0" encoding="utf-8"?>
+<file path=ppt/slides/slide13.xml><?xml version="1.0" encoding="utf-8"?>
 <p:sld xmlns:a="http://schemas.openxmlformats.org/drawingml/2006/main" xmlns:r="http://schemas.openxmlformats.org/officeDocument/2006/relationships" xmlns:p="http://schemas.openxmlformats.org/presentationml/2006/main">
   <p:cSld>
     <p:spTree>
@@ -19991,7 +20094,7 @@
 </p:sld>
 </file>
 
-<file path=ppt/slides/slide13.xml><?xml version="1.0" encoding="utf-8"?>
+<file path=ppt/slides/slide14.xml><?xml version="1.0" encoding="utf-8"?>
 <p:sld xmlns:a="http://schemas.openxmlformats.org/drawingml/2006/main" xmlns:r="http://schemas.openxmlformats.org/officeDocument/2006/relationships" xmlns:p="http://schemas.openxmlformats.org/presentationml/2006/main">
   <p:cSld>
     <p:spTree>
@@ -20180,7 +20283,7 @@
 </p:sld>
 </file>
 
-<file path=ppt/slides/slide14.xml><?xml version="1.0" encoding="utf-8"?>
+<file path=ppt/slides/slide15.xml><?xml version="1.0" encoding="utf-8"?>
 <p:sld xmlns:a="http://schemas.openxmlformats.org/drawingml/2006/main" xmlns:r="http://schemas.openxmlformats.org/officeDocument/2006/relationships" xmlns:p="http://schemas.openxmlformats.org/presentationml/2006/main">
   <p:cSld>
     <p:spTree>
@@ -21908,32 +22011,25 @@
         </p:nvSpPr>
         <p:spPr>
           <a:xfrm>
-            <a:off x="1188324" y="2772833"/>
-            <a:ext cx="1216058" cy="798922"/>
+            <a:off x="1188324" y="2645786"/>
+            <a:ext cx="1216058" cy="925969"/>
           </a:xfrm>
           <a:prstGeom prst="rect">
             <a:avLst/>
           </a:prstGeom>
+          <a:solidFill>
+            <a:srgbClr val="1DFDF2"/>
+          </a:solidFill>
           <a:ln>
             <a:noFill/>
           </a:ln>
-          <a:effectLst>
-            <a:outerShdw blurRad="190500" dist="228600" dir="2700000" algn="ctr">
-              <a:srgbClr val="000000">
-                <a:alpha val="30000"/>
-              </a:srgbClr>
-            </a:outerShdw>
-          </a:effectLst>
+          <a:effectLst/>
           <a:scene3d>
-            <a:camera prst="orthographicFront">
-              <a:rot lat="0" lon="0" rev="0"/>
-            </a:camera>
-            <a:lightRig rig="glow" dir="t">
-              <a:rot lat="0" lon="0" rev="4800000"/>
-            </a:lightRig>
+            <a:camera prst="orthographicFront"/>
+            <a:lightRig rig="threePt" dir="t"/>
           </a:scene3d>
-          <a:sp3d prstMaterial="matte">
-            <a:bevelT w="127000" h="63500"/>
+          <a:sp3d>
+            <a:bevelT w="165100" prst="coolSlant"/>
           </a:sp3d>
         </p:spPr>
         <p:style>
@@ -21958,12 +22054,18 @@
           <a:p>
             <a:pPr algn="ctr"/>
             <a:r>
-              <a:rPr lang="en-US" dirty="0">
+              <a:rPr lang="en-US" b="1" dirty="0">
+                <a:solidFill>
+                  <a:sysClr val="windowText" lastClr="000000"/>
+                </a:solidFill>
                 <a:cs typeface="Arial" panose="020B0604020202020204" pitchFamily="34" charset="0"/>
               </a:rPr>
               <a:t>start</a:t>
             </a:r>
-            <a:endParaRPr lang="en-IL" dirty="0">
+            <a:endParaRPr lang="en-IL" b="1" dirty="0">
+              <a:solidFill>
+                <a:sysClr val="windowText" lastClr="000000"/>
+              </a:solidFill>
               <a:cs typeface="Arial" panose="020B0604020202020204" pitchFamily="34" charset="0"/>
             </a:endParaRPr>
           </a:p>
@@ -21984,34 +22086,24 @@
         <p:spPr>
           <a:xfrm>
             <a:off x="3044858" y="1564849"/>
-            <a:ext cx="2076077" cy="1068607"/>
+            <a:ext cx="2076077" cy="1264632"/>
           </a:xfrm>
           <a:prstGeom prst="rect">
             <a:avLst/>
           </a:prstGeom>
           <a:solidFill>
-            <a:schemeClr val="accent3"/>
+            <a:srgbClr val="FFFF00"/>
           </a:solidFill>
           <a:ln>
             <a:noFill/>
           </a:ln>
-          <a:effectLst>
-            <a:outerShdw blurRad="190500" dist="228600" dir="2700000" algn="ctr">
-              <a:srgbClr val="000000">
-                <a:alpha val="30000"/>
-              </a:srgbClr>
-            </a:outerShdw>
-          </a:effectLst>
+          <a:effectLst/>
           <a:scene3d>
-            <a:camera prst="orthographicFront">
-              <a:rot lat="0" lon="0" rev="0"/>
-            </a:camera>
-            <a:lightRig rig="glow" dir="t">
-              <a:rot lat="0" lon="0" rev="4800000"/>
-            </a:lightRig>
+            <a:camera prst="orthographicFront"/>
+            <a:lightRig rig="threePt" dir="t"/>
           </a:scene3d>
-          <a:sp3d prstMaterial="matte">
-            <a:bevelT w="127000" h="63500"/>
+          <a:sp3d>
+            <a:bevelT w="165100" prst="coolSlant"/>
           </a:sp3d>
         </p:spPr>
         <p:style>
@@ -22036,12 +22128,18 @@
           <a:p>
             <a:pPr algn="ctr"/>
             <a:r>
-              <a:rPr lang="en-US" dirty="0">
+              <a:rPr lang="en-US" b="1" dirty="0">
+                <a:solidFill>
+                  <a:sysClr val="windowText" lastClr="000000"/>
+                </a:solidFill>
                 <a:cs typeface="Arial" panose="020B0604020202020204" pitchFamily="34" charset="0"/>
               </a:rPr>
               <a:t>Scan the “Golden barcode” &amp; save it to the SD card</a:t>
             </a:r>
-            <a:endParaRPr lang="en-IL" dirty="0">
+            <a:endParaRPr lang="en-IL" b="1" dirty="0">
+              <a:solidFill>
+                <a:sysClr val="windowText" lastClr="000000"/>
+              </a:solidFill>
               <a:cs typeface="Arial" panose="020B0604020202020204" pitchFamily="34" charset="0"/>
             </a:endParaRPr>
           </a:p>
@@ -22062,36 +22160,24 @@
         <p:spPr>
           <a:xfrm>
             <a:off x="5874977" y="1564848"/>
-            <a:ext cx="1892605" cy="1068607"/>
+            <a:ext cx="1892605" cy="1264633"/>
           </a:xfrm>
           <a:prstGeom prst="rect">
             <a:avLst/>
           </a:prstGeom>
           <a:solidFill>
-            <a:schemeClr val="tx2">
-              <a:lumMod val="50000"/>
-            </a:schemeClr>
+            <a:schemeClr val="bg1"/>
           </a:solidFill>
           <a:ln>
             <a:noFill/>
           </a:ln>
-          <a:effectLst>
-            <a:outerShdw blurRad="190500" dist="228600" dir="2700000" algn="ctr">
-              <a:srgbClr val="000000">
-                <a:alpha val="30000"/>
-              </a:srgbClr>
-            </a:outerShdw>
-          </a:effectLst>
+          <a:effectLst/>
           <a:scene3d>
-            <a:camera prst="orthographicFront">
-              <a:rot lat="0" lon="0" rev="0"/>
-            </a:camera>
-            <a:lightRig rig="glow" dir="t">
-              <a:rot lat="0" lon="0" rev="4800000"/>
-            </a:lightRig>
+            <a:camera prst="orthographicFront"/>
+            <a:lightRig rig="threePt" dir="t"/>
           </a:scene3d>
-          <a:sp3d prstMaterial="matte">
-            <a:bevelT w="127000" h="63500"/>
+          <a:sp3d>
+            <a:bevelT w="165100" prst="coolSlant"/>
           </a:sp3d>
         </p:spPr>
         <p:style>
@@ -22116,12 +22202,18 @@
           <a:p>
             <a:pPr algn="ctr"/>
             <a:r>
-              <a:rPr lang="en-US" dirty="0">
+              <a:rPr lang="en-US" b="1" dirty="0">
+                <a:solidFill>
+                  <a:sysClr val="windowText" lastClr="000000"/>
+                </a:solidFill>
                 <a:cs typeface="Arial" panose="020B0604020202020204" pitchFamily="34" charset="0"/>
               </a:rPr>
               <a:t>Scan a barcode we want to compare to the Golden</a:t>
             </a:r>
-            <a:endParaRPr lang="en-IL" dirty="0">
+            <a:endParaRPr lang="en-IL" b="1" dirty="0">
+              <a:solidFill>
+                <a:sysClr val="windowText" lastClr="000000"/>
+              </a:solidFill>
               <a:cs typeface="Arial" panose="020B0604020202020204" pitchFamily="34" charset="0"/>
             </a:endParaRPr>
           </a:p>
@@ -22142,34 +22234,24 @@
         <p:spPr>
           <a:xfrm>
             <a:off x="8521625" y="1564849"/>
-            <a:ext cx="1968631" cy="1080937"/>
+            <a:ext cx="1968631" cy="1264637"/>
           </a:xfrm>
           <a:prstGeom prst="rect">
             <a:avLst/>
           </a:prstGeom>
           <a:solidFill>
-            <a:srgbClr val="00B050"/>
+            <a:srgbClr val="01FF00"/>
           </a:solidFill>
           <a:ln>
             <a:noFill/>
           </a:ln>
-          <a:effectLst>
-            <a:outerShdw blurRad="190500" dist="228600" dir="2700000" algn="ctr">
-              <a:srgbClr val="000000">
-                <a:alpha val="30000"/>
-              </a:srgbClr>
-            </a:outerShdw>
-          </a:effectLst>
+          <a:effectLst/>
           <a:scene3d>
-            <a:camera prst="orthographicFront">
-              <a:rot lat="0" lon="0" rev="0"/>
-            </a:camera>
-            <a:lightRig rig="glow" dir="t">
-              <a:rot lat="0" lon="0" rev="4800000"/>
-            </a:lightRig>
+            <a:camera prst="orthographicFront"/>
+            <a:lightRig rig="threePt" dir="t"/>
           </a:scene3d>
-          <a:sp3d prstMaterial="matte">
-            <a:bevelT w="127000" h="63500"/>
+          <a:sp3d>
+            <a:bevelT w="165100" prst="coolSlant"/>
           </a:sp3d>
         </p:spPr>
         <p:style>
@@ -22194,13 +22276,19 @@
           <a:p>
             <a:pPr algn="ctr"/>
             <a:r>
-              <a:rPr lang="en-US" dirty="0">
+              <a:rPr lang="en-US" b="1" dirty="0">
+                <a:solidFill>
+                  <a:sysClr val="windowText" lastClr="000000"/>
+                </a:solidFill>
                 <a:latin typeface="Arial" panose="020B0604020202020204" pitchFamily="34" charset="0"/>
                 <a:cs typeface="Arial" panose="020B0604020202020204" pitchFamily="34" charset="0"/>
               </a:rPr>
               <a:t>Get the result via sound + screen, and save the result</a:t>
             </a:r>
-            <a:endParaRPr lang="en-IL" dirty="0">
+            <a:endParaRPr lang="en-IL" b="1" dirty="0">
+              <a:solidFill>
+                <a:sysClr val="windowText" lastClr="000000"/>
+              </a:solidFill>
               <a:latin typeface="Arial" panose="020B0604020202020204" pitchFamily="34" charset="0"/>
               <a:cs typeface="Arial" panose="020B0604020202020204" pitchFamily="34" charset="0"/>
             </a:endParaRPr>
@@ -22221,35 +22309,25 @@
         </p:nvSpPr>
         <p:spPr>
           <a:xfrm>
-            <a:off x="3044857" y="3690241"/>
-            <a:ext cx="2076077" cy="1068607"/>
+            <a:off x="3044856" y="3494214"/>
+            <a:ext cx="2076077" cy="1264633"/>
           </a:xfrm>
           <a:prstGeom prst="rect">
             <a:avLst/>
           </a:prstGeom>
           <a:solidFill>
-            <a:schemeClr val="accent3"/>
+            <a:srgbClr val="FFFF00"/>
           </a:solidFill>
           <a:ln>
             <a:noFill/>
           </a:ln>
-          <a:effectLst>
-            <a:outerShdw blurRad="190500" dist="228600" dir="2700000" algn="ctr">
-              <a:srgbClr val="000000">
-                <a:alpha val="30000"/>
-              </a:srgbClr>
-            </a:outerShdw>
-          </a:effectLst>
+          <a:effectLst/>
           <a:scene3d>
-            <a:camera prst="orthographicFront">
-              <a:rot lat="0" lon="0" rev="0"/>
-            </a:camera>
-            <a:lightRig rig="glow" dir="t">
-              <a:rot lat="0" lon="0" rev="4800000"/>
-            </a:lightRig>
+            <a:camera prst="orthographicFront"/>
+            <a:lightRig rig="threePt" dir="t"/>
           </a:scene3d>
-          <a:sp3d prstMaterial="matte">
-            <a:bevelT w="127000" h="63500"/>
+          <a:sp3d>
+            <a:bevelT w="165100" prst="coolSlant"/>
           </a:sp3d>
         </p:spPr>
         <p:style>
@@ -22274,12 +22352,18 @@
           <a:p>
             <a:pPr algn="ctr"/>
             <a:r>
-              <a:rPr lang="en-US" dirty="0">
+              <a:rPr lang="en-US" b="1" dirty="0">
+                <a:solidFill>
+                  <a:sysClr val="windowText" lastClr="000000"/>
+                </a:solidFill>
                 <a:cs typeface="Arial" panose="020B0604020202020204" pitchFamily="34" charset="0"/>
               </a:rPr>
               <a:t>Scan the target barcode and save it to the SD Card</a:t>
             </a:r>
-            <a:endParaRPr lang="en-IL" dirty="0">
+            <a:endParaRPr lang="en-IL" b="1" dirty="0">
+              <a:solidFill>
+                <a:sysClr val="windowText" lastClr="000000"/>
+              </a:solidFill>
               <a:cs typeface="Arial" panose="020B0604020202020204" pitchFamily="34" charset="0"/>
             </a:endParaRPr>
           </a:p>
@@ -22296,14 +22380,15 @@
           </p:cNvPr>
           <p:cNvCxnSpPr>
             <a:cxnSpLocks/>
+            <a:stCxn id="5" idx="3"/>
             <a:endCxn id="6" idx="1"/>
           </p:cNvCxnSpPr>
           <p:nvPr/>
         </p:nvCxnSpPr>
         <p:spPr>
           <a:xfrm>
-            <a:off x="5120934" y="2088890"/>
-            <a:ext cx="754043" cy="10262"/>
+            <a:off x="5120935" y="2197165"/>
+            <a:ext cx="754042" cy="0"/>
           </a:xfrm>
           <a:prstGeom prst="straightConnector1">
             <a:avLst/>
@@ -22344,107 +22429,15 @@
           </p:cNvPr>
           <p:cNvCxnSpPr>
             <a:cxnSpLocks/>
+            <a:stCxn id="6" idx="3"/>
+            <a:endCxn id="7" idx="1"/>
           </p:cNvCxnSpPr>
           <p:nvPr/>
         </p:nvCxnSpPr>
         <p:spPr>
           <a:xfrm>
-            <a:off x="7767582" y="2078628"/>
-            <a:ext cx="754043" cy="10262"/>
-          </a:xfrm>
-          <a:prstGeom prst="straightConnector1">
-            <a:avLst/>
-          </a:prstGeom>
-          <a:ln w="57150" cap="flat" cmpd="sng" algn="ctr">
-            <a:solidFill>
-              <a:schemeClr val="tx1"/>
-            </a:solidFill>
-            <a:prstDash val="solid"/>
-            <a:round/>
-            <a:headEnd type="none" w="med" len="med"/>
-            <a:tailEnd type="arrow" w="med" len="med"/>
-          </a:ln>
-        </p:spPr>
-        <p:style>
-          <a:lnRef idx="0">
-            <a:scrgbClr r="0" g="0" b="0"/>
-          </a:lnRef>
-          <a:fillRef idx="0">
-            <a:scrgbClr r="0" g="0" b="0"/>
-          </a:fillRef>
-          <a:effectRef idx="0">
-            <a:scrgbClr r="0" g="0" b="0"/>
-          </a:effectRef>
-          <a:fontRef idx="minor">
-            <a:schemeClr val="tx1"/>
-          </a:fontRef>
-        </p:style>
-      </p:cxnSp>
-      <p:cxnSp>
-        <p:nvCxnSpPr>
-          <p:cNvPr id="13" name="Straight Arrow Connector 12">
-            <a:extLst>
-              <a:ext uri="{FF2B5EF4-FFF2-40B4-BE49-F238E27FC236}">
-                <a16:creationId xmlns:a16="http://schemas.microsoft.com/office/drawing/2014/main" id="{E758259F-A391-89DB-991E-41B53E631167}"/>
-              </a:ext>
-            </a:extLst>
-          </p:cNvPr>
-          <p:cNvCxnSpPr>
-            <a:cxnSpLocks/>
-          </p:cNvCxnSpPr>
-          <p:nvPr/>
-        </p:nvCxnSpPr>
-        <p:spPr>
-          <a:xfrm flipV="1">
-            <a:off x="9505940" y="591599"/>
-            <a:ext cx="0" cy="973249"/>
-          </a:xfrm>
-          <a:prstGeom prst="straightConnector1">
-            <a:avLst/>
-          </a:prstGeom>
-          <a:ln w="57150" cap="flat" cmpd="sng" algn="ctr">
-            <a:solidFill>
-              <a:schemeClr val="tx1"/>
-            </a:solidFill>
-            <a:prstDash val="solid"/>
-            <a:round/>
-            <a:headEnd type="none" w="med" len="med"/>
-            <a:tailEnd type="arrow" w="med" len="med"/>
-          </a:ln>
-        </p:spPr>
-        <p:style>
-          <a:lnRef idx="0">
-            <a:scrgbClr r="0" g="0" b="0"/>
-          </a:lnRef>
-          <a:fillRef idx="0">
-            <a:scrgbClr r="0" g="0" b="0"/>
-          </a:fillRef>
-          <a:effectRef idx="0">
-            <a:scrgbClr r="0" g="0" b="0"/>
-          </a:effectRef>
-          <a:fontRef idx="minor">
-            <a:schemeClr val="tx1"/>
-          </a:fontRef>
-        </p:style>
-      </p:cxnSp>
-      <p:cxnSp>
-        <p:nvCxnSpPr>
-          <p:cNvPr id="15" name="Straight Arrow Connector 14">
-            <a:extLst>
-              <a:ext uri="{FF2B5EF4-FFF2-40B4-BE49-F238E27FC236}">
-                <a16:creationId xmlns:a16="http://schemas.microsoft.com/office/drawing/2014/main" id="{49B3FFF5-4503-82F9-0B67-800908FF4079}"/>
-              </a:ext>
-            </a:extLst>
-          </p:cNvPr>
-          <p:cNvCxnSpPr>
-            <a:cxnSpLocks/>
-          </p:cNvCxnSpPr>
-          <p:nvPr/>
-        </p:nvCxnSpPr>
-        <p:spPr>
-          <a:xfrm flipH="1">
-            <a:off x="6821279" y="591599"/>
-            <a:ext cx="2684661" cy="0"/>
+            <a:off x="7767582" y="2197165"/>
+            <a:ext cx="754043" cy="3"/>
           </a:xfrm>
           <a:prstGeom prst="straightConnector1">
             <a:avLst/>
@@ -22485,13 +22478,14 @@
           </p:cNvPr>
           <p:cNvCxnSpPr>
             <a:cxnSpLocks/>
+            <a:endCxn id="6" idx="0"/>
           </p:cNvCxnSpPr>
           <p:nvPr/>
         </p:nvCxnSpPr>
         <p:spPr>
           <a:xfrm>
-            <a:off x="6821279" y="591599"/>
-            <a:ext cx="0" cy="973249"/>
+            <a:off x="6821279" y="530352"/>
+            <a:ext cx="1" cy="1034496"/>
           </a:xfrm>
           <a:prstGeom prst="straightConnector1">
             <a:avLst/>
@@ -22499,100 +22493,6 @@
           <a:ln w="57150" cap="flat" cmpd="sng" algn="ctr">
             <a:solidFill>
               <a:schemeClr val="tx1"/>
-            </a:solidFill>
-            <a:prstDash val="solid"/>
-            <a:round/>
-            <a:headEnd type="none" w="med" len="med"/>
-            <a:tailEnd type="arrow" w="med" len="med"/>
-          </a:ln>
-        </p:spPr>
-        <p:style>
-          <a:lnRef idx="0">
-            <a:scrgbClr r="0" g="0" b="0"/>
-          </a:lnRef>
-          <a:fillRef idx="0">
-            <a:scrgbClr r="0" g="0" b="0"/>
-          </a:fillRef>
-          <a:effectRef idx="0">
-            <a:scrgbClr r="0" g="0" b="0"/>
-          </a:effectRef>
-          <a:fontRef idx="minor">
-            <a:schemeClr val="tx1"/>
-          </a:fontRef>
-        </p:style>
-      </p:cxnSp>
-      <p:cxnSp>
-        <p:nvCxnSpPr>
-          <p:cNvPr id="22" name="Straight Arrow Connector 21">
-            <a:extLst>
-              <a:ext uri="{FF2B5EF4-FFF2-40B4-BE49-F238E27FC236}">
-                <a16:creationId xmlns:a16="http://schemas.microsoft.com/office/drawing/2014/main" id="{DB0366DD-BDDA-3197-AB98-3FA30B8185D9}"/>
-              </a:ext>
-            </a:extLst>
-          </p:cNvPr>
-          <p:cNvCxnSpPr>
-            <a:cxnSpLocks/>
-          </p:cNvCxnSpPr>
-          <p:nvPr/>
-        </p:nvCxnSpPr>
-        <p:spPr>
-          <a:xfrm>
-            <a:off x="1747681" y="591599"/>
-            <a:ext cx="0" cy="2054187"/>
-          </a:xfrm>
-          <a:prstGeom prst="straightConnector1">
-            <a:avLst/>
-          </a:prstGeom>
-          <a:ln w="53975" cap="flat" cmpd="sng" algn="ctr">
-            <a:solidFill>
-              <a:schemeClr val="dk1"/>
-            </a:solidFill>
-            <a:prstDash val="solid"/>
-            <a:round/>
-            <a:headEnd type="none" w="med" len="med"/>
-            <a:tailEnd type="arrow" w="med" len="med"/>
-          </a:ln>
-        </p:spPr>
-        <p:style>
-          <a:lnRef idx="0">
-            <a:scrgbClr r="0" g="0" b="0"/>
-          </a:lnRef>
-          <a:fillRef idx="0">
-            <a:scrgbClr r="0" g="0" b="0"/>
-          </a:fillRef>
-          <a:effectRef idx="0">
-            <a:scrgbClr r="0" g="0" b="0"/>
-          </a:effectRef>
-          <a:fontRef idx="minor">
-            <a:schemeClr val="tx1"/>
-          </a:fontRef>
-        </p:style>
-      </p:cxnSp>
-      <p:cxnSp>
-        <p:nvCxnSpPr>
-          <p:cNvPr id="24" name="Straight Arrow Connector 23">
-            <a:extLst>
-              <a:ext uri="{FF2B5EF4-FFF2-40B4-BE49-F238E27FC236}">
-                <a16:creationId xmlns:a16="http://schemas.microsoft.com/office/drawing/2014/main" id="{1D224BC7-4227-D7EB-6475-ADA8210CC551}"/>
-              </a:ext>
-            </a:extLst>
-          </p:cNvPr>
-          <p:cNvCxnSpPr>
-            <a:cxnSpLocks/>
-          </p:cNvCxnSpPr>
-          <p:nvPr/>
-        </p:nvCxnSpPr>
-        <p:spPr>
-          <a:xfrm flipH="1">
-            <a:off x="1747681" y="591599"/>
-            <a:ext cx="5073598" cy="0"/>
-          </a:xfrm>
-          <a:prstGeom prst="straightConnector1">
-            <a:avLst/>
-          </a:prstGeom>
-          <a:ln w="53975" cap="flat" cmpd="sng" algn="ctr">
-            <a:solidFill>
-              <a:schemeClr val="dk1"/>
             </a:solidFill>
             <a:prstDash val="solid"/>
             <a:round/>
@@ -22632,8 +22532,8 @@
         </p:nvCxnSpPr>
         <p:spPr>
           <a:xfrm>
-            <a:off x="2404382" y="3571755"/>
-            <a:ext cx="640475" cy="652790"/>
+            <a:off x="2378676" y="3363786"/>
+            <a:ext cx="666180" cy="762745"/>
           </a:xfrm>
           <a:prstGeom prst="straightConnector1">
             <a:avLst/>
@@ -22674,154 +22574,14 @@
           </p:cNvPr>
           <p:cNvCxnSpPr>
             <a:cxnSpLocks/>
+            <a:endCxn id="5" idx="1"/>
           </p:cNvCxnSpPr>
           <p:nvPr/>
         </p:nvCxnSpPr>
         <p:spPr>
           <a:xfrm flipV="1">
-            <a:off x="2378676" y="2633455"/>
-            <a:ext cx="666181" cy="196032"/>
-          </a:xfrm>
-          <a:prstGeom prst="straightConnector1">
-            <a:avLst/>
-          </a:prstGeom>
-          <a:ln w="53975" cap="flat" cmpd="sng" algn="ctr">
-            <a:solidFill>
-              <a:schemeClr val="dk1"/>
-            </a:solidFill>
-            <a:prstDash val="solid"/>
-            <a:round/>
-            <a:headEnd type="none" w="med" len="med"/>
-            <a:tailEnd type="arrow" w="med" len="med"/>
-          </a:ln>
-        </p:spPr>
-        <p:style>
-          <a:lnRef idx="0">
-            <a:scrgbClr r="0" g="0" b="0"/>
-          </a:lnRef>
-          <a:fillRef idx="0">
-            <a:scrgbClr r="0" g="0" b="0"/>
-          </a:fillRef>
-          <a:effectRef idx="0">
-            <a:scrgbClr r="0" g="0" b="0"/>
-          </a:effectRef>
-          <a:fontRef idx="minor">
-            <a:schemeClr val="tx1"/>
-          </a:fontRef>
-        </p:style>
-      </p:cxnSp>
-      <p:cxnSp>
-        <p:nvCxnSpPr>
-          <p:cNvPr id="35" name="Straight Arrow Connector 34">
-            <a:extLst>
-              <a:ext uri="{FF2B5EF4-FFF2-40B4-BE49-F238E27FC236}">
-                <a16:creationId xmlns:a16="http://schemas.microsoft.com/office/drawing/2014/main" id="{34704F0B-28EE-C754-8896-2E40088826CF}"/>
-              </a:ext>
-            </a:extLst>
-          </p:cNvPr>
-          <p:cNvCxnSpPr>
-            <a:cxnSpLocks/>
-          </p:cNvCxnSpPr>
-          <p:nvPr/>
-        </p:nvCxnSpPr>
-        <p:spPr>
-          <a:xfrm>
-            <a:off x="4082895" y="4758848"/>
-            <a:ext cx="0" cy="702230"/>
-          </a:xfrm>
-          <a:prstGeom prst="straightConnector1">
-            <a:avLst/>
-          </a:prstGeom>
-          <a:ln w="53975" cap="flat" cmpd="sng" algn="ctr">
-            <a:solidFill>
-              <a:schemeClr val="dk1"/>
-            </a:solidFill>
-            <a:prstDash val="solid"/>
-            <a:round/>
-            <a:headEnd type="none" w="med" len="med"/>
-            <a:tailEnd type="arrow" w="med" len="med"/>
-          </a:ln>
-        </p:spPr>
-        <p:style>
-          <a:lnRef idx="0">
-            <a:scrgbClr r="0" g="0" b="0"/>
-          </a:lnRef>
-          <a:fillRef idx="0">
-            <a:scrgbClr r="0" g="0" b="0"/>
-          </a:fillRef>
-          <a:effectRef idx="0">
-            <a:scrgbClr r="0" g="0" b="0"/>
-          </a:effectRef>
-          <a:fontRef idx="minor">
-            <a:schemeClr val="tx1"/>
-          </a:fontRef>
-        </p:style>
-      </p:cxnSp>
-      <p:cxnSp>
-        <p:nvCxnSpPr>
-          <p:cNvPr id="36" name="Straight Arrow Connector 35">
-            <a:extLst>
-              <a:ext uri="{FF2B5EF4-FFF2-40B4-BE49-F238E27FC236}">
-                <a16:creationId xmlns:a16="http://schemas.microsoft.com/office/drawing/2014/main" id="{004A7F2B-EA49-DFC3-9467-2129C19AB74B}"/>
-              </a:ext>
-            </a:extLst>
-          </p:cNvPr>
-          <p:cNvCxnSpPr>
-            <a:cxnSpLocks/>
-          </p:cNvCxnSpPr>
-          <p:nvPr/>
-        </p:nvCxnSpPr>
-        <p:spPr>
-          <a:xfrm flipH="1" flipV="1">
-            <a:off x="1747681" y="5444332"/>
-            <a:ext cx="2335214" cy="16746"/>
-          </a:xfrm>
-          <a:prstGeom prst="straightConnector1">
-            <a:avLst/>
-          </a:prstGeom>
-          <a:ln w="53975" cap="flat" cmpd="sng" algn="ctr">
-            <a:solidFill>
-              <a:schemeClr val="dk1"/>
-            </a:solidFill>
-            <a:prstDash val="solid"/>
-            <a:round/>
-            <a:headEnd type="none" w="med" len="med"/>
-            <a:tailEnd type="arrow" w="med" len="med"/>
-          </a:ln>
-        </p:spPr>
-        <p:style>
-          <a:lnRef idx="0">
-            <a:scrgbClr r="0" g="0" b="0"/>
-          </a:lnRef>
-          <a:fillRef idx="0">
-            <a:scrgbClr r="0" g="0" b="0"/>
-          </a:fillRef>
-          <a:effectRef idx="0">
-            <a:scrgbClr r="0" g="0" b="0"/>
-          </a:effectRef>
-          <a:fontRef idx="minor">
-            <a:schemeClr val="tx1"/>
-          </a:fontRef>
-        </p:style>
-      </p:cxnSp>
-      <p:cxnSp>
-        <p:nvCxnSpPr>
-          <p:cNvPr id="38" name="Straight Arrow Connector 37">
-            <a:extLst>
-              <a:ext uri="{FF2B5EF4-FFF2-40B4-BE49-F238E27FC236}">
-                <a16:creationId xmlns:a16="http://schemas.microsoft.com/office/drawing/2014/main" id="{401B9801-D665-8993-EB21-FBA12258D2BA}"/>
-              </a:ext>
-            </a:extLst>
-          </p:cNvPr>
-          <p:cNvCxnSpPr>
-            <a:cxnSpLocks/>
-          </p:cNvCxnSpPr>
-          <p:nvPr/>
-        </p:nvCxnSpPr>
-        <p:spPr>
-          <a:xfrm flipV="1">
-            <a:off x="1747681" y="3580128"/>
-            <a:ext cx="0" cy="1872577"/>
+            <a:off x="2378676" y="2197165"/>
+            <a:ext cx="666182" cy="632322"/>
           </a:xfrm>
           <a:prstGeom prst="straightConnector1">
             <a:avLst/>
@@ -22869,7 +22629,7 @@
         </p:nvSpPr>
         <p:spPr>
           <a:xfrm>
-            <a:off x="0" y="5757000"/>
+            <a:off x="494973" y="5732096"/>
             <a:ext cx="7579014" cy="1257447"/>
           </a:xfrm>
         </p:spPr>
@@ -22906,6 +22666,108 @@
           </a:p>
         </p:txBody>
       </p:sp>
+      <p:cxnSp>
+        <p:nvCxnSpPr>
+          <p:cNvPr id="28" name="Connector: Elbow 27">
+            <a:extLst>
+              <a:ext uri="{FF2B5EF4-FFF2-40B4-BE49-F238E27FC236}">
+                <a16:creationId xmlns:a16="http://schemas.microsoft.com/office/drawing/2014/main" id="{7ECF522A-D499-51A7-EA0A-22AAC80557DF}"/>
+              </a:ext>
+            </a:extLst>
+          </p:cNvPr>
+          <p:cNvCxnSpPr>
+            <a:cxnSpLocks/>
+            <a:stCxn id="8" idx="2"/>
+            <a:endCxn id="4" idx="2"/>
+          </p:cNvCxnSpPr>
+          <p:nvPr/>
+        </p:nvCxnSpPr>
+        <p:spPr>
+          <a:xfrm rot="5400000" flipH="1">
+            <a:off x="2346078" y="3022030"/>
+            <a:ext cx="1187092" cy="2286542"/>
+          </a:xfrm>
+          <a:prstGeom prst="bentConnector3">
+            <a:avLst>
+              <a:gd name="adj1" fmla="val -19257"/>
+            </a:avLst>
+          </a:prstGeom>
+          <a:ln w="50800" cap="flat" cmpd="sng" algn="ctr">
+            <a:solidFill>
+              <a:schemeClr val="dk1"/>
+            </a:solidFill>
+            <a:prstDash val="solid"/>
+            <a:round/>
+            <a:headEnd type="none" w="med" len="med"/>
+            <a:tailEnd type="arrow" w="med" len="med"/>
+          </a:ln>
+        </p:spPr>
+        <p:style>
+          <a:lnRef idx="0">
+            <a:scrgbClr r="0" g="0" b="0"/>
+          </a:lnRef>
+          <a:fillRef idx="0">
+            <a:scrgbClr r="0" g="0" b="0"/>
+          </a:fillRef>
+          <a:effectRef idx="0">
+            <a:scrgbClr r="0" g="0" b="0"/>
+          </a:effectRef>
+          <a:fontRef idx="minor">
+            <a:schemeClr val="tx1"/>
+          </a:fontRef>
+        </p:style>
+      </p:cxnSp>
+      <p:cxnSp>
+        <p:nvCxnSpPr>
+          <p:cNvPr id="31" name="Connector: Elbow 30">
+            <a:extLst>
+              <a:ext uri="{FF2B5EF4-FFF2-40B4-BE49-F238E27FC236}">
+                <a16:creationId xmlns:a16="http://schemas.microsoft.com/office/drawing/2014/main" id="{8A3C0CAF-A03E-FFC7-94C5-F8C9F5A53F8F}"/>
+              </a:ext>
+            </a:extLst>
+          </p:cNvPr>
+          <p:cNvCxnSpPr>
+            <a:cxnSpLocks/>
+            <a:stCxn id="7" idx="0"/>
+            <a:endCxn id="4" idx="0"/>
+          </p:cNvCxnSpPr>
+          <p:nvPr/>
+        </p:nvCxnSpPr>
+        <p:spPr>
+          <a:xfrm rot="16200000" flipH="1" flipV="1">
+            <a:off x="5110678" y="-1749477"/>
+            <a:ext cx="1080937" cy="7709588"/>
+          </a:xfrm>
+          <a:prstGeom prst="bentConnector3">
+            <a:avLst>
+              <a:gd name="adj1" fmla="val -98128"/>
+            </a:avLst>
+          </a:prstGeom>
+          <a:ln w="50800" cap="flat" cmpd="sng" algn="ctr">
+            <a:solidFill>
+              <a:schemeClr val="dk1"/>
+            </a:solidFill>
+            <a:prstDash val="solid"/>
+            <a:round/>
+            <a:headEnd type="none" w="med" len="med"/>
+            <a:tailEnd type="arrow" w="med" len="med"/>
+          </a:ln>
+        </p:spPr>
+        <p:style>
+          <a:lnRef idx="0">
+            <a:scrgbClr r="0" g="0" b="0"/>
+          </a:lnRef>
+          <a:fillRef idx="0">
+            <a:scrgbClr r="0" g="0" b="0"/>
+          </a:fillRef>
+          <a:effectRef idx="0">
+            <a:scrgbClr r="0" g="0" b="0"/>
+          </a:effectRef>
+          <a:fontRef idx="minor">
+            <a:schemeClr val="tx1"/>
+          </a:fontRef>
+        </p:style>
+      </p:cxnSp>
     </p:spTree>
     <p:extLst>
       <p:ext uri="{BB962C8B-B14F-4D97-AF65-F5344CB8AC3E}">
@@ -23413,7 +23275,7 @@
                                           </p:stCondLst>
                                         </p:cTn>
                                         <p:tgtEl>
-                                          <p:spTgt spid="13"/>
+                                          <p:spTgt spid="19"/>
                                         </p:tgtEl>
                                         <p:attrNameLst>
                                           <p:attrName>style.visibility</p:attrName>
@@ -23427,7 +23289,7 @@
                                       <p:cBhvr>
                                         <p:cTn id="46" dur="500" fill="hold"/>
                                         <p:tgtEl>
-                                          <p:spTgt spid="13"/>
+                                          <p:spTgt spid="19"/>
                                         </p:tgtEl>
                                         <p:attrNameLst>
                                           <p:attrName>ppt_w</p:attrName>
@@ -23450,7 +23312,7 @@
                                       <p:cBhvr>
                                         <p:cTn id="47" dur="500" fill="hold"/>
                                         <p:tgtEl>
-                                          <p:spTgt spid="13"/>
+                                          <p:spTgt spid="19"/>
                                         </p:tgtEl>
                                         <p:attrNameLst>
                                           <p:attrName>ppt_h</p:attrName>
@@ -23473,7 +23335,7 @@
                                       <p:cBhvr>
                                         <p:cTn id="48" dur="500"/>
                                         <p:tgtEl>
-                                          <p:spTgt spid="13"/>
+                                          <p:spTgt spid="19"/>
                                         </p:tgtEl>
                                       </p:cBhvr>
                                     </p:animEffect>
@@ -23512,7 +23374,7 @@
                                           </p:stCondLst>
                                         </p:cTn>
                                         <p:tgtEl>
-                                          <p:spTgt spid="15"/>
+                                          <p:spTgt spid="30"/>
                                         </p:tgtEl>
                                         <p:attrNameLst>
                                           <p:attrName>style.visibility</p:attrName>
@@ -23526,7 +23388,7 @@
                                       <p:cBhvr>
                                         <p:cTn id="53" dur="500" fill="hold"/>
                                         <p:tgtEl>
-                                          <p:spTgt spid="15"/>
+                                          <p:spTgt spid="30"/>
                                         </p:tgtEl>
                                         <p:attrNameLst>
                                           <p:attrName>ppt_w</p:attrName>
@@ -23549,7 +23411,7 @@
                                       <p:cBhvr>
                                         <p:cTn id="54" dur="500" fill="hold"/>
                                         <p:tgtEl>
-                                          <p:spTgt spid="15"/>
+                                          <p:spTgt spid="30"/>
                                         </p:tgtEl>
                                         <p:attrNameLst>
                                           <p:attrName>ppt_h</p:attrName>
@@ -23572,7 +23434,7 @@
                                       <p:cBhvr>
                                         <p:cTn id="55" dur="500"/>
                                         <p:tgtEl>
-                                          <p:spTgt spid="15"/>
+                                          <p:spTgt spid="30"/>
                                         </p:tgtEl>
                                       </p:cBhvr>
                                     </p:animEffect>
@@ -23611,7 +23473,7 @@
                                           </p:stCondLst>
                                         </p:cTn>
                                         <p:tgtEl>
-                                          <p:spTgt spid="19"/>
+                                          <p:spTgt spid="32"/>
                                         </p:tgtEl>
                                         <p:attrNameLst>
                                           <p:attrName>style.visibility</p:attrName>
@@ -23625,7 +23487,7 @@
                                       <p:cBhvr>
                                         <p:cTn id="60" dur="500" fill="hold"/>
                                         <p:tgtEl>
-                                          <p:spTgt spid="19"/>
+                                          <p:spTgt spid="32"/>
                                         </p:tgtEl>
                                         <p:attrNameLst>
                                           <p:attrName>ppt_w</p:attrName>
@@ -23648,7 +23510,7 @@
                                       <p:cBhvr>
                                         <p:cTn id="61" dur="500" fill="hold"/>
                                         <p:tgtEl>
-                                          <p:spTgt spid="19"/>
+                                          <p:spTgt spid="32"/>
                                         </p:tgtEl>
                                         <p:attrNameLst>
                                           <p:attrName>ppt_h</p:attrName>
@@ -23671,700 +23533,7 @@
                                       <p:cBhvr>
                                         <p:cTn id="62" dur="500"/>
                                         <p:tgtEl>
-                                          <p:spTgt spid="19"/>
-                                        </p:tgtEl>
-                                      </p:cBhvr>
-                                    </p:animEffect>
-                                  </p:childTnLst>
-                                </p:cTn>
-                              </p:par>
-                            </p:childTnLst>
-                          </p:cTn>
-                        </p:par>
-                      </p:childTnLst>
-                    </p:cTn>
-                  </p:par>
-                  <p:par>
-                    <p:cTn id="63" fill="hold">
-                      <p:stCondLst>
-                        <p:cond delay="indefinite"/>
-                      </p:stCondLst>
-                      <p:childTnLst>
-                        <p:par>
-                          <p:cTn id="64" fill="hold">
-                            <p:stCondLst>
-                              <p:cond delay="0"/>
-                            </p:stCondLst>
-                            <p:childTnLst>
-                              <p:par>
-                                <p:cTn id="65" presetID="53" presetClass="entr" presetSubtype="16" fill="hold" nodeType="clickEffect">
-                                  <p:stCondLst>
-                                    <p:cond delay="0"/>
-                                  </p:stCondLst>
-                                  <p:childTnLst>
-                                    <p:set>
-                                      <p:cBhvr>
-                                        <p:cTn id="66" dur="1" fill="hold">
-                                          <p:stCondLst>
-                                            <p:cond delay="0"/>
-                                          </p:stCondLst>
-                                        </p:cTn>
-                                        <p:tgtEl>
-                                          <p:spTgt spid="22"/>
-                                        </p:tgtEl>
-                                        <p:attrNameLst>
-                                          <p:attrName>style.visibility</p:attrName>
-                                        </p:attrNameLst>
-                                      </p:cBhvr>
-                                      <p:to>
-                                        <p:strVal val="visible"/>
-                                      </p:to>
-                                    </p:set>
-                                    <p:anim calcmode="lin" valueType="num">
-                                      <p:cBhvr>
-                                        <p:cTn id="67" dur="500" fill="hold"/>
-                                        <p:tgtEl>
-                                          <p:spTgt spid="22"/>
-                                        </p:tgtEl>
-                                        <p:attrNameLst>
-                                          <p:attrName>ppt_w</p:attrName>
-                                        </p:attrNameLst>
-                                      </p:cBhvr>
-                                      <p:tavLst>
-                                        <p:tav tm="0">
-                                          <p:val>
-                                            <p:fltVal val="0"/>
-                                          </p:val>
-                                        </p:tav>
-                                        <p:tav tm="100000">
-                                          <p:val>
-                                            <p:strVal val="#ppt_w"/>
-                                          </p:val>
-                                        </p:tav>
-                                      </p:tavLst>
-                                    </p:anim>
-                                    <p:anim calcmode="lin" valueType="num">
-                                      <p:cBhvr>
-                                        <p:cTn id="68" dur="500" fill="hold"/>
-                                        <p:tgtEl>
-                                          <p:spTgt spid="22"/>
-                                        </p:tgtEl>
-                                        <p:attrNameLst>
-                                          <p:attrName>ppt_h</p:attrName>
-                                        </p:attrNameLst>
-                                      </p:cBhvr>
-                                      <p:tavLst>
-                                        <p:tav tm="0">
-                                          <p:val>
-                                            <p:fltVal val="0"/>
-                                          </p:val>
-                                        </p:tav>
-                                        <p:tav tm="100000">
-                                          <p:val>
-                                            <p:strVal val="#ppt_h"/>
-                                          </p:val>
-                                        </p:tav>
-                                      </p:tavLst>
-                                    </p:anim>
-                                    <p:animEffect transition="in" filter="fade">
-                                      <p:cBhvr>
-                                        <p:cTn id="69" dur="500"/>
-                                        <p:tgtEl>
-                                          <p:spTgt spid="22"/>
-                                        </p:tgtEl>
-                                      </p:cBhvr>
-                                    </p:animEffect>
-                                  </p:childTnLst>
-                                </p:cTn>
-                              </p:par>
-                            </p:childTnLst>
-                          </p:cTn>
-                        </p:par>
-                      </p:childTnLst>
-                    </p:cTn>
-                  </p:par>
-                  <p:par>
-                    <p:cTn id="70" fill="hold">
-                      <p:stCondLst>
-                        <p:cond delay="indefinite"/>
-                      </p:stCondLst>
-                      <p:childTnLst>
-                        <p:par>
-                          <p:cTn id="71" fill="hold">
-                            <p:stCondLst>
-                              <p:cond delay="0"/>
-                            </p:stCondLst>
-                            <p:childTnLst>
-                              <p:par>
-                                <p:cTn id="72" presetID="53" presetClass="entr" presetSubtype="16" fill="hold" nodeType="clickEffect">
-                                  <p:stCondLst>
-                                    <p:cond delay="0"/>
-                                  </p:stCondLst>
-                                  <p:childTnLst>
-                                    <p:set>
-                                      <p:cBhvr>
-                                        <p:cTn id="73" dur="1" fill="hold">
-                                          <p:stCondLst>
-                                            <p:cond delay="0"/>
-                                          </p:stCondLst>
-                                        </p:cTn>
-                                        <p:tgtEl>
-                                          <p:spTgt spid="24"/>
-                                        </p:tgtEl>
-                                        <p:attrNameLst>
-                                          <p:attrName>style.visibility</p:attrName>
-                                        </p:attrNameLst>
-                                      </p:cBhvr>
-                                      <p:to>
-                                        <p:strVal val="visible"/>
-                                      </p:to>
-                                    </p:set>
-                                    <p:anim calcmode="lin" valueType="num">
-                                      <p:cBhvr>
-                                        <p:cTn id="74" dur="500" fill="hold"/>
-                                        <p:tgtEl>
-                                          <p:spTgt spid="24"/>
-                                        </p:tgtEl>
-                                        <p:attrNameLst>
-                                          <p:attrName>ppt_w</p:attrName>
-                                        </p:attrNameLst>
-                                      </p:cBhvr>
-                                      <p:tavLst>
-                                        <p:tav tm="0">
-                                          <p:val>
-                                            <p:fltVal val="0"/>
-                                          </p:val>
-                                        </p:tav>
-                                        <p:tav tm="100000">
-                                          <p:val>
-                                            <p:strVal val="#ppt_w"/>
-                                          </p:val>
-                                        </p:tav>
-                                      </p:tavLst>
-                                    </p:anim>
-                                    <p:anim calcmode="lin" valueType="num">
-                                      <p:cBhvr>
-                                        <p:cTn id="75" dur="500" fill="hold"/>
-                                        <p:tgtEl>
-                                          <p:spTgt spid="24"/>
-                                        </p:tgtEl>
-                                        <p:attrNameLst>
-                                          <p:attrName>ppt_h</p:attrName>
-                                        </p:attrNameLst>
-                                      </p:cBhvr>
-                                      <p:tavLst>
-                                        <p:tav tm="0">
-                                          <p:val>
-                                            <p:fltVal val="0"/>
-                                          </p:val>
-                                        </p:tav>
-                                        <p:tav tm="100000">
-                                          <p:val>
-                                            <p:strVal val="#ppt_h"/>
-                                          </p:val>
-                                        </p:tav>
-                                      </p:tavLst>
-                                    </p:anim>
-                                    <p:animEffect transition="in" filter="fade">
-                                      <p:cBhvr>
-                                        <p:cTn id="76" dur="500"/>
-                                        <p:tgtEl>
-                                          <p:spTgt spid="24"/>
-                                        </p:tgtEl>
-                                      </p:cBhvr>
-                                    </p:animEffect>
-                                  </p:childTnLst>
-                                </p:cTn>
-                              </p:par>
-                            </p:childTnLst>
-                          </p:cTn>
-                        </p:par>
-                      </p:childTnLst>
-                    </p:cTn>
-                  </p:par>
-                  <p:par>
-                    <p:cTn id="77" fill="hold">
-                      <p:stCondLst>
-                        <p:cond delay="indefinite"/>
-                      </p:stCondLst>
-                      <p:childTnLst>
-                        <p:par>
-                          <p:cTn id="78" fill="hold">
-                            <p:stCondLst>
-                              <p:cond delay="0"/>
-                            </p:stCondLst>
-                            <p:childTnLst>
-                              <p:par>
-                                <p:cTn id="79" presetID="53" presetClass="entr" presetSubtype="16" fill="hold" nodeType="clickEffect">
-                                  <p:stCondLst>
-                                    <p:cond delay="0"/>
-                                  </p:stCondLst>
-                                  <p:childTnLst>
-                                    <p:set>
-                                      <p:cBhvr>
-                                        <p:cTn id="80" dur="1" fill="hold">
-                                          <p:stCondLst>
-                                            <p:cond delay="0"/>
-                                          </p:stCondLst>
-                                        </p:cTn>
-                                        <p:tgtEl>
-                                          <p:spTgt spid="30"/>
-                                        </p:tgtEl>
-                                        <p:attrNameLst>
-                                          <p:attrName>style.visibility</p:attrName>
-                                        </p:attrNameLst>
-                                      </p:cBhvr>
-                                      <p:to>
-                                        <p:strVal val="visible"/>
-                                      </p:to>
-                                    </p:set>
-                                    <p:anim calcmode="lin" valueType="num">
-                                      <p:cBhvr>
-                                        <p:cTn id="81" dur="500" fill="hold"/>
-                                        <p:tgtEl>
-                                          <p:spTgt spid="30"/>
-                                        </p:tgtEl>
-                                        <p:attrNameLst>
-                                          <p:attrName>ppt_w</p:attrName>
-                                        </p:attrNameLst>
-                                      </p:cBhvr>
-                                      <p:tavLst>
-                                        <p:tav tm="0">
-                                          <p:val>
-                                            <p:fltVal val="0"/>
-                                          </p:val>
-                                        </p:tav>
-                                        <p:tav tm="100000">
-                                          <p:val>
-                                            <p:strVal val="#ppt_w"/>
-                                          </p:val>
-                                        </p:tav>
-                                      </p:tavLst>
-                                    </p:anim>
-                                    <p:anim calcmode="lin" valueType="num">
-                                      <p:cBhvr>
-                                        <p:cTn id="82" dur="500" fill="hold"/>
-                                        <p:tgtEl>
-                                          <p:spTgt spid="30"/>
-                                        </p:tgtEl>
-                                        <p:attrNameLst>
-                                          <p:attrName>ppt_h</p:attrName>
-                                        </p:attrNameLst>
-                                      </p:cBhvr>
-                                      <p:tavLst>
-                                        <p:tav tm="0">
-                                          <p:val>
-                                            <p:fltVal val="0"/>
-                                          </p:val>
-                                        </p:tav>
-                                        <p:tav tm="100000">
-                                          <p:val>
-                                            <p:strVal val="#ppt_h"/>
-                                          </p:val>
-                                        </p:tav>
-                                      </p:tavLst>
-                                    </p:anim>
-                                    <p:animEffect transition="in" filter="fade">
-                                      <p:cBhvr>
-                                        <p:cTn id="83" dur="500"/>
-                                        <p:tgtEl>
-                                          <p:spTgt spid="30"/>
-                                        </p:tgtEl>
-                                      </p:cBhvr>
-                                    </p:animEffect>
-                                  </p:childTnLst>
-                                </p:cTn>
-                              </p:par>
-                            </p:childTnLst>
-                          </p:cTn>
-                        </p:par>
-                      </p:childTnLst>
-                    </p:cTn>
-                  </p:par>
-                  <p:par>
-                    <p:cTn id="84" fill="hold">
-                      <p:stCondLst>
-                        <p:cond delay="indefinite"/>
-                      </p:stCondLst>
-                      <p:childTnLst>
-                        <p:par>
-                          <p:cTn id="85" fill="hold">
-                            <p:stCondLst>
-                              <p:cond delay="0"/>
-                            </p:stCondLst>
-                            <p:childTnLst>
-                              <p:par>
-                                <p:cTn id="86" presetID="53" presetClass="entr" presetSubtype="16" fill="hold" nodeType="clickEffect">
-                                  <p:stCondLst>
-                                    <p:cond delay="0"/>
-                                  </p:stCondLst>
-                                  <p:childTnLst>
-                                    <p:set>
-                                      <p:cBhvr>
-                                        <p:cTn id="87" dur="1" fill="hold">
-                                          <p:stCondLst>
-                                            <p:cond delay="0"/>
-                                          </p:stCondLst>
-                                        </p:cTn>
-                                        <p:tgtEl>
                                           <p:spTgt spid="32"/>
-                                        </p:tgtEl>
-                                        <p:attrNameLst>
-                                          <p:attrName>style.visibility</p:attrName>
-                                        </p:attrNameLst>
-                                      </p:cBhvr>
-                                      <p:to>
-                                        <p:strVal val="visible"/>
-                                      </p:to>
-                                    </p:set>
-                                    <p:anim calcmode="lin" valueType="num">
-                                      <p:cBhvr>
-                                        <p:cTn id="88" dur="500" fill="hold"/>
-                                        <p:tgtEl>
-                                          <p:spTgt spid="32"/>
-                                        </p:tgtEl>
-                                        <p:attrNameLst>
-                                          <p:attrName>ppt_w</p:attrName>
-                                        </p:attrNameLst>
-                                      </p:cBhvr>
-                                      <p:tavLst>
-                                        <p:tav tm="0">
-                                          <p:val>
-                                            <p:fltVal val="0"/>
-                                          </p:val>
-                                        </p:tav>
-                                        <p:tav tm="100000">
-                                          <p:val>
-                                            <p:strVal val="#ppt_w"/>
-                                          </p:val>
-                                        </p:tav>
-                                      </p:tavLst>
-                                    </p:anim>
-                                    <p:anim calcmode="lin" valueType="num">
-                                      <p:cBhvr>
-                                        <p:cTn id="89" dur="500" fill="hold"/>
-                                        <p:tgtEl>
-                                          <p:spTgt spid="32"/>
-                                        </p:tgtEl>
-                                        <p:attrNameLst>
-                                          <p:attrName>ppt_h</p:attrName>
-                                        </p:attrNameLst>
-                                      </p:cBhvr>
-                                      <p:tavLst>
-                                        <p:tav tm="0">
-                                          <p:val>
-                                            <p:fltVal val="0"/>
-                                          </p:val>
-                                        </p:tav>
-                                        <p:tav tm="100000">
-                                          <p:val>
-                                            <p:strVal val="#ppt_h"/>
-                                          </p:val>
-                                        </p:tav>
-                                      </p:tavLst>
-                                    </p:anim>
-                                    <p:animEffect transition="in" filter="fade">
-                                      <p:cBhvr>
-                                        <p:cTn id="90" dur="500"/>
-                                        <p:tgtEl>
-                                          <p:spTgt spid="32"/>
-                                        </p:tgtEl>
-                                      </p:cBhvr>
-                                    </p:animEffect>
-                                  </p:childTnLst>
-                                </p:cTn>
-                              </p:par>
-                            </p:childTnLst>
-                          </p:cTn>
-                        </p:par>
-                      </p:childTnLst>
-                    </p:cTn>
-                  </p:par>
-                  <p:par>
-                    <p:cTn id="91" fill="hold">
-                      <p:stCondLst>
-                        <p:cond delay="indefinite"/>
-                      </p:stCondLst>
-                      <p:childTnLst>
-                        <p:par>
-                          <p:cTn id="92" fill="hold">
-                            <p:stCondLst>
-                              <p:cond delay="0"/>
-                            </p:stCondLst>
-                            <p:childTnLst>
-                              <p:par>
-                                <p:cTn id="93" presetID="53" presetClass="entr" presetSubtype="16" fill="hold" nodeType="clickEffect">
-                                  <p:stCondLst>
-                                    <p:cond delay="0"/>
-                                  </p:stCondLst>
-                                  <p:childTnLst>
-                                    <p:set>
-                                      <p:cBhvr>
-                                        <p:cTn id="94" dur="1" fill="hold">
-                                          <p:stCondLst>
-                                            <p:cond delay="0"/>
-                                          </p:stCondLst>
-                                        </p:cTn>
-                                        <p:tgtEl>
-                                          <p:spTgt spid="35"/>
-                                        </p:tgtEl>
-                                        <p:attrNameLst>
-                                          <p:attrName>style.visibility</p:attrName>
-                                        </p:attrNameLst>
-                                      </p:cBhvr>
-                                      <p:to>
-                                        <p:strVal val="visible"/>
-                                      </p:to>
-                                    </p:set>
-                                    <p:anim calcmode="lin" valueType="num">
-                                      <p:cBhvr>
-                                        <p:cTn id="95" dur="500" fill="hold"/>
-                                        <p:tgtEl>
-                                          <p:spTgt spid="35"/>
-                                        </p:tgtEl>
-                                        <p:attrNameLst>
-                                          <p:attrName>ppt_w</p:attrName>
-                                        </p:attrNameLst>
-                                      </p:cBhvr>
-                                      <p:tavLst>
-                                        <p:tav tm="0">
-                                          <p:val>
-                                            <p:fltVal val="0"/>
-                                          </p:val>
-                                        </p:tav>
-                                        <p:tav tm="100000">
-                                          <p:val>
-                                            <p:strVal val="#ppt_w"/>
-                                          </p:val>
-                                        </p:tav>
-                                      </p:tavLst>
-                                    </p:anim>
-                                    <p:anim calcmode="lin" valueType="num">
-                                      <p:cBhvr>
-                                        <p:cTn id="96" dur="500" fill="hold"/>
-                                        <p:tgtEl>
-                                          <p:spTgt spid="35"/>
-                                        </p:tgtEl>
-                                        <p:attrNameLst>
-                                          <p:attrName>ppt_h</p:attrName>
-                                        </p:attrNameLst>
-                                      </p:cBhvr>
-                                      <p:tavLst>
-                                        <p:tav tm="0">
-                                          <p:val>
-                                            <p:fltVal val="0"/>
-                                          </p:val>
-                                        </p:tav>
-                                        <p:tav tm="100000">
-                                          <p:val>
-                                            <p:strVal val="#ppt_h"/>
-                                          </p:val>
-                                        </p:tav>
-                                      </p:tavLst>
-                                    </p:anim>
-                                    <p:animEffect transition="in" filter="fade">
-                                      <p:cBhvr>
-                                        <p:cTn id="97" dur="500"/>
-                                        <p:tgtEl>
-                                          <p:spTgt spid="35"/>
-                                        </p:tgtEl>
-                                      </p:cBhvr>
-                                    </p:animEffect>
-                                  </p:childTnLst>
-                                </p:cTn>
-                              </p:par>
-                            </p:childTnLst>
-                          </p:cTn>
-                        </p:par>
-                      </p:childTnLst>
-                    </p:cTn>
-                  </p:par>
-                  <p:par>
-                    <p:cTn id="98" fill="hold">
-                      <p:stCondLst>
-                        <p:cond delay="indefinite"/>
-                      </p:stCondLst>
-                      <p:childTnLst>
-                        <p:par>
-                          <p:cTn id="99" fill="hold">
-                            <p:stCondLst>
-                              <p:cond delay="0"/>
-                            </p:stCondLst>
-                            <p:childTnLst>
-                              <p:par>
-                                <p:cTn id="100" presetID="53" presetClass="entr" presetSubtype="16" fill="hold" nodeType="clickEffect">
-                                  <p:stCondLst>
-                                    <p:cond delay="0"/>
-                                  </p:stCondLst>
-                                  <p:childTnLst>
-                                    <p:set>
-                                      <p:cBhvr>
-                                        <p:cTn id="101" dur="1" fill="hold">
-                                          <p:stCondLst>
-                                            <p:cond delay="0"/>
-                                          </p:stCondLst>
-                                        </p:cTn>
-                                        <p:tgtEl>
-                                          <p:spTgt spid="36"/>
-                                        </p:tgtEl>
-                                        <p:attrNameLst>
-                                          <p:attrName>style.visibility</p:attrName>
-                                        </p:attrNameLst>
-                                      </p:cBhvr>
-                                      <p:to>
-                                        <p:strVal val="visible"/>
-                                      </p:to>
-                                    </p:set>
-                                    <p:anim calcmode="lin" valueType="num">
-                                      <p:cBhvr>
-                                        <p:cTn id="102" dur="500" fill="hold"/>
-                                        <p:tgtEl>
-                                          <p:spTgt spid="36"/>
-                                        </p:tgtEl>
-                                        <p:attrNameLst>
-                                          <p:attrName>ppt_w</p:attrName>
-                                        </p:attrNameLst>
-                                      </p:cBhvr>
-                                      <p:tavLst>
-                                        <p:tav tm="0">
-                                          <p:val>
-                                            <p:fltVal val="0"/>
-                                          </p:val>
-                                        </p:tav>
-                                        <p:tav tm="100000">
-                                          <p:val>
-                                            <p:strVal val="#ppt_w"/>
-                                          </p:val>
-                                        </p:tav>
-                                      </p:tavLst>
-                                    </p:anim>
-                                    <p:anim calcmode="lin" valueType="num">
-                                      <p:cBhvr>
-                                        <p:cTn id="103" dur="500" fill="hold"/>
-                                        <p:tgtEl>
-                                          <p:spTgt spid="36"/>
-                                        </p:tgtEl>
-                                        <p:attrNameLst>
-                                          <p:attrName>ppt_h</p:attrName>
-                                        </p:attrNameLst>
-                                      </p:cBhvr>
-                                      <p:tavLst>
-                                        <p:tav tm="0">
-                                          <p:val>
-                                            <p:fltVal val="0"/>
-                                          </p:val>
-                                        </p:tav>
-                                        <p:tav tm="100000">
-                                          <p:val>
-                                            <p:strVal val="#ppt_h"/>
-                                          </p:val>
-                                        </p:tav>
-                                      </p:tavLst>
-                                    </p:anim>
-                                    <p:animEffect transition="in" filter="fade">
-                                      <p:cBhvr>
-                                        <p:cTn id="104" dur="500"/>
-                                        <p:tgtEl>
-                                          <p:spTgt spid="36"/>
-                                        </p:tgtEl>
-                                      </p:cBhvr>
-                                    </p:animEffect>
-                                  </p:childTnLst>
-                                </p:cTn>
-                              </p:par>
-                            </p:childTnLst>
-                          </p:cTn>
-                        </p:par>
-                      </p:childTnLst>
-                    </p:cTn>
-                  </p:par>
-                  <p:par>
-                    <p:cTn id="105" fill="hold">
-                      <p:stCondLst>
-                        <p:cond delay="indefinite"/>
-                      </p:stCondLst>
-                      <p:childTnLst>
-                        <p:par>
-                          <p:cTn id="106" fill="hold">
-                            <p:stCondLst>
-                              <p:cond delay="0"/>
-                            </p:stCondLst>
-                            <p:childTnLst>
-                              <p:par>
-                                <p:cTn id="107" presetID="53" presetClass="entr" presetSubtype="16" fill="hold" nodeType="clickEffect">
-                                  <p:stCondLst>
-                                    <p:cond delay="0"/>
-                                  </p:stCondLst>
-                                  <p:childTnLst>
-                                    <p:set>
-                                      <p:cBhvr>
-                                        <p:cTn id="108" dur="1" fill="hold">
-                                          <p:stCondLst>
-                                            <p:cond delay="0"/>
-                                          </p:stCondLst>
-                                        </p:cTn>
-                                        <p:tgtEl>
-                                          <p:spTgt spid="38"/>
-                                        </p:tgtEl>
-                                        <p:attrNameLst>
-                                          <p:attrName>style.visibility</p:attrName>
-                                        </p:attrNameLst>
-                                      </p:cBhvr>
-                                      <p:to>
-                                        <p:strVal val="visible"/>
-                                      </p:to>
-                                    </p:set>
-                                    <p:anim calcmode="lin" valueType="num">
-                                      <p:cBhvr>
-                                        <p:cTn id="109" dur="500" fill="hold"/>
-                                        <p:tgtEl>
-                                          <p:spTgt spid="38"/>
-                                        </p:tgtEl>
-                                        <p:attrNameLst>
-                                          <p:attrName>ppt_w</p:attrName>
-                                        </p:attrNameLst>
-                                      </p:cBhvr>
-                                      <p:tavLst>
-                                        <p:tav tm="0">
-                                          <p:val>
-                                            <p:fltVal val="0"/>
-                                          </p:val>
-                                        </p:tav>
-                                        <p:tav tm="100000">
-                                          <p:val>
-                                            <p:strVal val="#ppt_w"/>
-                                          </p:val>
-                                        </p:tav>
-                                      </p:tavLst>
-                                    </p:anim>
-                                    <p:anim calcmode="lin" valueType="num">
-                                      <p:cBhvr>
-                                        <p:cTn id="110" dur="500" fill="hold"/>
-                                        <p:tgtEl>
-                                          <p:spTgt spid="38"/>
-                                        </p:tgtEl>
-                                        <p:attrNameLst>
-                                          <p:attrName>ppt_h</p:attrName>
-                                        </p:attrNameLst>
-                                      </p:cBhvr>
-                                      <p:tavLst>
-                                        <p:tav tm="0">
-                                          <p:val>
-                                            <p:fltVal val="0"/>
-                                          </p:val>
-                                        </p:tav>
-                                        <p:tav tm="100000">
-                                          <p:val>
-                                            <p:strVal val="#ppt_h"/>
-                                          </p:val>
-                                        </p:tav>
-                                      </p:tavLst>
-                                    </p:anim>
-                                    <p:animEffect transition="in" filter="fade">
-                                      <p:cBhvr>
-                                        <p:cTn id="111" dur="500"/>
-                                        <p:tgtEl>
-                                          <p:spTgt spid="38"/>
                                         </p:tgtEl>
                                       </p:cBhvr>
                                     </p:animEffect>
@@ -24935,7 +24104,7 @@
         </p:nvCxnSpPr>
         <p:spPr>
           <a:xfrm flipH="1">
-            <a:off x="7412918" y="4132036"/>
+            <a:off x="7526198" y="3927333"/>
             <a:ext cx="1134148" cy="2290"/>
           </a:xfrm>
           <a:prstGeom prst="straightConnector1">
@@ -24943,7 +24112,7 @@
           </a:prstGeom>
           <a:ln w="53975" cap="flat" cmpd="sng" algn="ctr">
             <a:solidFill>
-              <a:schemeClr val="dk1"/>
+              <a:srgbClr val="00FF00"/>
             </a:solidFill>
             <a:prstDash val="solid"/>
             <a:round/>
@@ -24982,7 +24151,12 @@
             <p:ph type="title"/>
           </p:nvPr>
         </p:nvSpPr>
-        <p:spPr/>
+        <p:spPr>
+          <a:xfrm>
+            <a:off x="1214565" y="36990"/>
+            <a:ext cx="9905998" cy="1478570"/>
+          </a:xfrm>
+        </p:spPr>
         <p:txBody>
           <a:bodyPr/>
           <a:lstStyle/>
@@ -25012,19 +24186,21 @@
         </p:nvSpPr>
         <p:spPr>
           <a:xfrm>
-            <a:off x="2442089" y="4419159"/>
-            <a:ext cx="1216058" cy="798922"/>
+            <a:off x="2589357" y="3728533"/>
+            <a:ext cx="1216058" cy="702229"/>
           </a:xfrm>
           <a:prstGeom prst="rect">
             <a:avLst/>
           </a:prstGeom>
           <a:solidFill>
-            <a:schemeClr val="tx1">
-              <a:lumMod val="50000"/>
-            </a:schemeClr>
+            <a:schemeClr val="bg1"/>
           </a:solidFill>
           <a:ln>
-            <a:noFill/>
+            <a:solidFill>
+              <a:schemeClr val="bg1">
+                <a:lumMod val="65000"/>
+              </a:schemeClr>
+            </a:solidFill>
           </a:ln>
           <a:effectLst>
             <a:outerShdw blurRad="190500" dist="228600" dir="2700000" algn="ctr">
@@ -25067,7 +24243,10 @@
           <a:p>
             <a:pPr algn="ctr"/>
             <a:r>
-              <a:rPr lang="en-US" dirty="0">
+              <a:rPr lang="en-US" b="1" dirty="0">
+                <a:solidFill>
+                  <a:sysClr val="windowText" lastClr="000000"/>
+                </a:solidFill>
                 <a:cs typeface="Arial" panose="020B0604020202020204" pitchFamily="34" charset="0"/>
               </a:rPr>
               <a:t>LEDs</a:t>
@@ -25089,14 +24268,19 @@
         </p:nvSpPr>
         <p:spPr>
           <a:xfrm>
-            <a:off x="2434762" y="3429000"/>
-            <a:ext cx="1216058" cy="798922"/>
+            <a:off x="2589357" y="2800754"/>
+            <a:ext cx="1216057" cy="702231"/>
           </a:xfrm>
           <a:prstGeom prst="rect">
             <a:avLst/>
           </a:prstGeom>
+          <a:solidFill>
+            <a:srgbClr val="1DFDF2"/>
+          </a:solidFill>
           <a:ln>
-            <a:noFill/>
+            <a:solidFill>
+              <a:srgbClr val="1DFDF2"/>
+            </a:solidFill>
           </a:ln>
           <a:effectLst>
             <a:outerShdw blurRad="190500" dist="228600" dir="2700000" algn="ctr">
@@ -25139,12 +24323,18 @@
           <a:p>
             <a:pPr algn="ctr"/>
             <a:r>
-              <a:rPr lang="en-US" dirty="0">
+              <a:rPr lang="en-US" b="1" dirty="0">
+                <a:solidFill>
+                  <a:sysClr val="windowText" lastClr="000000"/>
+                </a:solidFill>
                 <a:cs typeface="Arial" panose="020B0604020202020204" pitchFamily="34" charset="0"/>
               </a:rPr>
               <a:t>Screen</a:t>
             </a:r>
-            <a:endParaRPr lang="en-IL" dirty="0">
+            <a:endParaRPr lang="en-IL" b="1" dirty="0">
+              <a:solidFill>
+                <a:sysClr val="windowText" lastClr="000000"/>
+              </a:solidFill>
               <a:cs typeface="Arial" panose="020B0604020202020204" pitchFamily="34" charset="0"/>
             </a:endParaRPr>
           </a:p>
@@ -25164,17 +24354,19 @@
         </p:nvSpPr>
         <p:spPr>
           <a:xfrm>
-            <a:off x="5429633" y="3740081"/>
-            <a:ext cx="1968631" cy="1080937"/>
+            <a:off x="5557567" y="3531965"/>
+            <a:ext cx="1968631" cy="1076249"/>
           </a:xfrm>
           <a:prstGeom prst="rect">
             <a:avLst/>
           </a:prstGeom>
           <a:solidFill>
-            <a:srgbClr val="00B050"/>
+            <a:srgbClr val="00FF00"/>
           </a:solidFill>
           <a:ln>
-            <a:noFill/>
+            <a:solidFill>
+              <a:srgbClr val="00FF00"/>
+            </a:solidFill>
           </a:ln>
           <a:effectLst>
             <a:outerShdw blurRad="190500" dist="228600" dir="2700000" algn="ctr">
@@ -25217,12 +24409,18 @@
           <a:p>
             <a:pPr algn="ctr"/>
             <a:r>
-              <a:rPr lang="en-US">
+              <a:rPr lang="en-US" b="1">
+                <a:solidFill>
+                  <a:sysClr val="windowText" lastClr="000000"/>
+                </a:solidFill>
                 <a:cs typeface="Arial" panose="020B0604020202020204" pitchFamily="34" charset="0"/>
               </a:rPr>
               <a:t>ESP32</a:t>
             </a:r>
-            <a:endParaRPr lang="en-IL" dirty="0">
+            <a:endParaRPr lang="en-IL" b="1" dirty="0">
+              <a:solidFill>
+                <a:sysClr val="windowText" lastClr="000000"/>
+              </a:solidFill>
               <a:cs typeface="Arial" panose="020B0604020202020204" pitchFamily="34" charset="0"/>
             </a:endParaRPr>
           </a:p>
@@ -25242,17 +24440,19 @@
         </p:nvSpPr>
         <p:spPr>
           <a:xfrm>
-            <a:off x="5805920" y="5523248"/>
-            <a:ext cx="1216058" cy="798922"/>
+            <a:off x="5933854" y="5315132"/>
+            <a:ext cx="1216058" cy="702230"/>
           </a:xfrm>
           <a:prstGeom prst="rect">
             <a:avLst/>
           </a:prstGeom>
           <a:solidFill>
-            <a:srgbClr val="0070C0"/>
+            <a:srgbClr val="5FBBB0"/>
           </a:solidFill>
           <a:ln>
-            <a:noFill/>
+            <a:solidFill>
+              <a:srgbClr val="5FBBB0"/>
+            </a:solidFill>
           </a:ln>
           <a:effectLst>
             <a:outerShdw blurRad="190500" dist="228600" dir="2700000" algn="ctr">
@@ -25295,12 +24495,18 @@
           <a:p>
             <a:pPr algn="ctr"/>
             <a:r>
-              <a:rPr lang="en-US" dirty="0">
+              <a:rPr lang="en-US" b="1" dirty="0">
+                <a:solidFill>
+                  <a:sysClr val="windowText" lastClr="000000"/>
+                </a:solidFill>
                 <a:cs typeface="Arial" panose="020B0604020202020204" pitchFamily="34" charset="0"/>
               </a:rPr>
               <a:t>SD card</a:t>
             </a:r>
-            <a:endParaRPr lang="en-IL" dirty="0">
+            <a:endParaRPr lang="en-IL" b="1" dirty="0">
+              <a:solidFill>
+                <a:sysClr val="windowText" lastClr="000000"/>
+              </a:solidFill>
               <a:cs typeface="Arial" panose="020B0604020202020204" pitchFamily="34" charset="0"/>
             </a:endParaRPr>
           </a:p>
@@ -25320,7 +24526,7 @@
         </p:nvSpPr>
         <p:spPr>
           <a:xfrm>
-            <a:off x="1295051" y="1762172"/>
+            <a:off x="4023169" y="1878980"/>
             <a:ext cx="1216058" cy="798922"/>
           </a:xfrm>
           <a:prstGeom prst="rect">
@@ -25373,9 +24579,9 @@
           <a:p>
             <a:pPr algn="ctr"/>
             <a:r>
-              <a:rPr lang="en-US" dirty="0">
+              <a:rPr lang="en-US" b="1" dirty="0">
                 <a:solidFill>
-                  <a:schemeClr val="bg1"/>
+                  <a:schemeClr val="tx1"/>
                 </a:solidFill>
                 <a:cs typeface="Arial" panose="020B0604020202020204" pitchFamily="34" charset="0"/>
               </a:rPr>
@@ -25400,7 +24606,7 @@
         </p:nvCxnSpPr>
         <p:spPr>
           <a:xfrm>
-            <a:off x="6413949" y="3037851"/>
+            <a:off x="6541883" y="2829735"/>
             <a:ext cx="0" cy="702230"/>
           </a:xfrm>
           <a:prstGeom prst="straightConnector1">
@@ -25408,7 +24614,7 @@
           </a:prstGeom>
           <a:ln w="53975" cap="flat" cmpd="sng" algn="ctr">
             <a:solidFill>
-              <a:schemeClr val="dk1"/>
+              <a:srgbClr val="01FF00"/>
             </a:solidFill>
             <a:prstDash val="solid"/>
             <a:round/>
@@ -25447,7 +24653,7 @@
         </p:nvCxnSpPr>
         <p:spPr>
           <a:xfrm flipV="1">
-            <a:off x="6877654" y="4818620"/>
+            <a:off x="7005588" y="4610504"/>
             <a:ext cx="0" cy="704628"/>
           </a:xfrm>
           <a:prstGeom prst="straightConnector1">
@@ -25455,7 +24661,7 @@
           </a:prstGeom>
           <a:ln w="53975" cap="flat" cmpd="sng" algn="ctr">
             <a:solidFill>
-              <a:schemeClr val="dk1"/>
+              <a:srgbClr val="01FF00"/>
             </a:solidFill>
             <a:prstDash val="solid"/>
             <a:round/>
@@ -25494,55 +24700,8 @@
         </p:nvCxnSpPr>
         <p:spPr>
           <a:xfrm>
-            <a:off x="5932714" y="4818620"/>
+            <a:off x="6060648" y="4610504"/>
             <a:ext cx="1" cy="702230"/>
-          </a:xfrm>
-          <a:prstGeom prst="straightConnector1">
-            <a:avLst/>
-          </a:prstGeom>
-          <a:ln w="57150" cap="flat" cmpd="sng" algn="ctr">
-            <a:solidFill>
-              <a:schemeClr val="tx1"/>
-            </a:solidFill>
-            <a:prstDash val="solid"/>
-            <a:round/>
-            <a:headEnd type="none" w="med" len="med"/>
-            <a:tailEnd type="arrow" w="med" len="med"/>
-          </a:ln>
-        </p:spPr>
-        <p:style>
-          <a:lnRef idx="0">
-            <a:scrgbClr r="0" g="0" b="0"/>
-          </a:lnRef>
-          <a:fillRef idx="0">
-            <a:scrgbClr r="0" g="0" b="0"/>
-          </a:fillRef>
-          <a:effectRef idx="0">
-            <a:scrgbClr r="0" g="0" b="0"/>
-          </a:effectRef>
-          <a:fontRef idx="minor">
-            <a:schemeClr val="tx1"/>
-          </a:fontRef>
-        </p:style>
-      </p:cxnSp>
-      <p:cxnSp>
-        <p:nvCxnSpPr>
-          <p:cNvPr id="32" name="Straight Arrow Connector 31">
-            <a:extLst>
-              <a:ext uri="{FF2B5EF4-FFF2-40B4-BE49-F238E27FC236}">
-                <a16:creationId xmlns:a16="http://schemas.microsoft.com/office/drawing/2014/main" id="{8268C4D3-F58A-4B37-2391-06FD03267FD6}"/>
-              </a:ext>
-            </a:extLst>
-          </p:cNvPr>
-          <p:cNvCxnSpPr>
-            <a:cxnSpLocks/>
-          </p:cNvCxnSpPr>
-          <p:nvPr/>
-        </p:nvCxnSpPr>
-        <p:spPr>
-          <a:xfrm flipH="1">
-            <a:off x="3658147" y="3861129"/>
-            <a:ext cx="1770045" cy="0"/>
           </a:xfrm>
           <a:prstGeom prst="straightConnector1">
             <a:avLst/>
@@ -25583,13 +24742,15 @@
           </p:cNvPr>
           <p:cNvCxnSpPr>
             <a:cxnSpLocks/>
+            <a:stCxn id="11" idx="1"/>
+            <a:endCxn id="6" idx="3"/>
           </p:cNvCxnSpPr>
           <p:nvPr/>
         </p:nvCxnSpPr>
         <p:spPr>
           <a:xfrm flipH="1">
-            <a:off x="3658147" y="4677721"/>
-            <a:ext cx="1771486" cy="0"/>
+            <a:off x="3805415" y="4070090"/>
+            <a:ext cx="1752152" cy="9558"/>
           </a:xfrm>
           <a:prstGeom prst="straightConnector1">
             <a:avLst/>
@@ -25633,7 +24794,7 @@
         </p:nvSpPr>
         <p:spPr>
           <a:xfrm>
-            <a:off x="5805920" y="2236531"/>
+            <a:off x="5933854" y="2028415"/>
             <a:ext cx="1216058" cy="798922"/>
           </a:xfrm>
           <a:prstGeom prst="rect">
@@ -25686,12 +24847,18 @@
           <a:p>
             <a:pPr algn="ctr"/>
             <a:r>
-              <a:rPr lang="en-US" dirty="0">
+              <a:rPr lang="en-US" b="1" dirty="0">
+                <a:solidFill>
+                  <a:schemeClr val="tx1"/>
+                </a:solidFill>
                 <a:cs typeface="Arial" panose="020B0604020202020204" pitchFamily="34" charset="0"/>
               </a:rPr>
               <a:t>RTC</a:t>
             </a:r>
-            <a:endParaRPr lang="en-IL" dirty="0">
+            <a:endParaRPr lang="en-IL" b="1" dirty="0">
+              <a:solidFill>
+                <a:schemeClr val="tx1"/>
+              </a:solidFill>
               <a:cs typeface="Arial" panose="020B0604020202020204" pitchFamily="34" charset="0"/>
             </a:endParaRPr>
           </a:p>
@@ -25711,15 +24878,1124 @@
         </p:nvSpPr>
         <p:spPr>
           <a:xfrm>
-            <a:off x="8561721" y="3878799"/>
+            <a:off x="8670321" y="3670629"/>
             <a:ext cx="1216058" cy="798922"/>
           </a:xfrm>
           <a:prstGeom prst="rect">
             <a:avLst/>
           </a:prstGeom>
           <a:solidFill>
-            <a:schemeClr val="tx2">
+            <a:schemeClr val="bg1">
               <a:lumMod val="50000"/>
+            </a:schemeClr>
+          </a:solidFill>
+          <a:ln>
+            <a:solidFill>
+              <a:schemeClr val="bg1">
+                <a:lumMod val="65000"/>
+              </a:schemeClr>
+            </a:solidFill>
+          </a:ln>
+          <a:effectLst>
+            <a:outerShdw blurRad="190500" dist="228600" dir="2700000" algn="ctr">
+              <a:srgbClr val="000000">
+                <a:alpha val="30000"/>
+              </a:srgbClr>
+            </a:outerShdw>
+          </a:effectLst>
+          <a:scene3d>
+            <a:camera prst="orthographicFront">
+              <a:rot lat="0" lon="0" rev="0"/>
+            </a:camera>
+            <a:lightRig rig="glow" dir="t">
+              <a:rot lat="0" lon="0" rev="4800000"/>
+            </a:lightRig>
+          </a:scene3d>
+          <a:sp3d prstMaterial="matte">
+            <a:bevelT w="127000" h="63500"/>
+          </a:sp3d>
+        </p:spPr>
+        <p:style>
+          <a:lnRef idx="2">
+            <a:schemeClr val="accent1">
+              <a:shade val="15000"/>
+            </a:schemeClr>
+          </a:lnRef>
+          <a:fillRef idx="1">
+            <a:schemeClr val="accent1"/>
+          </a:fillRef>
+          <a:effectRef idx="0">
+            <a:schemeClr val="accent1"/>
+          </a:effectRef>
+          <a:fontRef idx="minor">
+            <a:schemeClr val="lt1"/>
+          </a:fontRef>
+        </p:style>
+        <p:txBody>
+          <a:bodyPr rtlCol="0" anchor="ctr"/>
+          <a:lstStyle/>
+          <a:p>
+            <a:pPr algn="ctr"/>
+            <a:r>
+              <a:rPr lang="en-US" b="1" dirty="0">
+                <a:solidFill>
+                  <a:sysClr val="windowText" lastClr="000000"/>
+                </a:solidFill>
+                <a:cs typeface="Arial" panose="020B0604020202020204" pitchFamily="34" charset="0"/>
+              </a:rPr>
+              <a:t>Barcode reader</a:t>
+            </a:r>
+            <a:endParaRPr lang="en-IL" b="1" dirty="0">
+              <a:solidFill>
+                <a:sysClr val="windowText" lastClr="000000"/>
+              </a:solidFill>
+              <a:cs typeface="Arial" panose="020B0604020202020204" pitchFamily="34" charset="0"/>
+            </a:endParaRPr>
+          </a:p>
+        </p:txBody>
+      </p:sp>
+      <p:cxnSp>
+        <p:nvCxnSpPr>
+          <p:cNvPr id="3" name="Straight Arrow Connector 2">
+            <a:extLst>
+              <a:ext uri="{FF2B5EF4-FFF2-40B4-BE49-F238E27FC236}">
+                <a16:creationId xmlns:a16="http://schemas.microsoft.com/office/drawing/2014/main" id="{0B649880-54CA-92D6-6D7E-4D0F60FADE27}"/>
+              </a:ext>
+            </a:extLst>
+          </p:cNvPr>
+          <p:cNvCxnSpPr>
+            <a:cxnSpLocks/>
+          </p:cNvCxnSpPr>
+          <p:nvPr/>
+        </p:nvCxnSpPr>
+        <p:spPr>
+          <a:xfrm>
+            <a:off x="7526198" y="4165574"/>
+            <a:ext cx="1163457" cy="0"/>
+          </a:xfrm>
+          <a:prstGeom prst="straightConnector1">
+            <a:avLst/>
+          </a:prstGeom>
+          <a:ln w="57150" cap="flat" cmpd="sng" algn="ctr">
+            <a:solidFill>
+              <a:schemeClr val="tx1"/>
+            </a:solidFill>
+            <a:prstDash val="solid"/>
+            <a:round/>
+            <a:headEnd type="none" w="med" len="med"/>
+            <a:tailEnd type="arrow" w="med" len="med"/>
+          </a:ln>
+        </p:spPr>
+        <p:style>
+          <a:lnRef idx="0">
+            <a:scrgbClr r="0" g="0" b="0"/>
+          </a:lnRef>
+          <a:fillRef idx="0">
+            <a:scrgbClr r="0" g="0" b="0"/>
+          </a:fillRef>
+          <a:effectRef idx="0">
+            <a:scrgbClr r="0" g="0" b="0"/>
+          </a:effectRef>
+          <a:fontRef idx="minor">
+            <a:schemeClr val="tx1"/>
+          </a:fontRef>
+        </p:style>
+      </p:cxnSp>
+      <p:sp>
+        <p:nvSpPr>
+          <p:cNvPr id="7" name="Rectangle 6">
+            <a:extLst>
+              <a:ext uri="{FF2B5EF4-FFF2-40B4-BE49-F238E27FC236}">
+                <a16:creationId xmlns:a16="http://schemas.microsoft.com/office/drawing/2014/main" id="{E355DD5E-4CC4-E6A7-70C7-EB36360FC1C9}"/>
+              </a:ext>
+            </a:extLst>
+          </p:cNvPr>
+          <p:cNvSpPr/>
+          <p:nvPr/>
+        </p:nvSpPr>
+        <p:spPr>
+          <a:xfrm>
+            <a:off x="2589356" y="4628321"/>
+            <a:ext cx="1216058" cy="702230"/>
+          </a:xfrm>
+          <a:prstGeom prst="rect">
+            <a:avLst/>
+          </a:prstGeom>
+          <a:solidFill>
+            <a:schemeClr val="accent5"/>
+          </a:solidFill>
+          <a:ln>
+            <a:solidFill>
+              <a:schemeClr val="accent5"/>
+            </a:solidFill>
+          </a:ln>
+          <a:effectLst>
+            <a:outerShdw blurRad="190500" dist="228600" dir="2700000" algn="ctr">
+              <a:srgbClr val="000000">
+                <a:alpha val="30000"/>
+              </a:srgbClr>
+            </a:outerShdw>
+          </a:effectLst>
+          <a:scene3d>
+            <a:camera prst="orthographicFront">
+              <a:rot lat="0" lon="0" rev="0"/>
+            </a:camera>
+            <a:lightRig rig="glow" dir="t">
+              <a:rot lat="0" lon="0" rev="4800000"/>
+            </a:lightRig>
+          </a:scene3d>
+          <a:sp3d prstMaterial="matte">
+            <a:bevelT w="127000" h="63500"/>
+          </a:sp3d>
+        </p:spPr>
+        <p:style>
+          <a:lnRef idx="2">
+            <a:schemeClr val="accent1">
+              <a:shade val="15000"/>
+            </a:schemeClr>
+          </a:lnRef>
+          <a:fillRef idx="1">
+            <a:schemeClr val="accent1"/>
+          </a:fillRef>
+          <a:effectRef idx="0">
+            <a:schemeClr val="accent1"/>
+          </a:effectRef>
+          <a:fontRef idx="minor">
+            <a:schemeClr val="lt1"/>
+          </a:fontRef>
+        </p:style>
+        <p:txBody>
+          <a:bodyPr rtlCol="0" anchor="ctr"/>
+          <a:lstStyle/>
+          <a:p>
+            <a:pPr algn="ctr"/>
+            <a:r>
+              <a:rPr lang="en-US" b="1" dirty="0">
+                <a:solidFill>
+                  <a:sysClr val="windowText" lastClr="000000"/>
+                </a:solidFill>
+                <a:cs typeface="Arial" panose="020B0604020202020204" pitchFamily="34" charset="0"/>
+              </a:rPr>
+              <a:t>Buzzer</a:t>
+            </a:r>
+            <a:endParaRPr lang="en-IL" b="1" dirty="0">
+              <a:solidFill>
+                <a:sysClr val="windowText" lastClr="000000"/>
+              </a:solidFill>
+              <a:cs typeface="Arial" panose="020B0604020202020204" pitchFamily="34" charset="0"/>
+            </a:endParaRPr>
+          </a:p>
+        </p:txBody>
+      </p:sp>
+      <p:cxnSp>
+        <p:nvCxnSpPr>
+          <p:cNvPr id="12" name="Connector: Elbow 11">
+            <a:extLst>
+              <a:ext uri="{FF2B5EF4-FFF2-40B4-BE49-F238E27FC236}">
+                <a16:creationId xmlns:a16="http://schemas.microsoft.com/office/drawing/2014/main" id="{4B96D0F7-B45A-851B-4E16-EA3B9B1BE809}"/>
+              </a:ext>
+            </a:extLst>
+          </p:cNvPr>
+          <p:cNvCxnSpPr>
+            <a:cxnSpLocks/>
+            <a:endCxn id="7" idx="3"/>
+          </p:cNvCxnSpPr>
+          <p:nvPr/>
+        </p:nvCxnSpPr>
+        <p:spPr>
+          <a:xfrm rot="10800000" flipV="1">
+            <a:off x="3805414" y="4313606"/>
+            <a:ext cx="1752152" cy="665830"/>
+          </a:xfrm>
+          <a:prstGeom prst="bentConnector3">
+            <a:avLst>
+              <a:gd name="adj1" fmla="val 50000"/>
+            </a:avLst>
+          </a:prstGeom>
+          <a:ln w="50800" cap="flat" cmpd="sng" algn="ctr">
+            <a:solidFill>
+              <a:schemeClr val="dk1"/>
+            </a:solidFill>
+            <a:prstDash val="solid"/>
+            <a:round/>
+            <a:headEnd type="none" w="med" len="med"/>
+            <a:tailEnd type="arrow" w="med" len="med"/>
+          </a:ln>
+        </p:spPr>
+        <p:style>
+          <a:lnRef idx="0">
+            <a:scrgbClr r="0" g="0" b="0"/>
+          </a:lnRef>
+          <a:fillRef idx="0">
+            <a:scrgbClr r="0" g="0" b="0"/>
+          </a:fillRef>
+          <a:effectRef idx="0">
+            <a:scrgbClr r="0" g="0" b="0"/>
+          </a:effectRef>
+          <a:fontRef idx="minor">
+            <a:schemeClr val="tx1"/>
+          </a:fontRef>
+        </p:style>
+      </p:cxnSp>
+      <p:sp>
+        <p:nvSpPr>
+          <p:cNvPr id="25" name="Rectangle 24">
+            <a:extLst>
+              <a:ext uri="{FF2B5EF4-FFF2-40B4-BE49-F238E27FC236}">
+                <a16:creationId xmlns:a16="http://schemas.microsoft.com/office/drawing/2014/main" id="{168C0E57-3B7B-0BAC-D19F-D0638B901772}"/>
+              </a:ext>
+            </a:extLst>
+          </p:cNvPr>
+          <p:cNvSpPr/>
+          <p:nvPr/>
+        </p:nvSpPr>
+        <p:spPr>
+          <a:xfrm>
+            <a:off x="2395728" y="1764792"/>
+            <a:ext cx="7686021" cy="4443984"/>
+          </a:xfrm>
+          <a:prstGeom prst="rect">
+            <a:avLst/>
+          </a:prstGeom>
+          <a:noFill/>
+          <a:ln w="44450" cap="flat" cmpd="sng" algn="ctr">
+            <a:solidFill>
+              <a:srgbClr val="00B050"/>
+            </a:solidFill>
+            <a:prstDash val="dash"/>
+            <a:round/>
+            <a:headEnd type="none" w="med" len="med"/>
+            <a:tailEnd type="none" w="med" len="med"/>
+            <a:extLst>
+              <a:ext uri="{C807C97D-BFC1-408E-A445-0C87EB9F89A2}">
+                <ask:lineSketchStyleProps xmlns:ask="http://schemas.microsoft.com/office/drawing/2018/sketchyshapes" sd="1219033472">
+                  <a:custGeom>
+                    <a:avLst/>
+                    <a:gdLst>
+                      <a:gd name="connsiteX0" fmla="*/ 0 w 5916250"/>
+                      <a:gd name="connsiteY0" fmla="*/ 0 h 4667972"/>
+                      <a:gd name="connsiteX1" fmla="*/ 532463 w 5916250"/>
+                      <a:gd name="connsiteY1" fmla="*/ 0 h 4667972"/>
+                      <a:gd name="connsiteX2" fmla="*/ 946600 w 5916250"/>
+                      <a:gd name="connsiteY2" fmla="*/ 0 h 4667972"/>
+                      <a:gd name="connsiteX3" fmla="*/ 1656550 w 5916250"/>
+                      <a:gd name="connsiteY3" fmla="*/ 0 h 4667972"/>
+                      <a:gd name="connsiteX4" fmla="*/ 2189013 w 5916250"/>
+                      <a:gd name="connsiteY4" fmla="*/ 0 h 4667972"/>
+                      <a:gd name="connsiteX5" fmla="*/ 2721475 w 5916250"/>
+                      <a:gd name="connsiteY5" fmla="*/ 0 h 4667972"/>
+                      <a:gd name="connsiteX6" fmla="*/ 3431425 w 5916250"/>
+                      <a:gd name="connsiteY6" fmla="*/ 0 h 4667972"/>
+                      <a:gd name="connsiteX7" fmla="*/ 3904725 w 5916250"/>
+                      <a:gd name="connsiteY7" fmla="*/ 0 h 4667972"/>
+                      <a:gd name="connsiteX8" fmla="*/ 4614675 w 5916250"/>
+                      <a:gd name="connsiteY8" fmla="*/ 0 h 4667972"/>
+                      <a:gd name="connsiteX9" fmla="*/ 5324625 w 5916250"/>
+                      <a:gd name="connsiteY9" fmla="*/ 0 h 4667972"/>
+                      <a:gd name="connsiteX10" fmla="*/ 5916250 w 5916250"/>
+                      <a:gd name="connsiteY10" fmla="*/ 0 h 4667972"/>
+                      <a:gd name="connsiteX11" fmla="*/ 5916250 w 5916250"/>
+                      <a:gd name="connsiteY11" fmla="*/ 676856 h 4667972"/>
+                      <a:gd name="connsiteX12" fmla="*/ 5916250 w 5916250"/>
+                      <a:gd name="connsiteY12" fmla="*/ 1307032 h 4667972"/>
+                      <a:gd name="connsiteX13" fmla="*/ 5916250 w 5916250"/>
+                      <a:gd name="connsiteY13" fmla="*/ 1750490 h 4667972"/>
+                      <a:gd name="connsiteX14" fmla="*/ 5916250 w 5916250"/>
+                      <a:gd name="connsiteY14" fmla="*/ 2333986 h 4667972"/>
+                      <a:gd name="connsiteX15" fmla="*/ 5916250 w 5916250"/>
+                      <a:gd name="connsiteY15" fmla="*/ 2917483 h 4667972"/>
+                      <a:gd name="connsiteX16" fmla="*/ 5916250 w 5916250"/>
+                      <a:gd name="connsiteY16" fmla="*/ 3500979 h 4667972"/>
+                      <a:gd name="connsiteX17" fmla="*/ 5916250 w 5916250"/>
+                      <a:gd name="connsiteY17" fmla="*/ 4131155 h 4667972"/>
+                      <a:gd name="connsiteX18" fmla="*/ 5916250 w 5916250"/>
+                      <a:gd name="connsiteY18" fmla="*/ 4667972 h 4667972"/>
+                      <a:gd name="connsiteX19" fmla="*/ 5265463 w 5916250"/>
+                      <a:gd name="connsiteY19" fmla="*/ 4667972 h 4667972"/>
+                      <a:gd name="connsiteX20" fmla="*/ 4792163 w 5916250"/>
+                      <a:gd name="connsiteY20" fmla="*/ 4667972 h 4667972"/>
+                      <a:gd name="connsiteX21" fmla="*/ 4082212 w 5916250"/>
+                      <a:gd name="connsiteY21" fmla="*/ 4667972 h 4667972"/>
+                      <a:gd name="connsiteX22" fmla="*/ 3490588 w 5916250"/>
+                      <a:gd name="connsiteY22" fmla="*/ 4667972 h 4667972"/>
+                      <a:gd name="connsiteX23" fmla="*/ 3017288 w 5916250"/>
+                      <a:gd name="connsiteY23" fmla="*/ 4667972 h 4667972"/>
+                      <a:gd name="connsiteX24" fmla="*/ 2425662 w 5916250"/>
+                      <a:gd name="connsiteY24" fmla="*/ 4667972 h 4667972"/>
+                      <a:gd name="connsiteX25" fmla="*/ 2011525 w 5916250"/>
+                      <a:gd name="connsiteY25" fmla="*/ 4667972 h 4667972"/>
+                      <a:gd name="connsiteX26" fmla="*/ 1597387 w 5916250"/>
+                      <a:gd name="connsiteY26" fmla="*/ 4667972 h 4667972"/>
+                      <a:gd name="connsiteX27" fmla="*/ 1005762 w 5916250"/>
+                      <a:gd name="connsiteY27" fmla="*/ 4667972 h 4667972"/>
+                      <a:gd name="connsiteX28" fmla="*/ 532462 w 5916250"/>
+                      <a:gd name="connsiteY28" fmla="*/ 4667972 h 4667972"/>
+                      <a:gd name="connsiteX29" fmla="*/ 0 w 5916250"/>
+                      <a:gd name="connsiteY29" fmla="*/ 4667972 h 4667972"/>
+                      <a:gd name="connsiteX30" fmla="*/ 0 w 5916250"/>
+                      <a:gd name="connsiteY30" fmla="*/ 4177835 h 4667972"/>
+                      <a:gd name="connsiteX31" fmla="*/ 0 w 5916250"/>
+                      <a:gd name="connsiteY31" fmla="*/ 3734378 h 4667972"/>
+                      <a:gd name="connsiteX32" fmla="*/ 0 w 5916250"/>
+                      <a:gd name="connsiteY32" fmla="*/ 3104201 h 4667972"/>
+                      <a:gd name="connsiteX33" fmla="*/ 0 w 5916250"/>
+                      <a:gd name="connsiteY33" fmla="*/ 2614064 h 4667972"/>
+                      <a:gd name="connsiteX34" fmla="*/ 0 w 5916250"/>
+                      <a:gd name="connsiteY34" fmla="*/ 1983888 h 4667972"/>
+                      <a:gd name="connsiteX35" fmla="*/ 0 w 5916250"/>
+                      <a:gd name="connsiteY35" fmla="*/ 1307032 h 4667972"/>
+                      <a:gd name="connsiteX36" fmla="*/ 0 w 5916250"/>
+                      <a:gd name="connsiteY36" fmla="*/ 770215 h 4667972"/>
+                      <a:gd name="connsiteX37" fmla="*/ 0 w 5916250"/>
+                      <a:gd name="connsiteY37" fmla="*/ 0 h 4667972"/>
+                    </a:gdLst>
+                    <a:ahLst/>
+                    <a:cxnLst>
+                      <a:cxn ang="0">
+                        <a:pos x="connsiteX0" y="connsiteY0"/>
+                      </a:cxn>
+                      <a:cxn ang="0">
+                        <a:pos x="connsiteX1" y="connsiteY1"/>
+                      </a:cxn>
+                      <a:cxn ang="0">
+                        <a:pos x="connsiteX2" y="connsiteY2"/>
+                      </a:cxn>
+                      <a:cxn ang="0">
+                        <a:pos x="connsiteX3" y="connsiteY3"/>
+                      </a:cxn>
+                      <a:cxn ang="0">
+                        <a:pos x="connsiteX4" y="connsiteY4"/>
+                      </a:cxn>
+                      <a:cxn ang="0">
+                        <a:pos x="connsiteX5" y="connsiteY5"/>
+                      </a:cxn>
+                      <a:cxn ang="0">
+                        <a:pos x="connsiteX6" y="connsiteY6"/>
+                      </a:cxn>
+                      <a:cxn ang="0">
+                        <a:pos x="connsiteX7" y="connsiteY7"/>
+                      </a:cxn>
+                      <a:cxn ang="0">
+                        <a:pos x="connsiteX8" y="connsiteY8"/>
+                      </a:cxn>
+                      <a:cxn ang="0">
+                        <a:pos x="connsiteX9" y="connsiteY9"/>
+                      </a:cxn>
+                      <a:cxn ang="0">
+                        <a:pos x="connsiteX10" y="connsiteY10"/>
+                      </a:cxn>
+                      <a:cxn ang="0">
+                        <a:pos x="connsiteX11" y="connsiteY11"/>
+                      </a:cxn>
+                      <a:cxn ang="0">
+                        <a:pos x="connsiteX12" y="connsiteY12"/>
+                      </a:cxn>
+                      <a:cxn ang="0">
+                        <a:pos x="connsiteX13" y="connsiteY13"/>
+                      </a:cxn>
+                      <a:cxn ang="0">
+                        <a:pos x="connsiteX14" y="connsiteY14"/>
+                      </a:cxn>
+                      <a:cxn ang="0">
+                        <a:pos x="connsiteX15" y="connsiteY15"/>
+                      </a:cxn>
+                      <a:cxn ang="0">
+                        <a:pos x="connsiteX16" y="connsiteY16"/>
+                      </a:cxn>
+                      <a:cxn ang="0">
+                        <a:pos x="connsiteX17" y="connsiteY17"/>
+                      </a:cxn>
+                      <a:cxn ang="0">
+                        <a:pos x="connsiteX18" y="connsiteY18"/>
+                      </a:cxn>
+                      <a:cxn ang="0">
+                        <a:pos x="connsiteX19" y="connsiteY19"/>
+                      </a:cxn>
+                      <a:cxn ang="0">
+                        <a:pos x="connsiteX20" y="connsiteY20"/>
+                      </a:cxn>
+                      <a:cxn ang="0">
+                        <a:pos x="connsiteX21" y="connsiteY21"/>
+                      </a:cxn>
+                      <a:cxn ang="0">
+                        <a:pos x="connsiteX22" y="connsiteY22"/>
+                      </a:cxn>
+                      <a:cxn ang="0">
+                        <a:pos x="connsiteX23" y="connsiteY23"/>
+                      </a:cxn>
+                      <a:cxn ang="0">
+                        <a:pos x="connsiteX24" y="connsiteY24"/>
+                      </a:cxn>
+                      <a:cxn ang="0">
+                        <a:pos x="connsiteX25" y="connsiteY25"/>
+                      </a:cxn>
+                      <a:cxn ang="0">
+                        <a:pos x="connsiteX26" y="connsiteY26"/>
+                      </a:cxn>
+                      <a:cxn ang="0">
+                        <a:pos x="connsiteX27" y="connsiteY27"/>
+                      </a:cxn>
+                      <a:cxn ang="0">
+                        <a:pos x="connsiteX28" y="connsiteY28"/>
+                      </a:cxn>
+                      <a:cxn ang="0">
+                        <a:pos x="connsiteX29" y="connsiteY29"/>
+                      </a:cxn>
+                      <a:cxn ang="0">
+                        <a:pos x="connsiteX30" y="connsiteY30"/>
+                      </a:cxn>
+                      <a:cxn ang="0">
+                        <a:pos x="connsiteX31" y="connsiteY31"/>
+                      </a:cxn>
+                      <a:cxn ang="0">
+                        <a:pos x="connsiteX32" y="connsiteY32"/>
+                      </a:cxn>
+                      <a:cxn ang="0">
+                        <a:pos x="connsiteX33" y="connsiteY33"/>
+                      </a:cxn>
+                      <a:cxn ang="0">
+                        <a:pos x="connsiteX34" y="connsiteY34"/>
+                      </a:cxn>
+                      <a:cxn ang="0">
+                        <a:pos x="connsiteX35" y="connsiteY35"/>
+                      </a:cxn>
+                      <a:cxn ang="0">
+                        <a:pos x="connsiteX36" y="connsiteY36"/>
+                      </a:cxn>
+                      <a:cxn ang="0">
+                        <a:pos x="connsiteX37" y="connsiteY37"/>
+                      </a:cxn>
+                    </a:cxnLst>
+                    <a:rect l="l" t="t" r="r" b="b"/>
+                    <a:pathLst>
+                      <a:path w="5916250" h="4667972" extrusionOk="0">
+                        <a:moveTo>
+                          <a:pt x="0" y="0"/>
+                        </a:moveTo>
+                        <a:cubicBezTo>
+                          <a:pt x="126779" y="-57445"/>
+                          <a:pt x="287317" y="624"/>
+                          <a:pt x="532463" y="0"/>
+                        </a:cubicBezTo>
+                        <a:cubicBezTo>
+                          <a:pt x="777609" y="-624"/>
+                          <a:pt x="753852" y="16024"/>
+                          <a:pt x="946600" y="0"/>
+                        </a:cubicBezTo>
+                        <a:cubicBezTo>
+                          <a:pt x="1139348" y="-16024"/>
+                          <a:pt x="1499579" y="64715"/>
+                          <a:pt x="1656550" y="0"/>
+                        </a:cubicBezTo>
+                        <a:cubicBezTo>
+                          <a:pt x="1813521" y="-64715"/>
+                          <a:pt x="2023301" y="19254"/>
+                          <a:pt x="2189013" y="0"/>
+                        </a:cubicBezTo>
+                        <a:cubicBezTo>
+                          <a:pt x="2354725" y="-19254"/>
+                          <a:pt x="2457762" y="25828"/>
+                          <a:pt x="2721475" y="0"/>
+                        </a:cubicBezTo>
+                        <a:cubicBezTo>
+                          <a:pt x="2985188" y="-25828"/>
+                          <a:pt x="3262154" y="33769"/>
+                          <a:pt x="3431425" y="0"/>
+                        </a:cubicBezTo>
+                        <a:cubicBezTo>
+                          <a:pt x="3600696" y="-33769"/>
+                          <a:pt x="3747164" y="44199"/>
+                          <a:pt x="3904725" y="0"/>
+                        </a:cubicBezTo>
+                        <a:cubicBezTo>
+                          <a:pt x="4062286" y="-44199"/>
+                          <a:pt x="4430567" y="48453"/>
+                          <a:pt x="4614675" y="0"/>
+                        </a:cubicBezTo>
+                        <a:cubicBezTo>
+                          <a:pt x="4798783" y="-48453"/>
+                          <a:pt x="5113659" y="3397"/>
+                          <a:pt x="5324625" y="0"/>
+                        </a:cubicBezTo>
+                        <a:cubicBezTo>
+                          <a:pt x="5535591" y="-3397"/>
+                          <a:pt x="5796141" y="51496"/>
+                          <a:pt x="5916250" y="0"/>
+                        </a:cubicBezTo>
+                        <a:cubicBezTo>
+                          <a:pt x="5937809" y="228120"/>
+                          <a:pt x="5845584" y="498004"/>
+                          <a:pt x="5916250" y="676856"/>
+                        </a:cubicBezTo>
+                        <a:cubicBezTo>
+                          <a:pt x="5986916" y="855708"/>
+                          <a:pt x="5845245" y="1136319"/>
+                          <a:pt x="5916250" y="1307032"/>
+                        </a:cubicBezTo>
+                        <a:cubicBezTo>
+                          <a:pt x="5987255" y="1477745"/>
+                          <a:pt x="5867639" y="1603617"/>
+                          <a:pt x="5916250" y="1750490"/>
+                        </a:cubicBezTo>
+                        <a:cubicBezTo>
+                          <a:pt x="5964861" y="1897363"/>
+                          <a:pt x="5867912" y="2143394"/>
+                          <a:pt x="5916250" y="2333986"/>
+                        </a:cubicBezTo>
+                        <a:cubicBezTo>
+                          <a:pt x="5964588" y="2524578"/>
+                          <a:pt x="5888719" y="2643924"/>
+                          <a:pt x="5916250" y="2917483"/>
+                        </a:cubicBezTo>
+                        <a:cubicBezTo>
+                          <a:pt x="5943781" y="3191042"/>
+                          <a:pt x="5861239" y="3219059"/>
+                          <a:pt x="5916250" y="3500979"/>
+                        </a:cubicBezTo>
+                        <a:cubicBezTo>
+                          <a:pt x="5971261" y="3782899"/>
+                          <a:pt x="5885055" y="3984482"/>
+                          <a:pt x="5916250" y="4131155"/>
+                        </a:cubicBezTo>
+                        <a:cubicBezTo>
+                          <a:pt x="5947445" y="4277828"/>
+                          <a:pt x="5903480" y="4549109"/>
+                          <a:pt x="5916250" y="4667972"/>
+                        </a:cubicBezTo>
+                        <a:cubicBezTo>
+                          <a:pt x="5641149" y="4726434"/>
+                          <a:pt x="5534184" y="4610112"/>
+                          <a:pt x="5265463" y="4667972"/>
+                        </a:cubicBezTo>
+                        <a:cubicBezTo>
+                          <a:pt x="4996742" y="4725832"/>
+                          <a:pt x="4972070" y="4638205"/>
+                          <a:pt x="4792163" y="4667972"/>
+                        </a:cubicBezTo>
+                        <a:cubicBezTo>
+                          <a:pt x="4612256" y="4697739"/>
+                          <a:pt x="4283918" y="4664750"/>
+                          <a:pt x="4082212" y="4667972"/>
+                        </a:cubicBezTo>
+                        <a:cubicBezTo>
+                          <a:pt x="3880506" y="4671194"/>
+                          <a:pt x="3734369" y="4628809"/>
+                          <a:pt x="3490588" y="4667972"/>
+                        </a:cubicBezTo>
+                        <a:cubicBezTo>
+                          <a:pt x="3246807" y="4707135"/>
+                          <a:pt x="3178302" y="4639535"/>
+                          <a:pt x="3017288" y="4667972"/>
+                        </a:cubicBezTo>
+                        <a:cubicBezTo>
+                          <a:pt x="2856274" y="4696409"/>
+                          <a:pt x="2619733" y="4642175"/>
+                          <a:pt x="2425662" y="4667972"/>
+                        </a:cubicBezTo>
+                        <a:cubicBezTo>
+                          <a:pt x="2231591" y="4693769"/>
+                          <a:pt x="2155219" y="4651655"/>
+                          <a:pt x="2011525" y="4667972"/>
+                        </a:cubicBezTo>
+                        <a:cubicBezTo>
+                          <a:pt x="1867831" y="4684289"/>
+                          <a:pt x="1683791" y="4634842"/>
+                          <a:pt x="1597387" y="4667972"/>
+                        </a:cubicBezTo>
+                        <a:cubicBezTo>
+                          <a:pt x="1510983" y="4701102"/>
+                          <a:pt x="1245769" y="4661209"/>
+                          <a:pt x="1005762" y="4667972"/>
+                        </a:cubicBezTo>
+                        <a:cubicBezTo>
+                          <a:pt x="765756" y="4674735"/>
+                          <a:pt x="684454" y="4637371"/>
+                          <a:pt x="532462" y="4667972"/>
+                        </a:cubicBezTo>
+                        <a:cubicBezTo>
+                          <a:pt x="380470" y="4698573"/>
+                          <a:pt x="146194" y="4621289"/>
+                          <a:pt x="0" y="4667972"/>
+                        </a:cubicBezTo>
+                        <a:cubicBezTo>
+                          <a:pt x="-28980" y="4563008"/>
+                          <a:pt x="28870" y="4305425"/>
+                          <a:pt x="0" y="4177835"/>
+                        </a:cubicBezTo>
+                        <a:cubicBezTo>
+                          <a:pt x="-28870" y="4050245"/>
+                          <a:pt x="46648" y="3826700"/>
+                          <a:pt x="0" y="3734378"/>
+                        </a:cubicBezTo>
+                        <a:cubicBezTo>
+                          <a:pt x="-46648" y="3642056"/>
+                          <a:pt x="1768" y="3297376"/>
+                          <a:pt x="0" y="3104201"/>
+                        </a:cubicBezTo>
+                        <a:cubicBezTo>
+                          <a:pt x="-1768" y="2911026"/>
+                          <a:pt x="25836" y="2720613"/>
+                          <a:pt x="0" y="2614064"/>
+                        </a:cubicBezTo>
+                        <a:cubicBezTo>
+                          <a:pt x="-25836" y="2507515"/>
+                          <a:pt x="26222" y="2235501"/>
+                          <a:pt x="0" y="1983888"/>
+                        </a:cubicBezTo>
+                        <a:cubicBezTo>
+                          <a:pt x="-26222" y="1732275"/>
+                          <a:pt x="77368" y="1553398"/>
+                          <a:pt x="0" y="1307032"/>
+                        </a:cubicBezTo>
+                        <a:cubicBezTo>
+                          <a:pt x="-77368" y="1060666"/>
+                          <a:pt x="19793" y="967191"/>
+                          <a:pt x="0" y="770215"/>
+                        </a:cubicBezTo>
+                        <a:cubicBezTo>
+                          <a:pt x="-19793" y="573239"/>
+                          <a:pt x="91565" y="276039"/>
+                          <a:pt x="0" y="0"/>
+                        </a:cubicBezTo>
+                        <a:close/>
+                      </a:path>
+                    </a:pathLst>
+                  </a:custGeom>
+                  <ask:type>
+                    <ask:lineSketchNone/>
+                  </ask:type>
+                </ask:lineSketchStyleProps>
+              </a:ext>
+            </a:extLst>
+          </a:ln>
+        </p:spPr>
+        <p:style>
+          <a:lnRef idx="0">
+            <a:scrgbClr r="0" g="0" b="0"/>
+          </a:lnRef>
+          <a:fillRef idx="0">
+            <a:scrgbClr r="0" g="0" b="0"/>
+          </a:fillRef>
+          <a:effectRef idx="0">
+            <a:scrgbClr r="0" g="0" b="0"/>
+          </a:effectRef>
+          <a:fontRef idx="minor">
+            <a:schemeClr val="dk1"/>
+          </a:fontRef>
+        </p:style>
+        <p:txBody>
+          <a:bodyPr rtlCol="0" anchor="ctr"/>
+          <a:lstStyle/>
+          <a:p>
+            <a:pPr algn="ctr"/>
+            <a:endParaRPr lang="en-IL"/>
+          </a:p>
+        </p:txBody>
+      </p:sp>
+      <p:cxnSp>
+        <p:nvCxnSpPr>
+          <p:cNvPr id="33" name="Connector: Elbow 32">
+            <a:extLst>
+              <a:ext uri="{FF2B5EF4-FFF2-40B4-BE49-F238E27FC236}">
+                <a16:creationId xmlns:a16="http://schemas.microsoft.com/office/drawing/2014/main" id="{85DF3403-8B27-1D91-B48A-A578DA563137}"/>
+              </a:ext>
+            </a:extLst>
+          </p:cNvPr>
+          <p:cNvCxnSpPr>
+            <a:cxnSpLocks/>
+            <a:endCxn id="9" idx="3"/>
+          </p:cNvCxnSpPr>
+          <p:nvPr/>
+        </p:nvCxnSpPr>
+        <p:spPr>
+          <a:xfrm rot="10800000">
+            <a:off x="3805414" y="3151871"/>
+            <a:ext cx="1752152" cy="623611"/>
+          </a:xfrm>
+          <a:prstGeom prst="bentConnector3">
+            <a:avLst>
+              <a:gd name="adj1" fmla="val 50000"/>
+            </a:avLst>
+          </a:prstGeom>
+          <a:ln w="50800" cap="flat" cmpd="sng" algn="ctr">
+            <a:solidFill>
+              <a:schemeClr val="dk1"/>
+            </a:solidFill>
+            <a:prstDash val="solid"/>
+            <a:round/>
+            <a:headEnd type="none" w="med" len="med"/>
+            <a:tailEnd type="arrow" w="med" len="med"/>
+          </a:ln>
+        </p:spPr>
+        <p:style>
+          <a:lnRef idx="0">
+            <a:scrgbClr r="0" g="0" b="0"/>
+          </a:lnRef>
+          <a:fillRef idx="0">
+            <a:scrgbClr r="0" g="0" b="0"/>
+          </a:fillRef>
+          <a:effectRef idx="0">
+            <a:scrgbClr r="0" g="0" b="0"/>
+          </a:effectRef>
+          <a:fontRef idx="minor">
+            <a:schemeClr val="tx1"/>
+          </a:fontRef>
+        </p:style>
+      </p:cxnSp>
+      <p:cxnSp>
+        <p:nvCxnSpPr>
+          <p:cNvPr id="41" name="Connector: Elbow 40">
+            <a:extLst>
+              <a:ext uri="{FF2B5EF4-FFF2-40B4-BE49-F238E27FC236}">
+                <a16:creationId xmlns:a16="http://schemas.microsoft.com/office/drawing/2014/main" id="{DE17FA43-8838-246F-1669-9439A018B8E9}"/>
+              </a:ext>
+            </a:extLst>
+          </p:cNvPr>
+          <p:cNvCxnSpPr>
+            <a:cxnSpLocks/>
+          </p:cNvCxnSpPr>
+          <p:nvPr/>
+        </p:nvCxnSpPr>
+        <p:spPr>
+          <a:xfrm>
+            <a:off x="3805414" y="2941525"/>
+            <a:ext cx="2173619" cy="570333"/>
+          </a:xfrm>
+          <a:prstGeom prst="bentConnector3">
+            <a:avLst>
+              <a:gd name="adj1" fmla="val 100061"/>
+            </a:avLst>
+          </a:prstGeom>
+          <a:ln w="50800" cap="flat" cmpd="sng" algn="ctr">
+            <a:solidFill>
+              <a:srgbClr val="01FF00"/>
+            </a:solidFill>
+            <a:prstDash val="solid"/>
+            <a:round/>
+            <a:headEnd type="none" w="med" len="med"/>
+            <a:tailEnd type="arrow" w="med" len="med"/>
+          </a:ln>
+        </p:spPr>
+        <p:style>
+          <a:lnRef idx="0">
+            <a:scrgbClr r="0" g="0" b="0"/>
+          </a:lnRef>
+          <a:fillRef idx="0">
+            <a:scrgbClr r="0" g="0" b="0"/>
+          </a:fillRef>
+          <a:effectRef idx="0">
+            <a:scrgbClr r="0" g="0" b="0"/>
+          </a:effectRef>
+          <a:fontRef idx="minor">
+            <a:schemeClr val="tx1"/>
+          </a:fontRef>
+        </p:style>
+      </p:cxnSp>
+      <p:cxnSp>
+        <p:nvCxnSpPr>
+          <p:cNvPr id="72" name="Straight Arrow Connector 71">
+            <a:extLst>
+              <a:ext uri="{FF2B5EF4-FFF2-40B4-BE49-F238E27FC236}">
+                <a16:creationId xmlns:a16="http://schemas.microsoft.com/office/drawing/2014/main" id="{F39BB4AD-BF53-988F-7211-C0CCE105AB9B}"/>
+              </a:ext>
+            </a:extLst>
+          </p:cNvPr>
+          <p:cNvCxnSpPr>
+            <a:cxnSpLocks/>
+            <a:stCxn id="76" idx="1"/>
+            <a:endCxn id="85" idx="3"/>
+          </p:cNvCxnSpPr>
+          <p:nvPr/>
+        </p:nvCxnSpPr>
+        <p:spPr>
+          <a:xfrm flipH="1">
+            <a:off x="9886379" y="4070090"/>
+            <a:ext cx="532096" cy="0"/>
+          </a:xfrm>
+          <a:prstGeom prst="straightConnector1">
+            <a:avLst/>
+          </a:prstGeom>
+          <a:ln w="57150" cap="flat" cmpd="sng" algn="ctr">
+            <a:solidFill>
+              <a:schemeClr val="bg1">
+                <a:lumMod val="50000"/>
+              </a:schemeClr>
+            </a:solidFill>
+            <a:prstDash val="solid"/>
+            <a:round/>
+            <a:headEnd type="none" w="med" len="med"/>
+            <a:tailEnd type="arrow" w="med" len="med"/>
+          </a:ln>
+        </p:spPr>
+        <p:style>
+          <a:lnRef idx="0">
+            <a:scrgbClr r="0" g="0" b="0"/>
+          </a:lnRef>
+          <a:fillRef idx="0">
+            <a:scrgbClr r="0" g="0" b="0"/>
+          </a:fillRef>
+          <a:effectRef idx="0">
+            <a:scrgbClr r="0" g="0" b="0"/>
+          </a:effectRef>
+          <a:fontRef idx="minor">
+            <a:schemeClr val="tx1"/>
+          </a:fontRef>
+        </p:style>
+      </p:cxnSp>
+      <p:sp>
+        <p:nvSpPr>
+          <p:cNvPr id="76" name="Rectangle 75">
+            <a:extLst>
+              <a:ext uri="{FF2B5EF4-FFF2-40B4-BE49-F238E27FC236}">
+                <a16:creationId xmlns:a16="http://schemas.microsoft.com/office/drawing/2014/main" id="{EFC18601-E992-E2D4-FB06-883478E1F025}"/>
+              </a:ext>
+            </a:extLst>
+          </p:cNvPr>
+          <p:cNvSpPr/>
+          <p:nvPr/>
+        </p:nvSpPr>
+        <p:spPr>
+          <a:xfrm>
+            <a:off x="10418475" y="3670629"/>
+            <a:ext cx="1216058" cy="798922"/>
+          </a:xfrm>
+          <a:prstGeom prst="rect">
+            <a:avLst/>
+          </a:prstGeom>
+          <a:solidFill>
+            <a:schemeClr val="bg1">
+              <a:lumMod val="50000"/>
+            </a:schemeClr>
+          </a:solidFill>
+          <a:ln>
+            <a:solidFill>
+              <a:schemeClr val="bg1">
+                <a:lumMod val="65000"/>
+              </a:schemeClr>
+            </a:solidFill>
+          </a:ln>
+          <a:effectLst>
+            <a:outerShdw blurRad="190500" dist="228600" dir="2700000" algn="ctr">
+              <a:srgbClr val="000000">
+                <a:alpha val="30000"/>
+              </a:srgbClr>
+            </a:outerShdw>
+          </a:effectLst>
+          <a:scene3d>
+            <a:camera prst="orthographicFront">
+              <a:rot lat="0" lon="0" rev="0"/>
+            </a:camera>
+            <a:lightRig rig="glow" dir="t">
+              <a:rot lat="0" lon="0" rev="4800000"/>
+            </a:lightRig>
+          </a:scene3d>
+          <a:sp3d prstMaterial="matte">
+            <a:bevelT w="127000" h="63500"/>
+          </a:sp3d>
+        </p:spPr>
+        <p:style>
+          <a:lnRef idx="2">
+            <a:schemeClr val="accent1">
+              <a:shade val="15000"/>
+            </a:schemeClr>
+          </a:lnRef>
+          <a:fillRef idx="1">
+            <a:schemeClr val="accent1"/>
+          </a:fillRef>
+          <a:effectRef idx="0">
+            <a:schemeClr val="accent1"/>
+          </a:effectRef>
+          <a:fontRef idx="minor">
+            <a:schemeClr val="lt1"/>
+          </a:fontRef>
+        </p:style>
+        <p:txBody>
+          <a:bodyPr rtlCol="0" anchor="ctr"/>
+          <a:lstStyle/>
+          <a:p>
+            <a:pPr algn="ctr"/>
+            <a:r>
+              <a:rPr lang="en-US" b="1" dirty="0">
+                <a:solidFill>
+                  <a:sysClr val="windowText" lastClr="000000"/>
+                </a:solidFill>
+                <a:cs typeface="Arial" panose="020B0604020202020204" pitchFamily="34" charset="0"/>
+              </a:rPr>
+              <a:t>Target Barcode</a:t>
+            </a:r>
+            <a:endParaRPr lang="en-IL" b="1" dirty="0">
+              <a:solidFill>
+                <a:sysClr val="windowText" lastClr="000000"/>
+              </a:solidFill>
+              <a:cs typeface="Arial" panose="020B0604020202020204" pitchFamily="34" charset="0"/>
+            </a:endParaRPr>
+          </a:p>
+        </p:txBody>
+      </p:sp>
+      <p:sp>
+        <p:nvSpPr>
+          <p:cNvPr id="80" name="Rectangle 79">
+            <a:extLst>
+              <a:ext uri="{FF2B5EF4-FFF2-40B4-BE49-F238E27FC236}">
+                <a16:creationId xmlns:a16="http://schemas.microsoft.com/office/drawing/2014/main" id="{07D6BF6C-0335-4B8A-A0A3-56C47E695A6D}"/>
+              </a:ext>
+            </a:extLst>
+          </p:cNvPr>
+          <p:cNvSpPr/>
+          <p:nvPr/>
+        </p:nvSpPr>
+        <p:spPr>
+          <a:xfrm>
+            <a:off x="10418475" y="2560355"/>
+            <a:ext cx="1216058" cy="798922"/>
+          </a:xfrm>
+          <a:prstGeom prst="rect">
+            <a:avLst/>
+          </a:prstGeom>
+          <a:solidFill>
+            <a:schemeClr val="tx1">
+              <a:lumMod val="95000"/>
+              <a:lumOff val="5000"/>
+            </a:schemeClr>
+          </a:solidFill>
+          <a:ln>
+            <a:solidFill>
+              <a:schemeClr val="accent3">
+                <a:lumMod val="75000"/>
+              </a:schemeClr>
+            </a:solidFill>
+          </a:ln>
+          <a:effectLst>
+            <a:outerShdw blurRad="190500" dist="228600" dir="2700000" algn="ctr">
+              <a:srgbClr val="000000">
+                <a:alpha val="30000"/>
+              </a:srgbClr>
+            </a:outerShdw>
+          </a:effectLst>
+          <a:scene3d>
+            <a:camera prst="orthographicFront">
+              <a:rot lat="0" lon="0" rev="0"/>
+            </a:camera>
+            <a:lightRig rig="glow" dir="t">
+              <a:rot lat="0" lon="0" rev="4800000"/>
+            </a:lightRig>
+          </a:scene3d>
+          <a:sp3d prstMaterial="matte">
+            <a:bevelT w="127000" h="63500"/>
+          </a:sp3d>
+        </p:spPr>
+        <p:style>
+          <a:lnRef idx="2">
+            <a:schemeClr val="accent1">
+              <a:shade val="15000"/>
+            </a:schemeClr>
+          </a:lnRef>
+          <a:fillRef idx="1">
+            <a:schemeClr val="accent1"/>
+          </a:fillRef>
+          <a:effectRef idx="0">
+            <a:schemeClr val="accent1"/>
+          </a:effectRef>
+          <a:fontRef idx="minor">
+            <a:schemeClr val="lt1"/>
+          </a:fontRef>
+        </p:style>
+        <p:txBody>
+          <a:bodyPr rtlCol="0" anchor="ctr"/>
+          <a:lstStyle/>
+          <a:p>
+            <a:pPr algn="ctr"/>
+            <a:r>
+              <a:rPr lang="en-US" b="1" dirty="0">
+                <a:solidFill>
+                  <a:schemeClr val="bg1"/>
+                </a:solidFill>
+                <a:cs typeface="Arial" panose="020B0604020202020204" pitchFamily="34" charset="0"/>
+              </a:rPr>
+              <a:t>Outsider PC</a:t>
+            </a:r>
+            <a:endParaRPr lang="en-IL" b="1" dirty="0">
+              <a:solidFill>
+                <a:schemeClr val="bg1"/>
+              </a:solidFill>
+              <a:cs typeface="Arial" panose="020B0604020202020204" pitchFamily="34" charset="0"/>
+            </a:endParaRPr>
+          </a:p>
+        </p:txBody>
+      </p:sp>
+      <p:cxnSp>
+        <p:nvCxnSpPr>
+          <p:cNvPr id="81" name="Connector: Elbow 80">
+            <a:extLst>
+              <a:ext uri="{FF2B5EF4-FFF2-40B4-BE49-F238E27FC236}">
+                <a16:creationId xmlns:a16="http://schemas.microsoft.com/office/drawing/2014/main" id="{9A2BF255-D0CD-BB47-6214-0B9C596898F4}"/>
+              </a:ext>
+            </a:extLst>
+          </p:cNvPr>
+          <p:cNvCxnSpPr>
+            <a:cxnSpLocks/>
+            <a:endCxn id="80" idx="1"/>
+          </p:cNvCxnSpPr>
+          <p:nvPr/>
+        </p:nvCxnSpPr>
+        <p:spPr>
+          <a:xfrm flipV="1">
+            <a:off x="7247709" y="2959816"/>
+            <a:ext cx="3170766" cy="543169"/>
+          </a:xfrm>
+          <a:prstGeom prst="bentConnector3">
+            <a:avLst>
+              <a:gd name="adj1" fmla="val -467"/>
+            </a:avLst>
+          </a:prstGeom>
+          <a:ln w="50800" cap="flat" cmpd="sng" algn="ctr">
+            <a:solidFill>
+              <a:schemeClr val="dk1"/>
+            </a:solidFill>
+            <a:prstDash val="solid"/>
+            <a:round/>
+            <a:headEnd type="none" w="med" len="med"/>
+            <a:tailEnd type="arrow" w="med" len="med"/>
+          </a:ln>
+        </p:spPr>
+        <p:style>
+          <a:lnRef idx="0">
+            <a:scrgbClr r="0" g="0" b="0"/>
+          </a:lnRef>
+          <a:fillRef idx="0">
+            <a:scrgbClr r="0" g="0" b="0"/>
+          </a:fillRef>
+          <a:effectRef idx="0">
+            <a:scrgbClr r="0" g="0" b="0"/>
+          </a:effectRef>
+          <a:fontRef idx="minor">
+            <a:schemeClr val="tx1"/>
+          </a:fontRef>
+        </p:style>
+      </p:cxnSp>
+      <p:sp>
+        <p:nvSpPr>
+          <p:cNvPr id="94" name="Rectangle 93">
+            <a:extLst>
+              <a:ext uri="{FF2B5EF4-FFF2-40B4-BE49-F238E27FC236}">
+                <a16:creationId xmlns:a16="http://schemas.microsoft.com/office/drawing/2014/main" id="{89EC40CD-3B31-7AD4-8490-CEA900CA30EB}"/>
+              </a:ext>
+            </a:extLst>
+          </p:cNvPr>
+          <p:cNvSpPr/>
+          <p:nvPr/>
+        </p:nvSpPr>
+        <p:spPr>
+          <a:xfrm>
+            <a:off x="564622" y="3670628"/>
+            <a:ext cx="1216058" cy="798922"/>
+          </a:xfrm>
+          <a:prstGeom prst="rect">
+            <a:avLst/>
+          </a:prstGeom>
+          <a:solidFill>
+            <a:schemeClr val="accent6">
+              <a:lumMod val="75000"/>
             </a:schemeClr>
           </a:solidFill>
           <a:ln>
@@ -25766,12 +26042,18 @@
           <a:p>
             <a:pPr algn="ctr"/>
             <a:r>
-              <a:rPr lang="en-US" dirty="0">
+              <a:rPr lang="en-US" b="1" dirty="0">
+                <a:solidFill>
+                  <a:schemeClr val="tx1"/>
+                </a:solidFill>
                 <a:cs typeface="Arial" panose="020B0604020202020204" pitchFamily="34" charset="0"/>
               </a:rPr>
-              <a:t>Barcode reader</a:t>
+              <a:t>User</a:t>
             </a:r>
-            <a:endParaRPr lang="en-IL" dirty="0">
+            <a:endParaRPr lang="en-IL" b="1" dirty="0">
+              <a:solidFill>
+                <a:schemeClr val="tx1"/>
+              </a:solidFill>
               <a:cs typeface="Arial" panose="020B0604020202020204" pitchFamily="34" charset="0"/>
             </a:endParaRPr>
           </a:p>
@@ -25779,29 +26061,33 @@
       </p:sp>
       <p:cxnSp>
         <p:nvCxnSpPr>
-          <p:cNvPr id="3" name="Straight Arrow Connector 2">
+          <p:cNvPr id="95" name="Straight Arrow Connector 94">
             <a:extLst>
               <a:ext uri="{FF2B5EF4-FFF2-40B4-BE49-F238E27FC236}">
-                <a16:creationId xmlns:a16="http://schemas.microsoft.com/office/drawing/2014/main" id="{0B649880-54CA-92D6-6D7E-4D0F60FADE27}"/>
+                <a16:creationId xmlns:a16="http://schemas.microsoft.com/office/drawing/2014/main" id="{930403CA-C074-3AC9-B99B-BE198797E118}"/>
               </a:ext>
             </a:extLst>
           </p:cNvPr>
           <p:cNvCxnSpPr>
             <a:cxnSpLocks/>
+            <a:stCxn id="6" idx="1"/>
+            <a:endCxn id="94" idx="3"/>
           </p:cNvCxnSpPr>
           <p:nvPr/>
         </p:nvCxnSpPr>
         <p:spPr>
-          <a:xfrm>
-            <a:off x="7398264" y="4419159"/>
-            <a:ext cx="1163457" cy="0"/>
+          <a:xfrm flipH="1" flipV="1">
+            <a:off x="1780680" y="4070089"/>
+            <a:ext cx="808677" cy="9559"/>
           </a:xfrm>
           <a:prstGeom prst="straightConnector1">
             <a:avLst/>
           </a:prstGeom>
           <a:ln w="57150" cap="flat" cmpd="sng" algn="ctr">
             <a:solidFill>
-              <a:schemeClr val="tx1"/>
+              <a:schemeClr val="accent6">
+                <a:lumMod val="75000"/>
+              </a:schemeClr>
             </a:solidFill>
             <a:prstDash val="solid"/>
             <a:round/>
@@ -25826,29 +26112,33 @@
       </p:cxnSp>
       <p:cxnSp>
         <p:nvCxnSpPr>
-          <p:cNvPr id="10" name="Straight Arrow Connector 9">
+          <p:cNvPr id="98" name="Connector: Elbow 97">
             <a:extLst>
               <a:ext uri="{FF2B5EF4-FFF2-40B4-BE49-F238E27FC236}">
-                <a16:creationId xmlns:a16="http://schemas.microsoft.com/office/drawing/2014/main" id="{513221F4-FE13-5A06-2A4D-64F773EBFDB3}"/>
+                <a16:creationId xmlns:a16="http://schemas.microsoft.com/office/drawing/2014/main" id="{99CCFBEC-9205-4F87-49D5-D52CA390F443}"/>
               </a:ext>
             </a:extLst>
           </p:cNvPr>
           <p:cNvCxnSpPr>
             <a:cxnSpLocks/>
+            <a:stCxn id="9" idx="1"/>
+            <a:endCxn id="94" idx="0"/>
           </p:cNvCxnSpPr>
           <p:nvPr/>
         </p:nvCxnSpPr>
         <p:spPr>
-          <a:xfrm>
-            <a:off x="3658147" y="4078475"/>
-            <a:ext cx="1770045" cy="0"/>
+          <a:xfrm rot="10800000" flipV="1">
+            <a:off x="1172651" y="3151870"/>
+            <a:ext cx="1416706" cy="518758"/>
           </a:xfrm>
-          <a:prstGeom prst="straightConnector1">
+          <a:prstGeom prst="bentConnector2">
             <a:avLst/>
           </a:prstGeom>
-          <a:ln w="53975" cap="flat" cmpd="sng" algn="ctr">
+          <a:ln w="50800" cap="flat" cmpd="sng" algn="ctr">
             <a:solidFill>
-              <a:schemeClr val="dk1"/>
+              <a:schemeClr val="accent6">
+                <a:lumMod val="75000"/>
+              </a:schemeClr>
             </a:solidFill>
             <a:prstDash val="solid"/>
             <a:round/>
@@ -25871,6 +26161,93 @@
           </a:fontRef>
         </p:style>
       </p:cxnSp>
+      <p:cxnSp>
+        <p:nvCxnSpPr>
+          <p:cNvPr id="101" name="Connector: Elbow 100">
+            <a:extLst>
+              <a:ext uri="{FF2B5EF4-FFF2-40B4-BE49-F238E27FC236}">
+                <a16:creationId xmlns:a16="http://schemas.microsoft.com/office/drawing/2014/main" id="{E545D4F3-4F08-8B7E-0B91-7C64CD9AB8CC}"/>
+              </a:ext>
+            </a:extLst>
+          </p:cNvPr>
+          <p:cNvCxnSpPr>
+            <a:cxnSpLocks/>
+            <a:stCxn id="7" idx="1"/>
+            <a:endCxn id="94" idx="2"/>
+          </p:cNvCxnSpPr>
+          <p:nvPr/>
+        </p:nvCxnSpPr>
+        <p:spPr>
+          <a:xfrm rot="10800000">
+            <a:off x="1172652" y="4469550"/>
+            <a:ext cx="1416705" cy="509886"/>
+          </a:xfrm>
+          <a:prstGeom prst="bentConnector2">
+            <a:avLst/>
+          </a:prstGeom>
+          <a:ln w="50800" cap="flat" cmpd="sng" algn="ctr">
+            <a:solidFill>
+              <a:schemeClr val="accent6">
+                <a:lumMod val="75000"/>
+              </a:schemeClr>
+            </a:solidFill>
+            <a:prstDash val="solid"/>
+            <a:round/>
+            <a:headEnd type="none" w="med" len="med"/>
+            <a:tailEnd type="arrow" w="med" len="med"/>
+          </a:ln>
+        </p:spPr>
+        <p:style>
+          <a:lnRef idx="0">
+            <a:scrgbClr r="0" g="0" b="0"/>
+          </a:lnRef>
+          <a:fillRef idx="0">
+            <a:scrgbClr r="0" g="0" b="0"/>
+          </a:fillRef>
+          <a:effectRef idx="0">
+            <a:scrgbClr r="0" g="0" b="0"/>
+          </a:effectRef>
+          <a:fontRef idx="minor">
+            <a:schemeClr val="tx1"/>
+          </a:fontRef>
+        </p:style>
+      </p:cxnSp>
+      <p:sp>
+        <p:nvSpPr>
+          <p:cNvPr id="117" name="TextBox 116">
+            <a:extLst>
+              <a:ext uri="{FF2B5EF4-FFF2-40B4-BE49-F238E27FC236}">
+                <a16:creationId xmlns:a16="http://schemas.microsoft.com/office/drawing/2014/main" id="{083CFD61-74A9-CDDE-822E-9483DE27E68F}"/>
+              </a:ext>
+            </a:extLst>
+          </p:cNvPr>
+          <p:cNvSpPr txBox="1"/>
+          <p:nvPr/>
+        </p:nvSpPr>
+        <p:spPr>
+          <a:xfrm>
+            <a:off x="7811566" y="2602887"/>
+            <a:ext cx="1717509" cy="369332"/>
+          </a:xfrm>
+          <a:prstGeom prst="rect">
+            <a:avLst/>
+          </a:prstGeom>
+          <a:noFill/>
+        </p:spPr>
+        <p:txBody>
+          <a:bodyPr wrap="square" rtlCol="0">
+            <a:spAutoFit/>
+          </a:bodyPr>
+          <a:lstStyle/>
+          <a:p>
+            <a:r>
+              <a:rPr lang="en-US" dirty="0"/>
+              <a:t>WI-FI Interface</a:t>
+            </a:r>
+            <a:endParaRPr lang="en-IL" dirty="0"/>
+          </a:p>
+        </p:txBody>
+      </p:sp>
     </p:spTree>
     <p:extLst>
       <p:ext uri="{BB962C8B-B14F-4D97-AF65-F5344CB8AC3E}">
@@ -25915,7 +26292,7 @@
                                           </p:stCondLst>
                                         </p:cTn>
                                         <p:tgtEl>
-                                          <p:spTgt spid="32"/>
+                                          <p:spTgt spid="75"/>
                                         </p:tgtEl>
                                         <p:attrNameLst>
                                           <p:attrName>style.visibility</p:attrName>
@@ -25929,7 +26306,7 @@
                                       <p:cBhvr>
                                         <p:cTn id="7" dur="500" fill="hold"/>
                                         <p:tgtEl>
-                                          <p:spTgt spid="32"/>
+                                          <p:spTgt spid="75"/>
                                         </p:tgtEl>
                                         <p:attrNameLst>
                                           <p:attrName>ppt_w</p:attrName>
@@ -25952,7 +26329,7 @@
                                       <p:cBhvr>
                                         <p:cTn id="8" dur="500" fill="hold"/>
                                         <p:tgtEl>
-                                          <p:spTgt spid="32"/>
+                                          <p:spTgt spid="75"/>
                                         </p:tgtEl>
                                         <p:attrNameLst>
                                           <p:attrName>ppt_h</p:attrName>
@@ -25975,7 +26352,7 @@
                                       <p:cBhvr>
                                         <p:cTn id="9" dur="500"/>
                                         <p:tgtEl>
-                                          <p:spTgt spid="32"/>
+                                          <p:spTgt spid="75"/>
                                         </p:tgtEl>
                                       </p:cBhvr>
                                     </p:animEffect>
@@ -26014,7 +26391,7 @@
                                           </p:stCondLst>
                                         </p:cTn>
                                         <p:tgtEl>
-                                          <p:spTgt spid="75"/>
+                                          <p:spTgt spid="5"/>
                                         </p:tgtEl>
                                         <p:attrNameLst>
                                           <p:attrName>style.visibility</p:attrName>
@@ -26028,7 +26405,7 @@
                                       <p:cBhvr>
                                         <p:cTn id="14" dur="500" fill="hold"/>
                                         <p:tgtEl>
-                                          <p:spTgt spid="75"/>
+                                          <p:spTgt spid="5"/>
                                         </p:tgtEl>
                                         <p:attrNameLst>
                                           <p:attrName>ppt_w</p:attrName>
@@ -26051,7 +26428,7 @@
                                       <p:cBhvr>
                                         <p:cTn id="15" dur="500" fill="hold"/>
                                         <p:tgtEl>
-                                          <p:spTgt spid="75"/>
+                                          <p:spTgt spid="5"/>
                                         </p:tgtEl>
                                         <p:attrNameLst>
                                           <p:attrName>ppt_h</p:attrName>
@@ -26074,7 +26451,7 @@
                                       <p:cBhvr>
                                         <p:cTn id="16" dur="500"/>
                                         <p:tgtEl>
-                                          <p:spTgt spid="75"/>
+                                          <p:spTgt spid="5"/>
                                         </p:tgtEl>
                                       </p:cBhvr>
                                     </p:animEffect>
@@ -26113,7 +26490,7 @@
                                           </p:stCondLst>
                                         </p:cTn>
                                         <p:tgtEl>
-                                          <p:spTgt spid="5"/>
+                                          <p:spTgt spid="4"/>
                                         </p:tgtEl>
                                         <p:attrNameLst>
                                           <p:attrName>style.visibility</p:attrName>
@@ -26127,7 +26504,7 @@
                                       <p:cBhvr>
                                         <p:cTn id="21" dur="500" fill="hold"/>
                                         <p:tgtEl>
-                                          <p:spTgt spid="5"/>
+                                          <p:spTgt spid="4"/>
                                         </p:tgtEl>
                                         <p:attrNameLst>
                                           <p:attrName>ppt_w</p:attrName>
@@ -26150,7 +26527,7 @@
                                       <p:cBhvr>
                                         <p:cTn id="22" dur="500" fill="hold"/>
                                         <p:tgtEl>
-                                          <p:spTgt spid="5"/>
+                                          <p:spTgt spid="4"/>
                                         </p:tgtEl>
                                         <p:attrNameLst>
                                           <p:attrName>ppt_h</p:attrName>
@@ -26173,7 +26550,7 @@
                                       <p:cBhvr>
                                         <p:cTn id="23" dur="500"/>
                                         <p:tgtEl>
-                                          <p:spTgt spid="5"/>
+                                          <p:spTgt spid="4"/>
                                         </p:tgtEl>
                                       </p:cBhvr>
                                     </p:animEffect>
@@ -26212,7 +26589,7 @@
                                           </p:stCondLst>
                                         </p:cTn>
                                         <p:tgtEl>
-                                          <p:spTgt spid="4"/>
+                                          <p:spTgt spid="16"/>
                                         </p:tgtEl>
                                         <p:attrNameLst>
                                           <p:attrName>style.visibility</p:attrName>
@@ -26226,7 +26603,7 @@
                                       <p:cBhvr>
                                         <p:cTn id="28" dur="500" fill="hold"/>
                                         <p:tgtEl>
-                                          <p:spTgt spid="4"/>
+                                          <p:spTgt spid="16"/>
                                         </p:tgtEl>
                                         <p:attrNameLst>
                                           <p:attrName>ppt_w</p:attrName>
@@ -26249,7 +26626,7 @@
                                       <p:cBhvr>
                                         <p:cTn id="29" dur="500" fill="hold"/>
                                         <p:tgtEl>
-                                          <p:spTgt spid="4"/>
+                                          <p:spTgt spid="16"/>
                                         </p:tgtEl>
                                         <p:attrNameLst>
                                           <p:attrName>ppt_h</p:attrName>
@@ -26272,7 +26649,7 @@
                                       <p:cBhvr>
                                         <p:cTn id="30" dur="500"/>
                                         <p:tgtEl>
-                                          <p:spTgt spid="4"/>
+                                          <p:spTgt spid="16"/>
                                         </p:tgtEl>
                                       </p:cBhvr>
                                     </p:animEffect>
@@ -26311,7 +26688,7 @@
                                           </p:stCondLst>
                                         </p:cTn>
                                         <p:tgtEl>
-                                          <p:spTgt spid="16"/>
+                                          <p:spTgt spid="26"/>
                                         </p:tgtEl>
                                         <p:attrNameLst>
                                           <p:attrName>style.visibility</p:attrName>
@@ -26325,7 +26702,7 @@
                                       <p:cBhvr>
                                         <p:cTn id="35" dur="500" fill="hold"/>
                                         <p:tgtEl>
-                                          <p:spTgt spid="16"/>
+                                          <p:spTgt spid="26"/>
                                         </p:tgtEl>
                                         <p:attrNameLst>
                                           <p:attrName>ppt_w</p:attrName>
@@ -26348,7 +26725,7 @@
                                       <p:cBhvr>
                                         <p:cTn id="36" dur="500" fill="hold"/>
                                         <p:tgtEl>
-                                          <p:spTgt spid="16"/>
+                                          <p:spTgt spid="26"/>
                                         </p:tgtEl>
                                         <p:attrNameLst>
                                           <p:attrName>ppt_h</p:attrName>
@@ -26371,7 +26748,7 @@
                                       <p:cBhvr>
                                         <p:cTn id="37" dur="500"/>
                                         <p:tgtEl>
-                                          <p:spTgt spid="16"/>
+                                          <p:spTgt spid="26"/>
                                         </p:tgtEl>
                                       </p:cBhvr>
                                     </p:animEffect>
@@ -26397,7 +26774,7 @@
                             </p:stCondLst>
                             <p:childTnLst>
                               <p:par>
-                                <p:cTn id="40" presetID="53" presetClass="entr" presetSubtype="16" fill="hold" nodeType="clickEffect">
+                                <p:cTn id="40" presetID="10" presetClass="entr" presetSubtype="0" fill="hold" grpId="0" nodeType="clickEffect">
                                   <p:stCondLst>
                                     <p:cond delay="0"/>
                                   </p:stCondLst>
@@ -26410,7 +26787,325 @@
                                           </p:stCondLst>
                                         </p:cTn>
                                         <p:tgtEl>
-                                          <p:spTgt spid="26"/>
+                                          <p:spTgt spid="85"/>
+                                        </p:tgtEl>
+                                        <p:attrNameLst>
+                                          <p:attrName>style.visibility</p:attrName>
+                                        </p:attrNameLst>
+                                      </p:cBhvr>
+                                      <p:to>
+                                        <p:strVal val="visible"/>
+                                      </p:to>
+                                    </p:set>
+                                    <p:animEffect transition="in" filter="fade">
+                                      <p:cBhvr>
+                                        <p:cTn id="42" dur="500"/>
+                                        <p:tgtEl>
+                                          <p:spTgt spid="85"/>
+                                        </p:tgtEl>
+                                      </p:cBhvr>
+                                    </p:animEffect>
+                                  </p:childTnLst>
+                                </p:cTn>
+                              </p:par>
+                            </p:childTnLst>
+                          </p:cTn>
+                        </p:par>
+                      </p:childTnLst>
+                    </p:cTn>
+                  </p:par>
+                  <p:par>
+                    <p:cTn id="43" fill="hold">
+                      <p:stCondLst>
+                        <p:cond delay="indefinite"/>
+                      </p:stCondLst>
+                      <p:childTnLst>
+                        <p:par>
+                          <p:cTn id="44" fill="hold">
+                            <p:stCondLst>
+                              <p:cond delay="0"/>
+                            </p:stCondLst>
+                            <p:childTnLst>
+                              <p:par>
+                                <p:cTn id="45" presetID="10" presetClass="entr" presetSubtype="0" fill="hold" grpId="0" nodeType="clickEffect">
+                                  <p:stCondLst>
+                                    <p:cond delay="0"/>
+                                  </p:stCondLst>
+                                  <p:childTnLst>
+                                    <p:set>
+                                      <p:cBhvr>
+                                        <p:cTn id="46" dur="1" fill="hold">
+                                          <p:stCondLst>
+                                            <p:cond delay="0"/>
+                                          </p:stCondLst>
+                                        </p:cTn>
+                                        <p:tgtEl>
+                                          <p:spTgt spid="11"/>
+                                        </p:tgtEl>
+                                        <p:attrNameLst>
+                                          <p:attrName>style.visibility</p:attrName>
+                                        </p:attrNameLst>
+                                      </p:cBhvr>
+                                      <p:to>
+                                        <p:strVal val="visible"/>
+                                      </p:to>
+                                    </p:set>
+                                    <p:animEffect transition="in" filter="fade">
+                                      <p:cBhvr>
+                                        <p:cTn id="47" dur="500"/>
+                                        <p:tgtEl>
+                                          <p:spTgt spid="11"/>
+                                        </p:tgtEl>
+                                      </p:cBhvr>
+                                    </p:animEffect>
+                                  </p:childTnLst>
+                                </p:cTn>
+                              </p:par>
+                            </p:childTnLst>
+                          </p:cTn>
+                        </p:par>
+                      </p:childTnLst>
+                    </p:cTn>
+                  </p:par>
+                  <p:par>
+                    <p:cTn id="48" fill="hold">
+                      <p:stCondLst>
+                        <p:cond delay="indefinite"/>
+                      </p:stCondLst>
+                      <p:childTnLst>
+                        <p:par>
+                          <p:cTn id="49" fill="hold">
+                            <p:stCondLst>
+                              <p:cond delay="0"/>
+                            </p:stCondLst>
+                            <p:childTnLst>
+                              <p:par>
+                                <p:cTn id="50" presetID="10" presetClass="entr" presetSubtype="0" fill="hold" grpId="0" nodeType="clickEffect">
+                                  <p:stCondLst>
+                                    <p:cond delay="0"/>
+                                  </p:stCondLst>
+                                  <p:childTnLst>
+                                    <p:set>
+                                      <p:cBhvr>
+                                        <p:cTn id="51" dur="1" fill="hold">
+                                          <p:stCondLst>
+                                            <p:cond delay="0"/>
+                                          </p:stCondLst>
+                                        </p:cTn>
+                                        <p:tgtEl>
+                                          <p:spTgt spid="9"/>
+                                        </p:tgtEl>
+                                        <p:attrNameLst>
+                                          <p:attrName>style.visibility</p:attrName>
+                                        </p:attrNameLst>
+                                      </p:cBhvr>
+                                      <p:to>
+                                        <p:strVal val="visible"/>
+                                      </p:to>
+                                    </p:set>
+                                    <p:animEffect transition="in" filter="fade">
+                                      <p:cBhvr>
+                                        <p:cTn id="52" dur="500"/>
+                                        <p:tgtEl>
+                                          <p:spTgt spid="9"/>
+                                        </p:tgtEl>
+                                      </p:cBhvr>
+                                    </p:animEffect>
+                                  </p:childTnLst>
+                                </p:cTn>
+                              </p:par>
+                            </p:childTnLst>
+                          </p:cTn>
+                        </p:par>
+                      </p:childTnLst>
+                    </p:cTn>
+                  </p:par>
+                  <p:par>
+                    <p:cTn id="53" fill="hold">
+                      <p:stCondLst>
+                        <p:cond delay="indefinite"/>
+                      </p:stCondLst>
+                      <p:childTnLst>
+                        <p:par>
+                          <p:cTn id="54" fill="hold">
+                            <p:stCondLst>
+                              <p:cond delay="0"/>
+                            </p:stCondLst>
+                            <p:childTnLst>
+                              <p:par>
+                                <p:cTn id="55" presetID="10" presetClass="entr" presetSubtype="0" fill="hold" grpId="0" nodeType="clickEffect">
+                                  <p:stCondLst>
+                                    <p:cond delay="0"/>
+                                  </p:stCondLst>
+                                  <p:childTnLst>
+                                    <p:set>
+                                      <p:cBhvr>
+                                        <p:cTn id="56" dur="1" fill="hold">
+                                          <p:stCondLst>
+                                            <p:cond delay="0"/>
+                                          </p:stCondLst>
+                                        </p:cTn>
+                                        <p:tgtEl>
+                                          <p:spTgt spid="83"/>
+                                        </p:tgtEl>
+                                        <p:attrNameLst>
+                                          <p:attrName>style.visibility</p:attrName>
+                                        </p:attrNameLst>
+                                      </p:cBhvr>
+                                      <p:to>
+                                        <p:strVal val="visible"/>
+                                      </p:to>
+                                    </p:set>
+                                    <p:animEffect transition="in" filter="fade">
+                                      <p:cBhvr>
+                                        <p:cTn id="57" dur="500"/>
+                                        <p:tgtEl>
+                                          <p:spTgt spid="83"/>
+                                        </p:tgtEl>
+                                      </p:cBhvr>
+                                    </p:animEffect>
+                                  </p:childTnLst>
+                                </p:cTn>
+                              </p:par>
+                            </p:childTnLst>
+                          </p:cTn>
+                        </p:par>
+                      </p:childTnLst>
+                    </p:cTn>
+                  </p:par>
+                  <p:par>
+                    <p:cTn id="58" fill="hold">
+                      <p:stCondLst>
+                        <p:cond delay="indefinite"/>
+                      </p:stCondLst>
+                      <p:childTnLst>
+                        <p:par>
+                          <p:cTn id="59" fill="hold">
+                            <p:stCondLst>
+                              <p:cond delay="0"/>
+                            </p:stCondLst>
+                            <p:childTnLst>
+                              <p:par>
+                                <p:cTn id="60" presetID="10" presetClass="entr" presetSubtype="0" fill="hold" grpId="0" nodeType="clickEffect">
+                                  <p:stCondLst>
+                                    <p:cond delay="0"/>
+                                  </p:stCondLst>
+                                  <p:childTnLst>
+                                    <p:set>
+                                      <p:cBhvr>
+                                        <p:cTn id="61" dur="1" fill="hold">
+                                          <p:stCondLst>
+                                            <p:cond delay="0"/>
+                                          </p:stCondLst>
+                                        </p:cTn>
+                                        <p:tgtEl>
+                                          <p:spTgt spid="6"/>
+                                        </p:tgtEl>
+                                        <p:attrNameLst>
+                                          <p:attrName>style.visibility</p:attrName>
+                                        </p:attrNameLst>
+                                      </p:cBhvr>
+                                      <p:to>
+                                        <p:strVal val="visible"/>
+                                      </p:to>
+                                    </p:set>
+                                    <p:animEffect transition="in" filter="fade">
+                                      <p:cBhvr>
+                                        <p:cTn id="62" dur="500"/>
+                                        <p:tgtEl>
+                                          <p:spTgt spid="6"/>
+                                        </p:tgtEl>
+                                      </p:cBhvr>
+                                    </p:animEffect>
+                                  </p:childTnLst>
+                                </p:cTn>
+                              </p:par>
+                            </p:childTnLst>
+                          </p:cTn>
+                        </p:par>
+                      </p:childTnLst>
+                    </p:cTn>
+                  </p:par>
+                  <p:par>
+                    <p:cTn id="63" fill="hold">
+                      <p:stCondLst>
+                        <p:cond delay="indefinite"/>
+                      </p:stCondLst>
+                      <p:childTnLst>
+                        <p:par>
+                          <p:cTn id="64" fill="hold">
+                            <p:stCondLst>
+                              <p:cond delay="0"/>
+                            </p:stCondLst>
+                            <p:childTnLst>
+                              <p:par>
+                                <p:cTn id="65" presetID="10" presetClass="entr" presetSubtype="0" fill="hold" grpId="0" nodeType="clickEffect">
+                                  <p:stCondLst>
+                                    <p:cond delay="0"/>
+                                  </p:stCondLst>
+                                  <p:childTnLst>
+                                    <p:set>
+                                      <p:cBhvr>
+                                        <p:cTn id="66" dur="1" fill="hold">
+                                          <p:stCondLst>
+                                            <p:cond delay="0"/>
+                                          </p:stCondLst>
+                                        </p:cTn>
+                                        <p:tgtEl>
+                                          <p:spTgt spid="13"/>
+                                        </p:tgtEl>
+                                        <p:attrNameLst>
+                                          <p:attrName>style.visibility</p:attrName>
+                                        </p:attrNameLst>
+                                      </p:cBhvr>
+                                      <p:to>
+                                        <p:strVal val="visible"/>
+                                      </p:to>
+                                    </p:set>
+                                    <p:animEffect transition="in" filter="fade">
+                                      <p:cBhvr>
+                                        <p:cTn id="67" dur="500"/>
+                                        <p:tgtEl>
+                                          <p:spTgt spid="13"/>
+                                        </p:tgtEl>
+                                      </p:cBhvr>
+                                    </p:animEffect>
+                                  </p:childTnLst>
+                                </p:cTn>
+                              </p:par>
+                            </p:childTnLst>
+                          </p:cTn>
+                        </p:par>
+                      </p:childTnLst>
+                    </p:cTn>
+                  </p:par>
+                  <p:par>
+                    <p:cTn id="68" fill="hold">
+                      <p:stCondLst>
+                        <p:cond delay="indefinite"/>
+                      </p:stCondLst>
+                      <p:childTnLst>
+                        <p:par>
+                          <p:cTn id="69" fill="hold">
+                            <p:stCondLst>
+                              <p:cond delay="0"/>
+                            </p:stCondLst>
+                            <p:childTnLst>
+                              <p:par>
+                                <p:cTn id="70" presetID="53" presetClass="entr" presetSubtype="16" fill="hold" nodeType="clickEffect">
+                                  <p:stCondLst>
+                                    <p:cond delay="0"/>
+                                  </p:stCondLst>
+                                  <p:childTnLst>
+                                    <p:set>
+                                      <p:cBhvr>
+                                        <p:cTn id="71" dur="1" fill="hold">
+                                          <p:stCondLst>
+                                            <p:cond delay="0"/>
+                                          </p:stCondLst>
+                                        </p:cTn>
+                                        <p:tgtEl>
+                                          <p:spTgt spid="3"/>
                                         </p:tgtEl>
                                         <p:attrNameLst>
                                           <p:attrName>style.visibility</p:attrName>
@@ -26422,9 +27117,9 @@
                                     </p:set>
                                     <p:anim calcmode="lin" valueType="num">
                                       <p:cBhvr>
-                                        <p:cTn id="42" dur="500" fill="hold"/>
+                                        <p:cTn id="72" dur="500" fill="hold"/>
                                         <p:tgtEl>
-                                          <p:spTgt spid="26"/>
+                                          <p:spTgt spid="3"/>
                                         </p:tgtEl>
                                         <p:attrNameLst>
                                           <p:attrName>ppt_w</p:attrName>
@@ -26445,9 +27140,9 @@
                                     </p:anim>
                                     <p:anim calcmode="lin" valueType="num">
                                       <p:cBhvr>
-                                        <p:cTn id="43" dur="500" fill="hold"/>
+                                        <p:cTn id="73" dur="500" fill="hold"/>
                                         <p:tgtEl>
-                                          <p:spTgt spid="26"/>
+                                          <p:spTgt spid="3"/>
                                         </p:tgtEl>
                                         <p:attrNameLst>
                                           <p:attrName>ppt_h</p:attrName>
@@ -26468,327 +27163,9 @@
                                     </p:anim>
                                     <p:animEffect transition="in" filter="fade">
                                       <p:cBhvr>
-                                        <p:cTn id="44" dur="500"/>
-                                        <p:tgtEl>
-                                          <p:spTgt spid="26"/>
-                                        </p:tgtEl>
-                                      </p:cBhvr>
-                                    </p:animEffect>
-                                  </p:childTnLst>
-                                </p:cTn>
-                              </p:par>
-                            </p:childTnLst>
-                          </p:cTn>
-                        </p:par>
-                      </p:childTnLst>
-                    </p:cTn>
-                  </p:par>
-                  <p:par>
-                    <p:cTn id="45" fill="hold">
-                      <p:stCondLst>
-                        <p:cond delay="indefinite"/>
-                      </p:stCondLst>
-                      <p:childTnLst>
-                        <p:par>
-                          <p:cTn id="46" fill="hold">
-                            <p:stCondLst>
-                              <p:cond delay="0"/>
-                            </p:stCondLst>
-                            <p:childTnLst>
-                              <p:par>
-                                <p:cTn id="47" presetID="10" presetClass="entr" presetSubtype="0" fill="hold" grpId="0" nodeType="clickEffect">
-                                  <p:stCondLst>
-                                    <p:cond delay="0"/>
-                                  </p:stCondLst>
-                                  <p:childTnLst>
-                                    <p:set>
-                                      <p:cBhvr>
-                                        <p:cTn id="48" dur="1" fill="hold">
-                                          <p:stCondLst>
-                                            <p:cond delay="0"/>
-                                          </p:stCondLst>
-                                        </p:cTn>
-                                        <p:tgtEl>
-                                          <p:spTgt spid="85"/>
-                                        </p:tgtEl>
-                                        <p:attrNameLst>
-                                          <p:attrName>style.visibility</p:attrName>
-                                        </p:attrNameLst>
-                                      </p:cBhvr>
-                                      <p:to>
-                                        <p:strVal val="visible"/>
-                                      </p:to>
-                                    </p:set>
-                                    <p:animEffect transition="in" filter="fade">
-                                      <p:cBhvr>
-                                        <p:cTn id="49" dur="500"/>
-                                        <p:tgtEl>
-                                          <p:spTgt spid="85"/>
-                                        </p:tgtEl>
-                                      </p:cBhvr>
-                                    </p:animEffect>
-                                  </p:childTnLst>
-                                </p:cTn>
-                              </p:par>
-                            </p:childTnLst>
-                          </p:cTn>
-                        </p:par>
-                      </p:childTnLst>
-                    </p:cTn>
-                  </p:par>
-                  <p:par>
-                    <p:cTn id="50" fill="hold">
-                      <p:stCondLst>
-                        <p:cond delay="indefinite"/>
-                      </p:stCondLst>
-                      <p:childTnLst>
-                        <p:par>
-                          <p:cTn id="51" fill="hold">
-                            <p:stCondLst>
-                              <p:cond delay="0"/>
-                            </p:stCondLst>
-                            <p:childTnLst>
-                              <p:par>
-                                <p:cTn id="52" presetID="10" presetClass="entr" presetSubtype="0" fill="hold" grpId="0" nodeType="clickEffect">
-                                  <p:stCondLst>
-                                    <p:cond delay="0"/>
-                                  </p:stCondLst>
-                                  <p:childTnLst>
-                                    <p:set>
-                                      <p:cBhvr>
-                                        <p:cTn id="53" dur="1" fill="hold">
-                                          <p:stCondLst>
-                                            <p:cond delay="0"/>
-                                          </p:stCondLst>
-                                        </p:cTn>
-                                        <p:tgtEl>
-                                          <p:spTgt spid="11"/>
-                                        </p:tgtEl>
-                                        <p:attrNameLst>
-                                          <p:attrName>style.visibility</p:attrName>
-                                        </p:attrNameLst>
-                                      </p:cBhvr>
-                                      <p:to>
-                                        <p:strVal val="visible"/>
-                                      </p:to>
-                                    </p:set>
-                                    <p:animEffect transition="in" filter="fade">
-                                      <p:cBhvr>
-                                        <p:cTn id="54" dur="500"/>
-                                        <p:tgtEl>
-                                          <p:spTgt spid="11"/>
-                                        </p:tgtEl>
-                                      </p:cBhvr>
-                                    </p:animEffect>
-                                  </p:childTnLst>
-                                </p:cTn>
-                              </p:par>
-                            </p:childTnLst>
-                          </p:cTn>
-                        </p:par>
-                      </p:childTnLst>
-                    </p:cTn>
-                  </p:par>
-                  <p:par>
-                    <p:cTn id="55" fill="hold">
-                      <p:stCondLst>
-                        <p:cond delay="indefinite"/>
-                      </p:stCondLst>
-                      <p:childTnLst>
-                        <p:par>
-                          <p:cTn id="56" fill="hold">
-                            <p:stCondLst>
-                              <p:cond delay="0"/>
-                            </p:stCondLst>
-                            <p:childTnLst>
-                              <p:par>
-                                <p:cTn id="57" presetID="10" presetClass="entr" presetSubtype="0" fill="hold" grpId="0" nodeType="clickEffect">
-                                  <p:stCondLst>
-                                    <p:cond delay="0"/>
-                                  </p:stCondLst>
-                                  <p:childTnLst>
-                                    <p:set>
-                                      <p:cBhvr>
-                                        <p:cTn id="58" dur="1" fill="hold">
-                                          <p:stCondLst>
-                                            <p:cond delay="0"/>
-                                          </p:stCondLst>
-                                        </p:cTn>
-                                        <p:tgtEl>
-                                          <p:spTgt spid="9"/>
-                                        </p:tgtEl>
-                                        <p:attrNameLst>
-                                          <p:attrName>style.visibility</p:attrName>
-                                        </p:attrNameLst>
-                                      </p:cBhvr>
-                                      <p:to>
-                                        <p:strVal val="visible"/>
-                                      </p:to>
-                                    </p:set>
-                                    <p:animEffect transition="in" filter="fade">
-                                      <p:cBhvr>
-                                        <p:cTn id="59" dur="500"/>
-                                        <p:tgtEl>
-                                          <p:spTgt spid="9"/>
-                                        </p:tgtEl>
-                                      </p:cBhvr>
-                                    </p:animEffect>
-                                  </p:childTnLst>
-                                </p:cTn>
-                              </p:par>
-                            </p:childTnLst>
-                          </p:cTn>
-                        </p:par>
-                      </p:childTnLst>
-                    </p:cTn>
-                  </p:par>
-                  <p:par>
-                    <p:cTn id="60" fill="hold">
-                      <p:stCondLst>
-                        <p:cond delay="indefinite"/>
-                      </p:stCondLst>
-                      <p:childTnLst>
-                        <p:par>
-                          <p:cTn id="61" fill="hold">
-                            <p:stCondLst>
-                              <p:cond delay="0"/>
-                            </p:stCondLst>
-                            <p:childTnLst>
-                              <p:par>
-                                <p:cTn id="62" presetID="10" presetClass="entr" presetSubtype="0" fill="hold" grpId="0" nodeType="clickEffect">
-                                  <p:stCondLst>
-                                    <p:cond delay="0"/>
-                                  </p:stCondLst>
-                                  <p:childTnLst>
-                                    <p:set>
-                                      <p:cBhvr>
-                                        <p:cTn id="63" dur="1" fill="hold">
-                                          <p:stCondLst>
-                                            <p:cond delay="0"/>
-                                          </p:stCondLst>
-                                        </p:cTn>
-                                        <p:tgtEl>
-                                          <p:spTgt spid="83"/>
-                                        </p:tgtEl>
-                                        <p:attrNameLst>
-                                          <p:attrName>style.visibility</p:attrName>
-                                        </p:attrNameLst>
-                                      </p:cBhvr>
-                                      <p:to>
-                                        <p:strVal val="visible"/>
-                                      </p:to>
-                                    </p:set>
-                                    <p:animEffect transition="in" filter="fade">
-                                      <p:cBhvr>
-                                        <p:cTn id="64" dur="500"/>
-                                        <p:tgtEl>
-                                          <p:spTgt spid="83"/>
-                                        </p:tgtEl>
-                                      </p:cBhvr>
-                                    </p:animEffect>
-                                  </p:childTnLst>
-                                </p:cTn>
-                              </p:par>
-                            </p:childTnLst>
-                          </p:cTn>
-                        </p:par>
-                      </p:childTnLst>
-                    </p:cTn>
-                  </p:par>
-                  <p:par>
-                    <p:cTn id="65" fill="hold">
-                      <p:stCondLst>
-                        <p:cond delay="indefinite"/>
-                      </p:stCondLst>
-                      <p:childTnLst>
-                        <p:par>
-                          <p:cTn id="66" fill="hold">
-                            <p:stCondLst>
-                              <p:cond delay="0"/>
-                            </p:stCondLst>
-                            <p:childTnLst>
-                              <p:par>
-                                <p:cTn id="67" presetID="10" presetClass="entr" presetSubtype="0" fill="hold" grpId="0" nodeType="clickEffect">
-                                  <p:stCondLst>
-                                    <p:cond delay="0"/>
-                                  </p:stCondLst>
-                                  <p:childTnLst>
-                                    <p:set>
-                                      <p:cBhvr>
-                                        <p:cTn id="68" dur="1" fill="hold">
-                                          <p:stCondLst>
-                                            <p:cond delay="0"/>
-                                          </p:stCondLst>
-                                        </p:cTn>
-                                        <p:tgtEl>
-                                          <p:spTgt spid="6"/>
-                                        </p:tgtEl>
-                                        <p:attrNameLst>
-                                          <p:attrName>style.visibility</p:attrName>
-                                        </p:attrNameLst>
-                                      </p:cBhvr>
-                                      <p:to>
-                                        <p:strVal val="visible"/>
-                                      </p:to>
-                                    </p:set>
-                                    <p:animEffect transition="in" filter="fade">
-                                      <p:cBhvr>
-                                        <p:cTn id="69" dur="500"/>
-                                        <p:tgtEl>
-                                          <p:spTgt spid="6"/>
-                                        </p:tgtEl>
-                                      </p:cBhvr>
-                                    </p:animEffect>
-                                  </p:childTnLst>
-                                </p:cTn>
-                              </p:par>
-                            </p:childTnLst>
-                          </p:cTn>
-                        </p:par>
-                      </p:childTnLst>
-                    </p:cTn>
-                  </p:par>
-                  <p:par>
-                    <p:cTn id="70" fill="hold">
-                      <p:stCondLst>
-                        <p:cond delay="indefinite"/>
-                      </p:stCondLst>
-                      <p:childTnLst>
-                        <p:par>
-                          <p:cTn id="71" fill="hold">
-                            <p:stCondLst>
-                              <p:cond delay="0"/>
-                            </p:stCondLst>
-                            <p:childTnLst>
-                              <p:par>
-                                <p:cTn id="72" presetID="10" presetClass="entr" presetSubtype="0" fill="hold" grpId="0" nodeType="clickEffect">
-                                  <p:stCondLst>
-                                    <p:cond delay="0"/>
-                                  </p:stCondLst>
-                                  <p:childTnLst>
-                                    <p:set>
-                                      <p:cBhvr>
-                                        <p:cTn id="73" dur="1" fill="hold">
-                                          <p:stCondLst>
-                                            <p:cond delay="0"/>
-                                          </p:stCondLst>
-                                        </p:cTn>
-                                        <p:tgtEl>
-                                          <p:spTgt spid="13"/>
-                                        </p:tgtEl>
-                                        <p:attrNameLst>
-                                          <p:attrName>style.visibility</p:attrName>
-                                        </p:attrNameLst>
-                                      </p:cBhvr>
-                                      <p:to>
-                                        <p:strVal val="visible"/>
-                                      </p:to>
-                                    </p:set>
-                                    <p:animEffect transition="in" filter="fade">
-                                      <p:cBhvr>
                                         <p:cTn id="74" dur="500"/>
                                         <p:tgtEl>
-                                          <p:spTgt spid="13"/>
+                                          <p:spTgt spid="3"/>
                                         </p:tgtEl>
                                       </p:cBhvr>
                                     </p:animEffect>
@@ -26814,7 +27191,7 @@
                             </p:stCondLst>
                             <p:childTnLst>
                               <p:par>
-                                <p:cTn id="77" presetID="53" presetClass="entr" presetSubtype="16" fill="hold" nodeType="clickEffect">
+                                <p:cTn id="77" presetID="10" presetClass="entr" presetSubtype="0" fill="hold" grpId="0" nodeType="clickEffect">
                                   <p:stCondLst>
                                     <p:cond delay="0"/>
                                   </p:stCondLst>
@@ -26827,7 +27204,60 @@
                                           </p:stCondLst>
                                         </p:cTn>
                                         <p:tgtEl>
-                                          <p:spTgt spid="3"/>
+                                          <p:spTgt spid="7"/>
+                                        </p:tgtEl>
+                                        <p:attrNameLst>
+                                          <p:attrName>style.visibility</p:attrName>
+                                        </p:attrNameLst>
+                                      </p:cBhvr>
+                                      <p:to>
+                                        <p:strVal val="visible"/>
+                                      </p:to>
+                                    </p:set>
+                                    <p:animEffect transition="in" filter="fade">
+                                      <p:cBhvr>
+                                        <p:cTn id="79" dur="500"/>
+                                        <p:tgtEl>
+                                          <p:spTgt spid="7"/>
+                                        </p:tgtEl>
+                                      </p:cBhvr>
+                                    </p:animEffect>
+                                  </p:childTnLst>
+                                </p:cTn>
+                              </p:par>
+                            </p:childTnLst>
+                          </p:cTn>
+                        </p:par>
+                      </p:childTnLst>
+                    </p:cTn>
+                  </p:par>
+                  <p:par>
+                    <p:cTn id="80" fill="hold">
+                      <p:stCondLst>
+                        <p:cond delay="indefinite"/>
+                      </p:stCondLst>
+                      <p:childTnLst>
+                        <p:par>
+                          <p:cTn id="81" fill="hold">
+                            <p:stCondLst>
+                              <p:cond delay="0"/>
+                            </p:stCondLst>
+                            <p:childTnLst>
+                              <p:par>
+                                <p:cTn id="82" presetID="53" presetClass="entr" presetSubtype="16" fill="hold" nodeType="clickEffect">
+                                  <p:stCondLst>
+                                    <p:cond delay="0"/>
+                                  </p:stCondLst>
+                                  <p:childTnLst>
+                                    <p:set>
+                                      <p:cBhvr>
+                                        <p:cTn id="83" dur="1" fill="hold">
+                                          <p:stCondLst>
+                                            <p:cond delay="0"/>
+                                          </p:stCondLst>
+                                        </p:cTn>
+                                        <p:tgtEl>
+                                          <p:spTgt spid="72"/>
                                         </p:tgtEl>
                                         <p:attrNameLst>
                                           <p:attrName>style.visibility</p:attrName>
@@ -26839,9 +27269,9 @@
                                     </p:set>
                                     <p:anim calcmode="lin" valueType="num">
                                       <p:cBhvr>
-                                        <p:cTn id="79" dur="500" fill="hold"/>
+                                        <p:cTn id="84" dur="500" fill="hold"/>
                                         <p:tgtEl>
-                                          <p:spTgt spid="3"/>
+                                          <p:spTgt spid="72"/>
                                         </p:tgtEl>
                                         <p:attrNameLst>
                                           <p:attrName>ppt_w</p:attrName>
@@ -26862,9 +27292,9 @@
                                     </p:anim>
                                     <p:anim calcmode="lin" valueType="num">
                                       <p:cBhvr>
-                                        <p:cTn id="80" dur="500" fill="hold"/>
+                                        <p:cTn id="85" dur="500" fill="hold"/>
                                         <p:tgtEl>
-                                          <p:spTgt spid="3"/>
+                                          <p:spTgt spid="72"/>
                                         </p:tgtEl>
                                         <p:attrNameLst>
                                           <p:attrName>ppt_h</p:attrName>
@@ -26885,9 +27315,9 @@
                                     </p:anim>
                                     <p:animEffect transition="in" filter="fade">
                                       <p:cBhvr>
-                                        <p:cTn id="81" dur="500"/>
+                                        <p:cTn id="86" dur="500"/>
                                         <p:tgtEl>
-                                          <p:spTgt spid="3"/>
+                                          <p:spTgt spid="72"/>
                                         </p:tgtEl>
                                       </p:cBhvr>
                                     </p:animEffect>
@@ -26901,32 +27331,191 @@
                     </p:cTn>
                   </p:par>
                   <p:par>
-                    <p:cTn id="82" fill="hold">
+                    <p:cTn id="87" fill="hold">
                       <p:stCondLst>
                         <p:cond delay="indefinite"/>
                       </p:stCondLst>
                       <p:childTnLst>
                         <p:par>
-                          <p:cTn id="83" fill="hold">
+                          <p:cTn id="88" fill="hold">
                             <p:stCondLst>
                               <p:cond delay="0"/>
                             </p:stCondLst>
                             <p:childTnLst>
                               <p:par>
-                                <p:cTn id="84" presetID="53" presetClass="entr" presetSubtype="16" fill="hold" nodeType="clickEffect">
+                                <p:cTn id="89" presetID="10" presetClass="entr" presetSubtype="0" fill="hold" grpId="0" nodeType="clickEffect">
                                   <p:stCondLst>
                                     <p:cond delay="0"/>
                                   </p:stCondLst>
                                   <p:childTnLst>
                                     <p:set>
                                       <p:cBhvr>
-                                        <p:cTn id="85" dur="1" fill="hold">
+                                        <p:cTn id="90" dur="1" fill="hold">
                                           <p:stCondLst>
                                             <p:cond delay="0"/>
                                           </p:stCondLst>
                                         </p:cTn>
                                         <p:tgtEl>
-                                          <p:spTgt spid="10"/>
+                                          <p:spTgt spid="76"/>
+                                        </p:tgtEl>
+                                        <p:attrNameLst>
+                                          <p:attrName>style.visibility</p:attrName>
+                                        </p:attrNameLst>
+                                      </p:cBhvr>
+                                      <p:to>
+                                        <p:strVal val="visible"/>
+                                      </p:to>
+                                    </p:set>
+                                    <p:animEffect transition="in" filter="fade">
+                                      <p:cBhvr>
+                                        <p:cTn id="91" dur="500"/>
+                                        <p:tgtEl>
+                                          <p:spTgt spid="76"/>
+                                        </p:tgtEl>
+                                      </p:cBhvr>
+                                    </p:animEffect>
+                                  </p:childTnLst>
+                                </p:cTn>
+                              </p:par>
+                            </p:childTnLst>
+                          </p:cTn>
+                        </p:par>
+                      </p:childTnLst>
+                    </p:cTn>
+                  </p:par>
+                  <p:par>
+                    <p:cTn id="92" fill="hold">
+                      <p:stCondLst>
+                        <p:cond delay="indefinite"/>
+                      </p:stCondLst>
+                      <p:childTnLst>
+                        <p:par>
+                          <p:cTn id="93" fill="hold">
+                            <p:stCondLst>
+                              <p:cond delay="0"/>
+                            </p:stCondLst>
+                            <p:childTnLst>
+                              <p:par>
+                                <p:cTn id="94" presetID="10" presetClass="entr" presetSubtype="0" fill="hold" grpId="0" nodeType="clickEffect">
+                                  <p:stCondLst>
+                                    <p:cond delay="0"/>
+                                  </p:stCondLst>
+                                  <p:childTnLst>
+                                    <p:set>
+                                      <p:cBhvr>
+                                        <p:cTn id="95" dur="1" fill="hold">
+                                          <p:stCondLst>
+                                            <p:cond delay="0"/>
+                                          </p:stCondLst>
+                                        </p:cTn>
+                                        <p:tgtEl>
+                                          <p:spTgt spid="80"/>
+                                        </p:tgtEl>
+                                        <p:attrNameLst>
+                                          <p:attrName>style.visibility</p:attrName>
+                                        </p:attrNameLst>
+                                      </p:cBhvr>
+                                      <p:to>
+                                        <p:strVal val="visible"/>
+                                      </p:to>
+                                    </p:set>
+                                    <p:animEffect transition="in" filter="fade">
+                                      <p:cBhvr>
+                                        <p:cTn id="96" dur="500"/>
+                                        <p:tgtEl>
+                                          <p:spTgt spid="80"/>
+                                        </p:tgtEl>
+                                      </p:cBhvr>
+                                    </p:animEffect>
+                                  </p:childTnLst>
+                                </p:cTn>
+                              </p:par>
+                            </p:childTnLst>
+                          </p:cTn>
+                        </p:par>
+                      </p:childTnLst>
+                    </p:cTn>
+                  </p:par>
+                  <p:par>
+                    <p:cTn id="97" fill="hold">
+                      <p:stCondLst>
+                        <p:cond delay="indefinite"/>
+                      </p:stCondLst>
+                      <p:childTnLst>
+                        <p:par>
+                          <p:cTn id="98" fill="hold">
+                            <p:stCondLst>
+                              <p:cond delay="0"/>
+                            </p:stCondLst>
+                            <p:childTnLst>
+                              <p:par>
+                                <p:cTn id="99" presetID="10" presetClass="entr" presetSubtype="0" fill="hold" grpId="0" nodeType="clickEffect">
+                                  <p:stCondLst>
+                                    <p:cond delay="0"/>
+                                  </p:stCondLst>
+                                  <p:childTnLst>
+                                    <p:set>
+                                      <p:cBhvr>
+                                        <p:cTn id="100" dur="1" fill="hold">
+                                          <p:stCondLst>
+                                            <p:cond delay="0"/>
+                                          </p:stCondLst>
+                                        </p:cTn>
+                                        <p:tgtEl>
+                                          <p:spTgt spid="94"/>
+                                        </p:tgtEl>
+                                        <p:attrNameLst>
+                                          <p:attrName>style.visibility</p:attrName>
+                                        </p:attrNameLst>
+                                      </p:cBhvr>
+                                      <p:to>
+                                        <p:strVal val="visible"/>
+                                      </p:to>
+                                    </p:set>
+                                    <p:animEffect transition="in" filter="fade">
+                                      <p:cBhvr>
+                                        <p:cTn id="101" dur="500"/>
+                                        <p:tgtEl>
+                                          <p:spTgt spid="94"/>
+                                        </p:tgtEl>
+                                      </p:cBhvr>
+                                    </p:animEffect>
+                                  </p:childTnLst>
+                                </p:cTn>
+                              </p:par>
+                            </p:childTnLst>
+                          </p:cTn>
+                        </p:par>
+                      </p:childTnLst>
+                    </p:cTn>
+                  </p:par>
+                  <p:par>
+                    <p:cTn id="102" fill="hold">
+                      <p:stCondLst>
+                        <p:cond delay="indefinite"/>
+                      </p:stCondLst>
+                      <p:childTnLst>
+                        <p:par>
+                          <p:cTn id="103" fill="hold">
+                            <p:stCondLst>
+                              <p:cond delay="0"/>
+                            </p:stCondLst>
+                            <p:childTnLst>
+                              <p:par>
+                                <p:cTn id="104" presetID="53" presetClass="entr" presetSubtype="16" fill="hold" nodeType="clickEffect">
+                                  <p:stCondLst>
+                                    <p:cond delay="0"/>
+                                  </p:stCondLst>
+                                  <p:childTnLst>
+                                    <p:set>
+                                      <p:cBhvr>
+                                        <p:cTn id="105" dur="1" fill="hold">
+                                          <p:stCondLst>
+                                            <p:cond delay="0"/>
+                                          </p:stCondLst>
+                                        </p:cTn>
+                                        <p:tgtEl>
+                                          <p:spTgt spid="95"/>
                                         </p:tgtEl>
                                         <p:attrNameLst>
                                           <p:attrName>style.visibility</p:attrName>
@@ -26938,9 +27527,9 @@
                                     </p:set>
                                     <p:anim calcmode="lin" valueType="num">
                                       <p:cBhvr>
-                                        <p:cTn id="86" dur="500" fill="hold"/>
+                                        <p:cTn id="106" dur="500" fill="hold"/>
                                         <p:tgtEl>
-                                          <p:spTgt spid="10"/>
+                                          <p:spTgt spid="95"/>
                                         </p:tgtEl>
                                         <p:attrNameLst>
                                           <p:attrName>ppt_w</p:attrName>
@@ -26961,9 +27550,9 @@
                                     </p:anim>
                                     <p:anim calcmode="lin" valueType="num">
                                       <p:cBhvr>
-                                        <p:cTn id="87" dur="500" fill="hold"/>
+                                        <p:cTn id="107" dur="500" fill="hold"/>
                                         <p:tgtEl>
-                                          <p:spTgt spid="10"/>
+                                          <p:spTgt spid="95"/>
                                         </p:tgtEl>
                                         <p:attrNameLst>
                                           <p:attrName>ppt_h</p:attrName>
@@ -26984,9 +27573,9 @@
                                     </p:anim>
                                     <p:animEffect transition="in" filter="fade">
                                       <p:cBhvr>
-                                        <p:cTn id="88" dur="500"/>
+                                        <p:cTn id="108" dur="500"/>
                                         <p:tgtEl>
-                                          <p:spTgt spid="10"/>
+                                          <p:spTgt spid="95"/>
                                         </p:tgtEl>
                                       </p:cBhvr>
                                     </p:animEffect>
@@ -27027,12 +27616,1062 @@
       <p:bldP spid="13" grpId="0" animBg="1"/>
       <p:bldP spid="83" grpId="0" animBg="1"/>
       <p:bldP spid="85" grpId="0" animBg="1"/>
+      <p:bldP spid="7" grpId="0" animBg="1"/>
+      <p:bldP spid="76" grpId="0" animBg="1"/>
+      <p:bldP spid="80" grpId="0" animBg="1"/>
+      <p:bldP spid="94" grpId="0" animBg="1"/>
     </p:bldLst>
   </p:timing>
 </p:sld>
 </file>
 
 <file path=ppt/slides/slide8.xml><?xml version="1.0" encoding="utf-8"?>
+<p:sld xmlns:a="http://schemas.openxmlformats.org/drawingml/2006/main" xmlns:r="http://schemas.openxmlformats.org/officeDocument/2006/relationships" xmlns:p="http://schemas.openxmlformats.org/presentationml/2006/main">
+  <p:cSld>
+    <p:spTree>
+      <p:nvGrpSpPr>
+        <p:cNvPr id="1" name=""/>
+        <p:cNvGrpSpPr/>
+        <p:nvPr/>
+      </p:nvGrpSpPr>
+      <p:grpSpPr>
+        <a:xfrm>
+          <a:off x="0" y="0"/>
+          <a:ext cx="0" cy="0"/>
+          <a:chOff x="0" y="0"/>
+          <a:chExt cx="0" cy="0"/>
+        </a:xfrm>
+      </p:grpSpPr>
+      <p:sp>
+        <p:nvSpPr>
+          <p:cNvPr id="2" name="Title 1">
+            <a:extLst>
+              <a:ext uri="{FF2B5EF4-FFF2-40B4-BE49-F238E27FC236}">
+                <a16:creationId xmlns:a16="http://schemas.microsoft.com/office/drawing/2014/main" id="{E2023D16-736F-9940-DA3B-CAFADDA3CC67}"/>
+              </a:ext>
+            </a:extLst>
+          </p:cNvPr>
+          <p:cNvSpPr>
+            <a:spLocks noGrp="1"/>
+          </p:cNvSpPr>
+          <p:nvPr>
+            <p:ph type="title"/>
+          </p:nvPr>
+        </p:nvSpPr>
+        <p:spPr>
+          <a:xfrm>
+            <a:off x="967677" y="44993"/>
+            <a:ext cx="9905998" cy="1478570"/>
+          </a:xfrm>
+        </p:spPr>
+        <p:txBody>
+          <a:bodyPr/>
+          <a:lstStyle/>
+          <a:p>
+            <a:pPr algn="ctr"/>
+            <a:r>
+              <a:rPr lang="en-US" b="1" dirty="0">
+                <a:latin typeface="+mn-lt"/>
+                <a:cs typeface="Arial" panose="020B0604020202020204" pitchFamily="34" charset="0"/>
+              </a:rPr>
+              <a:t>Power MNAGMENT UNIT</a:t>
+            </a:r>
+          </a:p>
+        </p:txBody>
+      </p:sp>
+      <p:sp>
+        <p:nvSpPr>
+          <p:cNvPr id="13" name="Rectangle 12">
+            <a:extLst>
+              <a:ext uri="{FF2B5EF4-FFF2-40B4-BE49-F238E27FC236}">
+                <a16:creationId xmlns:a16="http://schemas.microsoft.com/office/drawing/2014/main" id="{BD3FDE4D-70A0-72C3-A151-43D5770400F9}"/>
+              </a:ext>
+            </a:extLst>
+          </p:cNvPr>
+          <p:cNvSpPr/>
+          <p:nvPr/>
+        </p:nvSpPr>
+        <p:spPr>
+          <a:xfrm>
+            <a:off x="3922381" y="2454503"/>
+            <a:ext cx="2173619" cy="832283"/>
+          </a:xfrm>
+          <a:prstGeom prst="rect">
+            <a:avLst/>
+          </a:prstGeom>
+          <a:solidFill>
+            <a:srgbClr val="5FBBB0"/>
+          </a:solidFill>
+          <a:ln>
+            <a:solidFill>
+              <a:srgbClr val="5FBBB0"/>
+            </a:solidFill>
+          </a:ln>
+          <a:effectLst>
+            <a:outerShdw blurRad="190500" dist="228600" dir="2700000" algn="ctr">
+              <a:srgbClr val="000000">
+                <a:alpha val="30000"/>
+              </a:srgbClr>
+            </a:outerShdw>
+          </a:effectLst>
+          <a:scene3d>
+            <a:camera prst="orthographicFront">
+              <a:rot lat="0" lon="0" rev="0"/>
+            </a:camera>
+            <a:lightRig rig="glow" dir="t">
+              <a:rot lat="0" lon="0" rev="4800000"/>
+            </a:lightRig>
+          </a:scene3d>
+          <a:sp3d prstMaterial="matte">
+            <a:bevelT w="127000" h="63500"/>
+          </a:sp3d>
+        </p:spPr>
+        <p:style>
+          <a:lnRef idx="2">
+            <a:schemeClr val="accent1">
+              <a:shade val="15000"/>
+            </a:schemeClr>
+          </a:lnRef>
+          <a:fillRef idx="1">
+            <a:schemeClr val="accent1"/>
+          </a:fillRef>
+          <a:effectRef idx="0">
+            <a:schemeClr val="accent1"/>
+          </a:effectRef>
+          <a:fontRef idx="minor">
+            <a:schemeClr val="lt1"/>
+          </a:fontRef>
+        </p:style>
+        <p:txBody>
+          <a:bodyPr rtlCol="0" anchor="ctr"/>
+          <a:lstStyle/>
+          <a:p>
+            <a:pPr algn="ctr"/>
+            <a:r>
+              <a:rPr lang="en-US" b="1" dirty="0">
+                <a:solidFill>
+                  <a:sysClr val="windowText" lastClr="000000"/>
+                </a:solidFill>
+                <a:cs typeface="Arial" panose="020B0604020202020204" pitchFamily="34" charset="0"/>
+              </a:rPr>
+              <a:t>DC/DC Converter</a:t>
+            </a:r>
+            <a:endParaRPr lang="en-IL" b="1" dirty="0">
+              <a:solidFill>
+                <a:sysClr val="windowText" lastClr="000000"/>
+              </a:solidFill>
+              <a:cs typeface="Arial" panose="020B0604020202020204" pitchFamily="34" charset="0"/>
+            </a:endParaRPr>
+          </a:p>
+        </p:txBody>
+      </p:sp>
+      <p:cxnSp>
+        <p:nvCxnSpPr>
+          <p:cNvPr id="4" name="Straight Arrow Connector 3">
+            <a:extLst>
+              <a:ext uri="{FF2B5EF4-FFF2-40B4-BE49-F238E27FC236}">
+                <a16:creationId xmlns:a16="http://schemas.microsoft.com/office/drawing/2014/main" id="{598FB7D8-C5A5-EE1F-B26F-5A8D93FF76C4}"/>
+              </a:ext>
+            </a:extLst>
+          </p:cNvPr>
+          <p:cNvCxnSpPr>
+            <a:cxnSpLocks/>
+            <a:endCxn id="13" idx="1"/>
+          </p:cNvCxnSpPr>
+          <p:nvPr/>
+        </p:nvCxnSpPr>
+        <p:spPr>
+          <a:xfrm>
+            <a:off x="2112264" y="2870645"/>
+            <a:ext cx="1810117" cy="0"/>
+          </a:xfrm>
+          <a:prstGeom prst="straightConnector1">
+            <a:avLst/>
+          </a:prstGeom>
+          <a:ln w="53975" cap="flat" cmpd="sng" algn="ctr">
+            <a:solidFill>
+              <a:srgbClr val="01FF00"/>
+            </a:solidFill>
+            <a:prstDash val="solid"/>
+            <a:round/>
+            <a:headEnd type="none" w="med" len="med"/>
+            <a:tailEnd type="arrow" w="med" len="med"/>
+          </a:ln>
+        </p:spPr>
+        <p:style>
+          <a:lnRef idx="0">
+            <a:scrgbClr r="0" g="0" b="0"/>
+          </a:lnRef>
+          <a:fillRef idx="0">
+            <a:scrgbClr r="0" g="0" b="0"/>
+          </a:fillRef>
+          <a:effectRef idx="0">
+            <a:scrgbClr r="0" g="0" b="0"/>
+          </a:effectRef>
+          <a:fontRef idx="minor">
+            <a:schemeClr val="tx1"/>
+          </a:fontRef>
+        </p:style>
+      </p:cxnSp>
+      <p:sp>
+        <p:nvSpPr>
+          <p:cNvPr id="7" name="Rectangle 6">
+            <a:extLst>
+              <a:ext uri="{FF2B5EF4-FFF2-40B4-BE49-F238E27FC236}">
+                <a16:creationId xmlns:a16="http://schemas.microsoft.com/office/drawing/2014/main" id="{E355DD5E-4CC4-E6A7-70C7-EB36360FC1C9}"/>
+              </a:ext>
+            </a:extLst>
+          </p:cNvPr>
+          <p:cNvSpPr/>
+          <p:nvPr/>
+        </p:nvSpPr>
+        <p:spPr>
+          <a:xfrm>
+            <a:off x="3922382" y="3514886"/>
+            <a:ext cx="2173616" cy="832283"/>
+          </a:xfrm>
+          <a:prstGeom prst="rect">
+            <a:avLst/>
+          </a:prstGeom>
+          <a:solidFill>
+            <a:schemeClr val="accent5"/>
+          </a:solidFill>
+          <a:ln>
+            <a:solidFill>
+              <a:schemeClr val="accent5"/>
+            </a:solidFill>
+          </a:ln>
+          <a:effectLst>
+            <a:outerShdw blurRad="190500" dist="228600" dir="2700000" algn="ctr">
+              <a:srgbClr val="000000">
+                <a:alpha val="30000"/>
+              </a:srgbClr>
+            </a:outerShdw>
+          </a:effectLst>
+          <a:scene3d>
+            <a:camera prst="orthographicFront">
+              <a:rot lat="0" lon="0" rev="0"/>
+            </a:camera>
+            <a:lightRig rig="glow" dir="t">
+              <a:rot lat="0" lon="0" rev="4800000"/>
+            </a:lightRig>
+          </a:scene3d>
+          <a:sp3d prstMaterial="matte">
+            <a:bevelT w="127000" h="63500"/>
+          </a:sp3d>
+        </p:spPr>
+        <p:style>
+          <a:lnRef idx="2">
+            <a:schemeClr val="accent1">
+              <a:shade val="15000"/>
+            </a:schemeClr>
+          </a:lnRef>
+          <a:fillRef idx="1">
+            <a:schemeClr val="accent1"/>
+          </a:fillRef>
+          <a:effectRef idx="0">
+            <a:schemeClr val="accent1"/>
+          </a:effectRef>
+          <a:fontRef idx="minor">
+            <a:schemeClr val="lt1"/>
+          </a:fontRef>
+        </p:style>
+        <p:txBody>
+          <a:bodyPr rtlCol="0" anchor="ctr"/>
+          <a:lstStyle/>
+          <a:p>
+            <a:pPr algn="ctr"/>
+            <a:r>
+              <a:rPr lang="en-US" b="1" dirty="0">
+                <a:solidFill>
+                  <a:sysClr val="windowText" lastClr="000000"/>
+                </a:solidFill>
+                <a:cs typeface="Arial" panose="020B0604020202020204" pitchFamily="34" charset="0"/>
+              </a:rPr>
+              <a:t>DC/DC Converter</a:t>
+            </a:r>
+            <a:endParaRPr lang="en-IL" b="1" dirty="0">
+              <a:solidFill>
+                <a:sysClr val="windowText" lastClr="000000"/>
+              </a:solidFill>
+              <a:cs typeface="Arial" panose="020B0604020202020204" pitchFamily="34" charset="0"/>
+            </a:endParaRPr>
+          </a:p>
+        </p:txBody>
+      </p:sp>
+      <p:cxnSp>
+        <p:nvCxnSpPr>
+          <p:cNvPr id="12" name="Connector: Elbow 11">
+            <a:extLst>
+              <a:ext uri="{FF2B5EF4-FFF2-40B4-BE49-F238E27FC236}">
+                <a16:creationId xmlns:a16="http://schemas.microsoft.com/office/drawing/2014/main" id="{4B96D0F7-B45A-851B-4E16-EA3B9B1BE809}"/>
+              </a:ext>
+            </a:extLst>
+          </p:cNvPr>
+          <p:cNvCxnSpPr>
+            <a:cxnSpLocks/>
+            <a:endCxn id="7" idx="1"/>
+          </p:cNvCxnSpPr>
+          <p:nvPr/>
+        </p:nvCxnSpPr>
+        <p:spPr>
+          <a:xfrm rot="16200000" flipH="1">
+            <a:off x="2948361" y="2957007"/>
+            <a:ext cx="1060386" cy="887656"/>
+          </a:xfrm>
+          <a:prstGeom prst="bentConnector2">
+            <a:avLst/>
+          </a:prstGeom>
+          <a:ln w="50800" cap="flat" cmpd="sng" algn="ctr">
+            <a:solidFill>
+              <a:srgbClr val="01FF00"/>
+            </a:solidFill>
+            <a:prstDash val="solid"/>
+            <a:round/>
+            <a:headEnd type="none" w="med" len="med"/>
+            <a:tailEnd type="arrow" w="med" len="med"/>
+          </a:ln>
+        </p:spPr>
+        <p:style>
+          <a:lnRef idx="0">
+            <a:scrgbClr r="0" g="0" b="0"/>
+          </a:lnRef>
+          <a:fillRef idx="0">
+            <a:scrgbClr r="0" g="0" b="0"/>
+          </a:fillRef>
+          <a:effectRef idx="0">
+            <a:scrgbClr r="0" g="0" b="0"/>
+          </a:effectRef>
+          <a:fontRef idx="minor">
+            <a:schemeClr val="tx1"/>
+          </a:fontRef>
+        </p:style>
+      </p:cxnSp>
+      <p:cxnSp>
+        <p:nvCxnSpPr>
+          <p:cNvPr id="24" name="Straight Arrow Connector 23">
+            <a:extLst>
+              <a:ext uri="{FF2B5EF4-FFF2-40B4-BE49-F238E27FC236}">
+                <a16:creationId xmlns:a16="http://schemas.microsoft.com/office/drawing/2014/main" id="{B09F5D08-6A9B-B1A7-414A-1E56F560D462}"/>
+              </a:ext>
+            </a:extLst>
+          </p:cNvPr>
+          <p:cNvCxnSpPr>
+            <a:cxnSpLocks/>
+          </p:cNvCxnSpPr>
+          <p:nvPr/>
+        </p:nvCxnSpPr>
+        <p:spPr>
+          <a:xfrm>
+            <a:off x="6095998" y="2870641"/>
+            <a:ext cx="3230882" cy="12627"/>
+          </a:xfrm>
+          <a:prstGeom prst="straightConnector1">
+            <a:avLst/>
+          </a:prstGeom>
+          <a:ln w="53975" cap="flat" cmpd="sng" algn="ctr">
+            <a:solidFill>
+              <a:srgbClr val="5FBBB0"/>
+            </a:solidFill>
+            <a:prstDash val="solid"/>
+            <a:round/>
+            <a:headEnd type="none" w="med" len="med"/>
+            <a:tailEnd type="arrow" w="med" len="med"/>
+          </a:ln>
+        </p:spPr>
+        <p:style>
+          <a:lnRef idx="0">
+            <a:scrgbClr r="0" g="0" b="0"/>
+          </a:lnRef>
+          <a:fillRef idx="0">
+            <a:scrgbClr r="0" g="0" b="0"/>
+          </a:fillRef>
+          <a:effectRef idx="0">
+            <a:scrgbClr r="0" g="0" b="0"/>
+          </a:effectRef>
+          <a:fontRef idx="minor">
+            <a:schemeClr val="tx1"/>
+          </a:fontRef>
+        </p:style>
+      </p:cxnSp>
+      <p:cxnSp>
+        <p:nvCxnSpPr>
+          <p:cNvPr id="27" name="Straight Arrow Connector 26">
+            <a:extLst>
+              <a:ext uri="{FF2B5EF4-FFF2-40B4-BE49-F238E27FC236}">
+                <a16:creationId xmlns:a16="http://schemas.microsoft.com/office/drawing/2014/main" id="{638CF70A-618E-54A2-5E20-55A3F25528F4}"/>
+              </a:ext>
+            </a:extLst>
+          </p:cNvPr>
+          <p:cNvCxnSpPr>
+            <a:cxnSpLocks/>
+          </p:cNvCxnSpPr>
+          <p:nvPr/>
+        </p:nvCxnSpPr>
+        <p:spPr>
+          <a:xfrm>
+            <a:off x="6095998" y="3881645"/>
+            <a:ext cx="3230882" cy="11038"/>
+          </a:xfrm>
+          <a:prstGeom prst="straightConnector1">
+            <a:avLst/>
+          </a:prstGeom>
+          <a:ln w="53975" cap="flat" cmpd="sng" algn="ctr">
+            <a:solidFill>
+              <a:schemeClr val="accent5"/>
+            </a:solidFill>
+            <a:prstDash val="solid"/>
+            <a:round/>
+            <a:headEnd type="none" w="med" len="med"/>
+            <a:tailEnd type="arrow" w="med" len="med"/>
+          </a:ln>
+        </p:spPr>
+        <p:style>
+          <a:lnRef idx="0">
+            <a:scrgbClr r="0" g="0" b="0"/>
+          </a:lnRef>
+          <a:fillRef idx="0">
+            <a:scrgbClr r="0" g="0" b="0"/>
+          </a:fillRef>
+          <a:effectRef idx="0">
+            <a:scrgbClr r="0" g="0" b="0"/>
+          </a:effectRef>
+          <a:fontRef idx="minor">
+            <a:schemeClr val="tx1"/>
+          </a:fontRef>
+        </p:style>
+      </p:cxnSp>
+      <p:sp>
+        <p:nvSpPr>
+          <p:cNvPr id="29" name="TextBox 28">
+            <a:extLst>
+              <a:ext uri="{FF2B5EF4-FFF2-40B4-BE49-F238E27FC236}">
+                <a16:creationId xmlns:a16="http://schemas.microsoft.com/office/drawing/2014/main" id="{2496CFD3-F4D8-E39D-D454-EC4C526E0BB4}"/>
+              </a:ext>
+            </a:extLst>
+          </p:cNvPr>
+          <p:cNvSpPr txBox="1"/>
+          <p:nvPr/>
+        </p:nvSpPr>
+        <p:spPr>
+          <a:xfrm>
+            <a:off x="2112264" y="2513936"/>
+            <a:ext cx="1097280" cy="369332"/>
+          </a:xfrm>
+          <a:prstGeom prst="rect">
+            <a:avLst/>
+          </a:prstGeom>
+          <a:noFill/>
+        </p:spPr>
+        <p:txBody>
+          <a:bodyPr wrap="square" rtlCol="0">
+            <a:spAutoFit/>
+          </a:bodyPr>
+          <a:lstStyle/>
+          <a:p>
+            <a:r>
+              <a:rPr lang="en-US" dirty="0"/>
+              <a:t>Input 5V</a:t>
+            </a:r>
+            <a:endParaRPr lang="en-IL" dirty="0"/>
+          </a:p>
+        </p:txBody>
+      </p:sp>
+      <p:sp>
+        <p:nvSpPr>
+          <p:cNvPr id="30" name="TextBox 29">
+            <a:extLst>
+              <a:ext uri="{FF2B5EF4-FFF2-40B4-BE49-F238E27FC236}">
+                <a16:creationId xmlns:a16="http://schemas.microsoft.com/office/drawing/2014/main" id="{EA555599-E26D-6595-2492-3FD91A15E55C}"/>
+              </a:ext>
+            </a:extLst>
+          </p:cNvPr>
+          <p:cNvSpPr txBox="1"/>
+          <p:nvPr/>
+        </p:nvSpPr>
+        <p:spPr>
+          <a:xfrm>
+            <a:off x="6167564" y="2501309"/>
+            <a:ext cx="1210451" cy="369332"/>
+          </a:xfrm>
+          <a:prstGeom prst="rect">
+            <a:avLst/>
+          </a:prstGeom>
+          <a:noFill/>
+        </p:spPr>
+        <p:txBody>
+          <a:bodyPr wrap="square" rtlCol="0">
+            <a:spAutoFit/>
+          </a:bodyPr>
+          <a:lstStyle/>
+          <a:p>
+            <a:r>
+              <a:rPr lang="en-US" dirty="0"/>
+              <a:t>Output 5V</a:t>
+            </a:r>
+            <a:endParaRPr lang="en-IL" dirty="0"/>
+          </a:p>
+        </p:txBody>
+      </p:sp>
+      <p:sp>
+        <p:nvSpPr>
+          <p:cNvPr id="31" name="TextBox 30">
+            <a:extLst>
+              <a:ext uri="{FF2B5EF4-FFF2-40B4-BE49-F238E27FC236}">
+                <a16:creationId xmlns:a16="http://schemas.microsoft.com/office/drawing/2014/main" id="{CF1FA4A8-E840-96B6-B076-FB2471BACADF}"/>
+              </a:ext>
+            </a:extLst>
+          </p:cNvPr>
+          <p:cNvSpPr txBox="1"/>
+          <p:nvPr/>
+        </p:nvSpPr>
+        <p:spPr>
+          <a:xfrm>
+            <a:off x="6172200" y="3523351"/>
+            <a:ext cx="1399031" cy="369332"/>
+          </a:xfrm>
+          <a:prstGeom prst="rect">
+            <a:avLst/>
+          </a:prstGeom>
+          <a:noFill/>
+        </p:spPr>
+        <p:txBody>
+          <a:bodyPr wrap="square" rtlCol="0">
+            <a:spAutoFit/>
+          </a:bodyPr>
+          <a:lstStyle/>
+          <a:p>
+            <a:r>
+              <a:rPr lang="en-US" dirty="0"/>
+              <a:t>Output 3.3V</a:t>
+            </a:r>
+            <a:endParaRPr lang="en-IL" dirty="0"/>
+          </a:p>
+        </p:txBody>
+      </p:sp>
+      <p:sp>
+        <p:nvSpPr>
+          <p:cNvPr id="32" name="TextBox 31">
+            <a:extLst>
+              <a:ext uri="{FF2B5EF4-FFF2-40B4-BE49-F238E27FC236}">
+                <a16:creationId xmlns:a16="http://schemas.microsoft.com/office/drawing/2014/main" id="{52D473CC-836B-CB1A-8314-46AF0566D25B}"/>
+              </a:ext>
+            </a:extLst>
+          </p:cNvPr>
+          <p:cNvSpPr txBox="1"/>
+          <p:nvPr/>
+        </p:nvSpPr>
+        <p:spPr>
+          <a:xfrm>
+            <a:off x="6167564" y="2828459"/>
+            <a:ext cx="2063892" cy="369332"/>
+          </a:xfrm>
+          <a:prstGeom prst="rect">
+            <a:avLst/>
+          </a:prstGeom>
+          <a:noFill/>
+        </p:spPr>
+        <p:txBody>
+          <a:bodyPr wrap="square" rtlCol="0">
+            <a:spAutoFit/>
+          </a:bodyPr>
+          <a:lstStyle/>
+          <a:p>
+            <a:r>
+              <a:rPr lang="en-US" dirty="0"/>
+              <a:t>For Barcode reader</a:t>
+            </a:r>
+            <a:endParaRPr lang="en-IL" dirty="0"/>
+          </a:p>
+        </p:txBody>
+      </p:sp>
+      <p:sp>
+        <p:nvSpPr>
+          <p:cNvPr id="35" name="TextBox 34">
+            <a:extLst>
+              <a:ext uri="{FF2B5EF4-FFF2-40B4-BE49-F238E27FC236}">
+                <a16:creationId xmlns:a16="http://schemas.microsoft.com/office/drawing/2014/main" id="{4736AE05-E400-08ED-8B80-7866DE108B83}"/>
+              </a:ext>
+            </a:extLst>
+          </p:cNvPr>
+          <p:cNvSpPr txBox="1"/>
+          <p:nvPr/>
+        </p:nvSpPr>
+        <p:spPr>
+          <a:xfrm>
+            <a:off x="6175486" y="3814208"/>
+            <a:ext cx="3151394" cy="369332"/>
+          </a:xfrm>
+          <a:prstGeom prst="rect">
+            <a:avLst/>
+          </a:prstGeom>
+          <a:noFill/>
+        </p:spPr>
+        <p:txBody>
+          <a:bodyPr wrap="square" rtlCol="0">
+            <a:spAutoFit/>
+          </a:bodyPr>
+          <a:lstStyle/>
+          <a:p>
+            <a:r>
+              <a:rPr lang="en-US" dirty="0"/>
+              <a:t>For ESP32 &amp; other components</a:t>
+            </a:r>
+            <a:endParaRPr lang="en-IL" dirty="0"/>
+          </a:p>
+        </p:txBody>
+      </p:sp>
+    </p:spTree>
+    <p:extLst>
+      <p:ext uri="{BB962C8B-B14F-4D97-AF65-F5344CB8AC3E}">
+        <p14:creationId xmlns:p14="http://schemas.microsoft.com/office/powerpoint/2010/main" val="3113378792"/>
+      </p:ext>
+    </p:extLst>
+  </p:cSld>
+  <p:clrMapOvr>
+    <a:masterClrMapping/>
+  </p:clrMapOvr>
+  <p:timing>
+    <p:tnLst>
+      <p:par>
+        <p:cTn id="1" dur="indefinite" restart="never" nodeType="tmRoot">
+          <p:childTnLst>
+            <p:seq concurrent="1" nextAc="seek">
+              <p:cTn id="2" dur="indefinite" nodeType="mainSeq">
+                <p:childTnLst>
+                  <p:par>
+                    <p:cTn id="3" fill="hold">
+                      <p:stCondLst>
+                        <p:cond delay="indefinite"/>
+                      </p:stCondLst>
+                      <p:childTnLst>
+                        <p:par>
+                          <p:cTn id="4" fill="hold">
+                            <p:stCondLst>
+                              <p:cond delay="0"/>
+                            </p:stCondLst>
+                            <p:childTnLst>
+                              <p:par>
+                                <p:cTn id="5" presetID="53" presetClass="entr" presetSubtype="16" fill="hold" nodeType="clickEffect">
+                                  <p:stCondLst>
+                                    <p:cond delay="0"/>
+                                  </p:stCondLst>
+                                  <p:childTnLst>
+                                    <p:set>
+                                      <p:cBhvr>
+                                        <p:cTn id="6" dur="1" fill="hold">
+                                          <p:stCondLst>
+                                            <p:cond delay="0"/>
+                                          </p:stCondLst>
+                                        </p:cTn>
+                                        <p:tgtEl>
+                                          <p:spTgt spid="4"/>
+                                        </p:tgtEl>
+                                        <p:attrNameLst>
+                                          <p:attrName>style.visibility</p:attrName>
+                                        </p:attrNameLst>
+                                      </p:cBhvr>
+                                      <p:to>
+                                        <p:strVal val="visible"/>
+                                      </p:to>
+                                    </p:set>
+                                    <p:anim calcmode="lin" valueType="num">
+                                      <p:cBhvr>
+                                        <p:cTn id="7" dur="500" fill="hold"/>
+                                        <p:tgtEl>
+                                          <p:spTgt spid="4"/>
+                                        </p:tgtEl>
+                                        <p:attrNameLst>
+                                          <p:attrName>ppt_w</p:attrName>
+                                        </p:attrNameLst>
+                                      </p:cBhvr>
+                                      <p:tavLst>
+                                        <p:tav tm="0">
+                                          <p:val>
+                                            <p:fltVal val="0"/>
+                                          </p:val>
+                                        </p:tav>
+                                        <p:tav tm="100000">
+                                          <p:val>
+                                            <p:strVal val="#ppt_w"/>
+                                          </p:val>
+                                        </p:tav>
+                                      </p:tavLst>
+                                    </p:anim>
+                                    <p:anim calcmode="lin" valueType="num">
+                                      <p:cBhvr>
+                                        <p:cTn id="8" dur="500" fill="hold"/>
+                                        <p:tgtEl>
+                                          <p:spTgt spid="4"/>
+                                        </p:tgtEl>
+                                        <p:attrNameLst>
+                                          <p:attrName>ppt_h</p:attrName>
+                                        </p:attrNameLst>
+                                      </p:cBhvr>
+                                      <p:tavLst>
+                                        <p:tav tm="0">
+                                          <p:val>
+                                            <p:fltVal val="0"/>
+                                          </p:val>
+                                        </p:tav>
+                                        <p:tav tm="100000">
+                                          <p:val>
+                                            <p:strVal val="#ppt_h"/>
+                                          </p:val>
+                                        </p:tav>
+                                      </p:tavLst>
+                                    </p:anim>
+                                    <p:animEffect transition="in" filter="fade">
+                                      <p:cBhvr>
+                                        <p:cTn id="9" dur="500"/>
+                                        <p:tgtEl>
+                                          <p:spTgt spid="4"/>
+                                        </p:tgtEl>
+                                      </p:cBhvr>
+                                    </p:animEffect>
+                                  </p:childTnLst>
+                                </p:cTn>
+                              </p:par>
+                            </p:childTnLst>
+                          </p:cTn>
+                        </p:par>
+                      </p:childTnLst>
+                    </p:cTn>
+                  </p:par>
+                  <p:par>
+                    <p:cTn id="10" fill="hold">
+                      <p:stCondLst>
+                        <p:cond delay="indefinite"/>
+                      </p:stCondLst>
+                      <p:childTnLst>
+                        <p:par>
+                          <p:cTn id="11" fill="hold">
+                            <p:stCondLst>
+                              <p:cond delay="0"/>
+                            </p:stCondLst>
+                            <p:childTnLst>
+                              <p:par>
+                                <p:cTn id="12" presetID="10" presetClass="entr" presetSubtype="0" fill="hold" grpId="0" nodeType="clickEffect">
+                                  <p:stCondLst>
+                                    <p:cond delay="0"/>
+                                  </p:stCondLst>
+                                  <p:childTnLst>
+                                    <p:set>
+                                      <p:cBhvr>
+                                        <p:cTn id="13" dur="1" fill="hold">
+                                          <p:stCondLst>
+                                            <p:cond delay="0"/>
+                                          </p:stCondLst>
+                                        </p:cTn>
+                                        <p:tgtEl>
+                                          <p:spTgt spid="13"/>
+                                        </p:tgtEl>
+                                        <p:attrNameLst>
+                                          <p:attrName>style.visibility</p:attrName>
+                                        </p:attrNameLst>
+                                      </p:cBhvr>
+                                      <p:to>
+                                        <p:strVal val="visible"/>
+                                      </p:to>
+                                    </p:set>
+                                    <p:animEffect transition="in" filter="fade">
+                                      <p:cBhvr>
+                                        <p:cTn id="14" dur="500"/>
+                                        <p:tgtEl>
+                                          <p:spTgt spid="13"/>
+                                        </p:tgtEl>
+                                      </p:cBhvr>
+                                    </p:animEffect>
+                                  </p:childTnLst>
+                                </p:cTn>
+                              </p:par>
+                            </p:childTnLst>
+                          </p:cTn>
+                        </p:par>
+                      </p:childTnLst>
+                    </p:cTn>
+                  </p:par>
+                  <p:par>
+                    <p:cTn id="15" fill="hold">
+                      <p:stCondLst>
+                        <p:cond delay="indefinite"/>
+                      </p:stCondLst>
+                      <p:childTnLst>
+                        <p:par>
+                          <p:cTn id="16" fill="hold">
+                            <p:stCondLst>
+                              <p:cond delay="0"/>
+                            </p:stCondLst>
+                            <p:childTnLst>
+                              <p:par>
+                                <p:cTn id="17" presetID="10" presetClass="entr" presetSubtype="0" fill="hold" grpId="0" nodeType="clickEffect">
+                                  <p:stCondLst>
+                                    <p:cond delay="0"/>
+                                  </p:stCondLst>
+                                  <p:childTnLst>
+                                    <p:set>
+                                      <p:cBhvr>
+                                        <p:cTn id="18" dur="1" fill="hold">
+                                          <p:stCondLst>
+                                            <p:cond delay="0"/>
+                                          </p:stCondLst>
+                                        </p:cTn>
+                                        <p:tgtEl>
+                                          <p:spTgt spid="7"/>
+                                        </p:tgtEl>
+                                        <p:attrNameLst>
+                                          <p:attrName>style.visibility</p:attrName>
+                                        </p:attrNameLst>
+                                      </p:cBhvr>
+                                      <p:to>
+                                        <p:strVal val="visible"/>
+                                      </p:to>
+                                    </p:set>
+                                    <p:animEffect transition="in" filter="fade">
+                                      <p:cBhvr>
+                                        <p:cTn id="19" dur="500"/>
+                                        <p:tgtEl>
+                                          <p:spTgt spid="7"/>
+                                        </p:tgtEl>
+                                      </p:cBhvr>
+                                    </p:animEffect>
+                                  </p:childTnLst>
+                                </p:cTn>
+                              </p:par>
+                            </p:childTnLst>
+                          </p:cTn>
+                        </p:par>
+                      </p:childTnLst>
+                    </p:cTn>
+                  </p:par>
+                  <p:par>
+                    <p:cTn id="20" fill="hold">
+                      <p:stCondLst>
+                        <p:cond delay="indefinite"/>
+                      </p:stCondLst>
+                      <p:childTnLst>
+                        <p:par>
+                          <p:cTn id="21" fill="hold">
+                            <p:stCondLst>
+                              <p:cond delay="0"/>
+                            </p:stCondLst>
+                            <p:childTnLst>
+                              <p:par>
+                                <p:cTn id="22" presetID="53" presetClass="entr" presetSubtype="16" fill="hold" nodeType="clickEffect">
+                                  <p:stCondLst>
+                                    <p:cond delay="0"/>
+                                  </p:stCondLst>
+                                  <p:childTnLst>
+                                    <p:set>
+                                      <p:cBhvr>
+                                        <p:cTn id="23" dur="1" fill="hold">
+                                          <p:stCondLst>
+                                            <p:cond delay="0"/>
+                                          </p:stCondLst>
+                                        </p:cTn>
+                                        <p:tgtEl>
+                                          <p:spTgt spid="24"/>
+                                        </p:tgtEl>
+                                        <p:attrNameLst>
+                                          <p:attrName>style.visibility</p:attrName>
+                                        </p:attrNameLst>
+                                      </p:cBhvr>
+                                      <p:to>
+                                        <p:strVal val="visible"/>
+                                      </p:to>
+                                    </p:set>
+                                    <p:anim calcmode="lin" valueType="num">
+                                      <p:cBhvr>
+                                        <p:cTn id="24" dur="500" fill="hold"/>
+                                        <p:tgtEl>
+                                          <p:spTgt spid="24"/>
+                                        </p:tgtEl>
+                                        <p:attrNameLst>
+                                          <p:attrName>ppt_w</p:attrName>
+                                        </p:attrNameLst>
+                                      </p:cBhvr>
+                                      <p:tavLst>
+                                        <p:tav tm="0">
+                                          <p:val>
+                                            <p:fltVal val="0"/>
+                                          </p:val>
+                                        </p:tav>
+                                        <p:tav tm="100000">
+                                          <p:val>
+                                            <p:strVal val="#ppt_w"/>
+                                          </p:val>
+                                        </p:tav>
+                                      </p:tavLst>
+                                    </p:anim>
+                                    <p:anim calcmode="lin" valueType="num">
+                                      <p:cBhvr>
+                                        <p:cTn id="25" dur="500" fill="hold"/>
+                                        <p:tgtEl>
+                                          <p:spTgt spid="24"/>
+                                        </p:tgtEl>
+                                        <p:attrNameLst>
+                                          <p:attrName>ppt_h</p:attrName>
+                                        </p:attrNameLst>
+                                      </p:cBhvr>
+                                      <p:tavLst>
+                                        <p:tav tm="0">
+                                          <p:val>
+                                            <p:fltVal val="0"/>
+                                          </p:val>
+                                        </p:tav>
+                                        <p:tav tm="100000">
+                                          <p:val>
+                                            <p:strVal val="#ppt_h"/>
+                                          </p:val>
+                                        </p:tav>
+                                      </p:tavLst>
+                                    </p:anim>
+                                    <p:animEffect transition="in" filter="fade">
+                                      <p:cBhvr>
+                                        <p:cTn id="26" dur="500"/>
+                                        <p:tgtEl>
+                                          <p:spTgt spid="24"/>
+                                        </p:tgtEl>
+                                      </p:cBhvr>
+                                    </p:animEffect>
+                                  </p:childTnLst>
+                                </p:cTn>
+                              </p:par>
+                            </p:childTnLst>
+                          </p:cTn>
+                        </p:par>
+                      </p:childTnLst>
+                    </p:cTn>
+                  </p:par>
+                  <p:par>
+                    <p:cTn id="27" fill="hold">
+                      <p:stCondLst>
+                        <p:cond delay="indefinite"/>
+                      </p:stCondLst>
+                      <p:childTnLst>
+                        <p:par>
+                          <p:cTn id="28" fill="hold">
+                            <p:stCondLst>
+                              <p:cond delay="0"/>
+                            </p:stCondLst>
+                            <p:childTnLst>
+                              <p:par>
+                                <p:cTn id="29" presetID="53" presetClass="entr" presetSubtype="16" fill="hold" nodeType="clickEffect">
+                                  <p:stCondLst>
+                                    <p:cond delay="0"/>
+                                  </p:stCondLst>
+                                  <p:childTnLst>
+                                    <p:set>
+                                      <p:cBhvr>
+                                        <p:cTn id="30" dur="1" fill="hold">
+                                          <p:stCondLst>
+                                            <p:cond delay="0"/>
+                                          </p:stCondLst>
+                                        </p:cTn>
+                                        <p:tgtEl>
+                                          <p:spTgt spid="27"/>
+                                        </p:tgtEl>
+                                        <p:attrNameLst>
+                                          <p:attrName>style.visibility</p:attrName>
+                                        </p:attrNameLst>
+                                      </p:cBhvr>
+                                      <p:to>
+                                        <p:strVal val="visible"/>
+                                      </p:to>
+                                    </p:set>
+                                    <p:anim calcmode="lin" valueType="num">
+                                      <p:cBhvr>
+                                        <p:cTn id="31" dur="500" fill="hold"/>
+                                        <p:tgtEl>
+                                          <p:spTgt spid="27"/>
+                                        </p:tgtEl>
+                                        <p:attrNameLst>
+                                          <p:attrName>ppt_w</p:attrName>
+                                        </p:attrNameLst>
+                                      </p:cBhvr>
+                                      <p:tavLst>
+                                        <p:tav tm="0">
+                                          <p:val>
+                                            <p:fltVal val="0"/>
+                                          </p:val>
+                                        </p:tav>
+                                        <p:tav tm="100000">
+                                          <p:val>
+                                            <p:strVal val="#ppt_w"/>
+                                          </p:val>
+                                        </p:tav>
+                                      </p:tavLst>
+                                    </p:anim>
+                                    <p:anim calcmode="lin" valueType="num">
+                                      <p:cBhvr>
+                                        <p:cTn id="32" dur="500" fill="hold"/>
+                                        <p:tgtEl>
+                                          <p:spTgt spid="27"/>
+                                        </p:tgtEl>
+                                        <p:attrNameLst>
+                                          <p:attrName>ppt_h</p:attrName>
+                                        </p:attrNameLst>
+                                      </p:cBhvr>
+                                      <p:tavLst>
+                                        <p:tav tm="0">
+                                          <p:val>
+                                            <p:fltVal val="0"/>
+                                          </p:val>
+                                        </p:tav>
+                                        <p:tav tm="100000">
+                                          <p:val>
+                                            <p:strVal val="#ppt_h"/>
+                                          </p:val>
+                                        </p:tav>
+                                      </p:tavLst>
+                                    </p:anim>
+                                    <p:animEffect transition="in" filter="fade">
+                                      <p:cBhvr>
+                                        <p:cTn id="33" dur="500"/>
+                                        <p:tgtEl>
+                                          <p:spTgt spid="27"/>
+                                        </p:tgtEl>
+                                      </p:cBhvr>
+                                    </p:animEffect>
+                                  </p:childTnLst>
+                                </p:cTn>
+                              </p:par>
+                            </p:childTnLst>
+                          </p:cTn>
+                        </p:par>
+                      </p:childTnLst>
+                    </p:cTn>
+                  </p:par>
+                </p:childTnLst>
+              </p:cTn>
+              <p:prevCondLst>
+                <p:cond evt="onPrev" delay="0">
+                  <p:tgtEl>
+                    <p:sldTgt/>
+                  </p:tgtEl>
+                </p:cond>
+              </p:prevCondLst>
+              <p:nextCondLst>
+                <p:cond evt="onNext" delay="0">
+                  <p:tgtEl>
+                    <p:sldTgt/>
+                  </p:tgtEl>
+                </p:cond>
+              </p:nextCondLst>
+            </p:seq>
+          </p:childTnLst>
+        </p:cTn>
+      </p:par>
+    </p:tnLst>
+    <p:bldLst>
+      <p:bldP spid="13" grpId="0" animBg="1"/>
+      <p:bldP spid="7" grpId="0" animBg="1"/>
+    </p:bldLst>
+  </p:timing>
+</p:sld>
+</file>
+
+<file path=ppt/slides/slide9.xml><?xml version="1.0" encoding="utf-8"?>
 <p:sld xmlns:a="http://schemas.openxmlformats.org/drawingml/2006/main" xmlns:r="http://schemas.openxmlformats.org/officeDocument/2006/relationships" xmlns:p="http://schemas.openxmlformats.org/presentationml/2006/main">
   <p:cSld>
     <p:spTree>
@@ -27169,108 +28808,6 @@
     <p:extLst>
       <p:ext uri="{BB962C8B-B14F-4D97-AF65-F5344CB8AC3E}">
         <p14:creationId xmlns:p14="http://schemas.microsoft.com/office/powerpoint/2010/main" val="3389583032"/>
-      </p:ext>
-    </p:extLst>
-  </p:cSld>
-  <p:clrMapOvr>
-    <a:masterClrMapping/>
-  </p:clrMapOvr>
-</p:sld>
-</file>
-
-<file path=ppt/slides/slide9.xml><?xml version="1.0" encoding="utf-8"?>
-<p:sld xmlns:a="http://schemas.openxmlformats.org/drawingml/2006/main" xmlns:r="http://schemas.openxmlformats.org/officeDocument/2006/relationships" xmlns:p="http://schemas.openxmlformats.org/presentationml/2006/main">
-  <p:cSld>
-    <p:spTree>
-      <p:nvGrpSpPr>
-        <p:cNvPr id="1" name=""/>
-        <p:cNvGrpSpPr/>
-        <p:nvPr/>
-      </p:nvGrpSpPr>
-      <p:grpSpPr>
-        <a:xfrm>
-          <a:off x="0" y="0"/>
-          <a:ext cx="0" cy="0"/>
-          <a:chOff x="0" y="0"/>
-          <a:chExt cx="0" cy="0"/>
-        </a:xfrm>
-      </p:grpSpPr>
-      <p:sp>
-        <p:nvSpPr>
-          <p:cNvPr id="2" name="Title 1">
-            <a:extLst>
-              <a:ext uri="{FF2B5EF4-FFF2-40B4-BE49-F238E27FC236}">
-                <a16:creationId xmlns:a16="http://schemas.microsoft.com/office/drawing/2014/main" id="{6AD343CC-C763-D389-639C-D78CF783AE7A}"/>
-              </a:ext>
-            </a:extLst>
-          </p:cNvPr>
-          <p:cNvSpPr>
-            <a:spLocks noGrp="1"/>
-          </p:cNvSpPr>
-          <p:nvPr>
-            <p:ph type="title"/>
-          </p:nvPr>
-        </p:nvSpPr>
-        <p:spPr>
-          <a:xfrm>
-            <a:off x="945470" y="161317"/>
-            <a:ext cx="9905998" cy="1478570"/>
-          </a:xfrm>
-        </p:spPr>
-        <p:txBody>
-          <a:bodyPr>
-            <a:normAutofit/>
-          </a:bodyPr>
-          <a:lstStyle/>
-          <a:p>
-            <a:pPr algn="ctr"/>
-            <a:r>
-              <a:rPr lang="en-US" b="1" dirty="0">
-                <a:cs typeface="Arial" panose="020B0604020202020204" pitchFamily="34" charset="0"/>
-              </a:rPr>
-              <a:t>Challenges</a:t>
-            </a:r>
-            <a:endParaRPr lang="en-IL" dirty="0">
-              <a:cs typeface="Arial" panose="020B0604020202020204" pitchFamily="34" charset="0"/>
-            </a:endParaRPr>
-          </a:p>
-        </p:txBody>
-      </p:sp>
-      <p:graphicFrame>
-        <p:nvGraphicFramePr>
-          <p:cNvPr id="5" name="Content Placeholder 2">
-            <a:extLst>
-              <a:ext uri="{FF2B5EF4-FFF2-40B4-BE49-F238E27FC236}">
-                <a16:creationId xmlns:a16="http://schemas.microsoft.com/office/drawing/2014/main" id="{A9305F76-4367-B5E6-A7E0-F392F0F7580C}"/>
-              </a:ext>
-            </a:extLst>
-          </p:cNvPr>
-          <p:cNvGraphicFramePr>
-            <a:graphicFrameLocks noGrp="1"/>
-          </p:cNvGraphicFramePr>
-          <p:nvPr>
-            <p:ph idx="1"/>
-            <p:extLst>
-              <p:ext uri="{D42A27DB-BD31-4B8C-83A1-F6EECF244321}">
-                <p14:modId xmlns:p14="http://schemas.microsoft.com/office/powerpoint/2010/main" val="1720728073"/>
-              </p:ext>
-            </p:extLst>
-          </p:nvPr>
-        </p:nvGraphicFramePr>
-        <p:xfrm>
-          <a:off x="1097715" y="1624710"/>
-          <a:ext cx="9905998" cy="4575855"/>
-        </p:xfrm>
-        <a:graphic>
-          <a:graphicData uri="http://schemas.openxmlformats.org/drawingml/2006/diagram">
-            <dgm:relIds xmlns:dgm="http://schemas.openxmlformats.org/drawingml/2006/diagram" xmlns:r="http://schemas.openxmlformats.org/officeDocument/2006/relationships" r:dm="rId2" r:lo="rId3" r:qs="rId4" r:cs="rId5"/>
-          </a:graphicData>
-        </a:graphic>
-      </p:graphicFrame>
-    </p:spTree>
-    <p:extLst>
-      <p:ext uri="{BB962C8B-B14F-4D97-AF65-F5344CB8AC3E}">
-        <p14:creationId xmlns:p14="http://schemas.microsoft.com/office/powerpoint/2010/main" val="2696104758"/>
       </p:ext>
     </p:extLst>
   </p:cSld>
